--- a/图形学算法/多边形扫描线法填充/多边形填充.pptx
+++ b/图形学算法/多边形扫描线法填充/多边形填充.pptx
@@ -8,10 +8,6 @@
     <p:sldId id="256" r:id="rId2"/>
     <p:sldId id="257" r:id="rId3"/>
     <p:sldId id="258" r:id="rId4"/>
-    <p:sldId id="259" r:id="rId5"/>
-    <p:sldId id="261" r:id="rId6"/>
-    <p:sldId id="260" r:id="rId7"/>
-    <p:sldId id="262" r:id="rId8"/>
   </p:sldIdLst>
   <p:sldSz cx="12192000" cy="6858000"/>
   <p:notesSz cx="6858000" cy="9144000"/>
@@ -110,6 +106,11 @@
       </a:defRPr>
     </a:lvl9pPr>
   </p:defaultTextStyle>
+  <p:extLst>
+    <p:ext uri="{EFAFB233-063F-42B5-8137-9DF3F51BA10A}">
+      <p15:sldGuideLst xmlns:p15="http://schemas.microsoft.com/office/powerpoint/2012/main"/>
+    </p:ext>
+  </p:extLst>
 </p:presentation>
 </file>
 
@@ -260,7 +261,7 @@
           <a:p>
             <a:fld id="{4719EB08-D700-7A4F-82A3-1A72DDA3832D}" type="datetimeFigureOut">
               <a:rPr kumimoji="1" lang="zh-CN" altLang="en-US" smtClean="0"/>
-              <a:t>2021/11/16</a:t>
+              <a:t>2021/12/21</a:t>
             </a:fld>
             <a:endParaRPr kumimoji="1" lang="zh-CN" altLang="en-US"/>
           </a:p>
@@ -458,7 +459,7 @@
           <a:p>
             <a:fld id="{4719EB08-D700-7A4F-82A3-1A72DDA3832D}" type="datetimeFigureOut">
               <a:rPr kumimoji="1" lang="zh-CN" altLang="en-US" smtClean="0"/>
-              <a:t>2021/11/16</a:t>
+              <a:t>2021/12/21</a:t>
             </a:fld>
             <a:endParaRPr kumimoji="1" lang="zh-CN" altLang="en-US"/>
           </a:p>
@@ -666,7 +667,7 @@
           <a:p>
             <a:fld id="{4719EB08-D700-7A4F-82A3-1A72DDA3832D}" type="datetimeFigureOut">
               <a:rPr kumimoji="1" lang="zh-CN" altLang="en-US" smtClean="0"/>
-              <a:t>2021/11/16</a:t>
+              <a:t>2021/12/21</a:t>
             </a:fld>
             <a:endParaRPr kumimoji="1" lang="zh-CN" altLang="en-US"/>
           </a:p>
@@ -864,7 +865,7 @@
           <a:p>
             <a:fld id="{4719EB08-D700-7A4F-82A3-1A72DDA3832D}" type="datetimeFigureOut">
               <a:rPr kumimoji="1" lang="zh-CN" altLang="en-US" smtClean="0"/>
-              <a:t>2021/11/16</a:t>
+              <a:t>2021/12/21</a:t>
             </a:fld>
             <a:endParaRPr kumimoji="1" lang="zh-CN" altLang="en-US"/>
           </a:p>
@@ -1139,7 +1140,7 @@
           <a:p>
             <a:fld id="{4719EB08-D700-7A4F-82A3-1A72DDA3832D}" type="datetimeFigureOut">
               <a:rPr kumimoji="1" lang="zh-CN" altLang="en-US" smtClean="0"/>
-              <a:t>2021/11/16</a:t>
+              <a:t>2021/12/21</a:t>
             </a:fld>
             <a:endParaRPr kumimoji="1" lang="zh-CN" altLang="en-US"/>
           </a:p>
@@ -1404,7 +1405,7 @@
           <a:p>
             <a:fld id="{4719EB08-D700-7A4F-82A3-1A72DDA3832D}" type="datetimeFigureOut">
               <a:rPr kumimoji="1" lang="zh-CN" altLang="en-US" smtClean="0"/>
-              <a:t>2021/11/16</a:t>
+              <a:t>2021/12/21</a:t>
             </a:fld>
             <a:endParaRPr kumimoji="1" lang="zh-CN" altLang="en-US"/>
           </a:p>
@@ -1816,7 +1817,7 @@
           <a:p>
             <a:fld id="{4719EB08-D700-7A4F-82A3-1A72DDA3832D}" type="datetimeFigureOut">
               <a:rPr kumimoji="1" lang="zh-CN" altLang="en-US" smtClean="0"/>
-              <a:t>2021/11/16</a:t>
+              <a:t>2021/12/21</a:t>
             </a:fld>
             <a:endParaRPr kumimoji="1" lang="zh-CN" altLang="en-US"/>
           </a:p>
@@ -1957,7 +1958,7 @@
           <a:p>
             <a:fld id="{4719EB08-D700-7A4F-82A3-1A72DDA3832D}" type="datetimeFigureOut">
               <a:rPr kumimoji="1" lang="zh-CN" altLang="en-US" smtClean="0"/>
-              <a:t>2021/11/16</a:t>
+              <a:t>2021/12/21</a:t>
             </a:fld>
             <a:endParaRPr kumimoji="1" lang="zh-CN" altLang="en-US"/>
           </a:p>
@@ -2070,7 +2071,7 @@
           <a:p>
             <a:fld id="{4719EB08-D700-7A4F-82A3-1A72DDA3832D}" type="datetimeFigureOut">
               <a:rPr kumimoji="1" lang="zh-CN" altLang="en-US" smtClean="0"/>
-              <a:t>2021/11/16</a:t>
+              <a:t>2021/12/21</a:t>
             </a:fld>
             <a:endParaRPr kumimoji="1" lang="zh-CN" altLang="en-US"/>
           </a:p>
@@ -2381,7 +2382,7 @@
           <a:p>
             <a:fld id="{4719EB08-D700-7A4F-82A3-1A72DDA3832D}" type="datetimeFigureOut">
               <a:rPr kumimoji="1" lang="zh-CN" altLang="en-US" smtClean="0"/>
-              <a:t>2021/11/16</a:t>
+              <a:t>2021/12/21</a:t>
             </a:fld>
             <a:endParaRPr kumimoji="1" lang="zh-CN" altLang="en-US"/>
           </a:p>
@@ -2669,7 +2670,7 @@
           <a:p>
             <a:fld id="{4719EB08-D700-7A4F-82A3-1A72DDA3832D}" type="datetimeFigureOut">
               <a:rPr kumimoji="1" lang="zh-CN" altLang="en-US" smtClean="0"/>
-              <a:t>2021/11/16</a:t>
+              <a:t>2021/12/21</a:t>
             </a:fld>
             <a:endParaRPr kumimoji="1" lang="zh-CN" altLang="en-US"/>
           </a:p>
@@ -2910,7 +2911,7 @@
           <a:p>
             <a:fld id="{4719EB08-D700-7A4F-82A3-1A72DDA3832D}" type="datetimeFigureOut">
               <a:rPr kumimoji="1" lang="zh-CN" altLang="en-US" smtClean="0"/>
-              <a:t>2021/11/16</a:t>
+              <a:t>2021/12/21</a:t>
             </a:fld>
             <a:endParaRPr kumimoji="1" lang="zh-CN" altLang="en-US"/>
           </a:p>
@@ -3329,10 +3330,10 @@
       </p:grpSpPr>
       <p:sp>
         <p:nvSpPr>
-          <p:cNvPr id="5" name="任意形状 4">
-            <a:extLst>
-              <a:ext uri="{FF2B5EF4-FFF2-40B4-BE49-F238E27FC236}">
-                <a16:creationId xmlns:a16="http://schemas.microsoft.com/office/drawing/2014/main" id="{D764FB1F-313C-5443-9397-8FC7FF12859F}"/>
+          <p:cNvPr id="4" name="任意形状 3">
+            <a:extLst>
+              <a:ext uri="{FF2B5EF4-FFF2-40B4-BE49-F238E27FC236}">
+                <a16:creationId xmlns:a16="http://schemas.microsoft.com/office/drawing/2014/main" id="{FE9DE17F-022A-C640-969A-03F549648120}"/>
               </a:ext>
             </a:extLst>
           </p:cNvPr>
@@ -3340,128 +3341,9 @@
           <p:nvPr/>
         </p:nvSpPr>
         <p:spPr>
-          <a:xfrm>
-            <a:off x="3482102" y="1937577"/>
-            <a:ext cx="2476500" cy="1931670"/>
-          </a:xfrm>
-          <a:custGeom>
-            <a:avLst/>
-            <a:gdLst>
-              <a:gd name="connsiteX0" fmla="*/ 18167 w 2476752"/>
-              <a:gd name="connsiteY0" fmla="*/ 320949 h 1931746"/>
-              <a:gd name="connsiteX1" fmla="*/ 1519963 w 2476752"/>
-              <a:gd name="connsiteY1" fmla="*/ 0 h 1931746"/>
-              <a:gd name="connsiteX2" fmla="*/ 1241404 w 2476752"/>
-              <a:gd name="connsiteY2" fmla="*/ 775121 h 1931746"/>
-              <a:gd name="connsiteX3" fmla="*/ 2476752 w 2476752"/>
-              <a:gd name="connsiteY3" fmla="*/ 1047624 h 1931746"/>
-              <a:gd name="connsiteX4" fmla="*/ 1114236 w 2476752"/>
-              <a:gd name="connsiteY4" fmla="*/ 1931746 h 1931746"/>
-              <a:gd name="connsiteX5" fmla="*/ 0 w 2476752"/>
-              <a:gd name="connsiteY5" fmla="*/ 1435184 h 1931746"/>
-              <a:gd name="connsiteX6" fmla="*/ 18167 w 2476752"/>
-              <a:gd name="connsiteY6" fmla="*/ 320949 h 1931746"/>
-            </a:gdLst>
-            <a:ahLst/>
-            <a:cxnLst>
-              <a:cxn ang="0">
-                <a:pos x="connsiteX0" y="connsiteY0"/>
-              </a:cxn>
-              <a:cxn ang="0">
-                <a:pos x="connsiteX1" y="connsiteY1"/>
-              </a:cxn>
-              <a:cxn ang="0">
-                <a:pos x="connsiteX2" y="connsiteY2"/>
-              </a:cxn>
-              <a:cxn ang="0">
-                <a:pos x="connsiteX3" y="connsiteY3"/>
-              </a:cxn>
-              <a:cxn ang="0">
-                <a:pos x="connsiteX4" y="connsiteY4"/>
-              </a:cxn>
-              <a:cxn ang="0">
-                <a:pos x="connsiteX5" y="connsiteY5"/>
-              </a:cxn>
-              <a:cxn ang="0">
-                <a:pos x="connsiteX6" y="connsiteY6"/>
-              </a:cxn>
-            </a:cxnLst>
-            <a:rect l="l" t="t" r="r" b="b"/>
-            <a:pathLst>
-              <a:path w="2476752" h="1931746">
-                <a:moveTo>
-                  <a:pt x="18167" y="320949"/>
-                </a:moveTo>
-                <a:lnTo>
-                  <a:pt x="1519963" y="0"/>
-                </a:lnTo>
-                <a:lnTo>
-                  <a:pt x="1241404" y="775121"/>
-                </a:lnTo>
-                <a:lnTo>
-                  <a:pt x="2476752" y="1047624"/>
-                </a:lnTo>
-                <a:lnTo>
-                  <a:pt x="1114236" y="1931746"/>
-                </a:lnTo>
-                <a:lnTo>
-                  <a:pt x="0" y="1435184"/>
-                </a:lnTo>
-                <a:lnTo>
-                  <a:pt x="18167" y="320949"/>
-                </a:lnTo>
-                <a:close/>
-              </a:path>
-            </a:pathLst>
-          </a:custGeom>
-          <a:noFill/>
-          <a:ln w="41275"/>
-        </p:spPr>
-        <p:style>
-          <a:lnRef idx="2">
-            <a:schemeClr val="accent1">
-              <a:shade val="50000"/>
-            </a:schemeClr>
-          </a:lnRef>
-          <a:fillRef idx="1">
-            <a:schemeClr val="accent1"/>
-          </a:fillRef>
-          <a:effectRef idx="0">
-            <a:schemeClr val="accent1"/>
-          </a:effectRef>
-          <a:fontRef idx="minor">
-            <a:schemeClr val="lt1"/>
-          </a:fontRef>
-        </p:style>
-        <p:txBody>
-          <a:bodyPr rot="0" spcFirstLastPara="0" vert="horz" wrap="square" lIns="91440" tIns="45720" rIns="91440" bIns="45720" numCol="1" spcCol="0" rtlCol="0" fromWordArt="0" anchor="ctr" anchorCtr="0" forceAA="0" compatLnSpc="1">
-            <a:prstTxWarp prst="textNoShape">
-              <a:avLst/>
-            </a:prstTxWarp>
-            <a:noAutofit/>
-          </a:bodyPr>
-          <a:lstStyle/>
-          <a:p>
-            <a:endParaRPr lang="zh-CN" altLang="en-US" dirty="0"/>
-          </a:p>
-        </p:txBody>
-      </p:sp>
-      <p:sp>
-        <p:nvSpPr>
-          <p:cNvPr id="4" name="任意形状 3">
-            <a:extLst>
-              <a:ext uri="{FF2B5EF4-FFF2-40B4-BE49-F238E27FC236}">
-                <a16:creationId xmlns:a16="http://schemas.microsoft.com/office/drawing/2014/main" id="{FE9DE17F-022A-C640-969A-03F549648120}"/>
-              </a:ext>
-            </a:extLst>
-          </p:cNvPr>
-          <p:cNvSpPr/>
-          <p:nvPr/>
-        </p:nvSpPr>
-        <p:spPr>
-          <a:xfrm>
-            <a:off x="2386399" y="1882398"/>
-            <a:ext cx="2476500" cy="1931670"/>
+          <a:xfrm rot="7945484">
+            <a:off x="3254809" y="1492720"/>
+            <a:ext cx="3235983" cy="2810645"/>
           </a:xfrm>
           <a:custGeom>
             <a:avLst/>
@@ -3569,6 +3451,325 @@
           </a:p>
         </p:txBody>
       </p:sp>
+      <p:cxnSp>
+        <p:nvCxnSpPr>
+          <p:cNvPr id="3" name="直线连接符 2">
+            <a:extLst>
+              <a:ext uri="{FF2B5EF4-FFF2-40B4-BE49-F238E27FC236}">
+                <a16:creationId xmlns:a16="http://schemas.microsoft.com/office/drawing/2014/main" id="{5291C4FB-B030-0C44-A93C-25015778CACC}"/>
+              </a:ext>
+            </a:extLst>
+          </p:cNvPr>
+          <p:cNvCxnSpPr/>
+          <p:nvPr/>
+        </p:nvCxnSpPr>
+        <p:spPr>
+          <a:xfrm>
+            <a:off x="2944698" y="3616760"/>
+            <a:ext cx="4056993" cy="0"/>
+          </a:xfrm>
+          <a:prstGeom prst="line">
+            <a:avLst/>
+          </a:prstGeom>
+          <a:ln w="19050"/>
+        </p:spPr>
+        <p:style>
+          <a:lnRef idx="1">
+            <a:schemeClr val="accent1"/>
+          </a:lnRef>
+          <a:fillRef idx="0">
+            <a:schemeClr val="accent1"/>
+          </a:fillRef>
+          <a:effectRef idx="0">
+            <a:schemeClr val="accent1"/>
+          </a:effectRef>
+          <a:fontRef idx="minor">
+            <a:schemeClr val="tx1"/>
+          </a:fontRef>
+        </p:style>
+      </p:cxnSp>
+      <p:cxnSp>
+        <p:nvCxnSpPr>
+          <p:cNvPr id="6" name="直线连接符 5">
+            <a:extLst>
+              <a:ext uri="{FF2B5EF4-FFF2-40B4-BE49-F238E27FC236}">
+                <a16:creationId xmlns:a16="http://schemas.microsoft.com/office/drawing/2014/main" id="{16571CB5-CDB8-3B4D-AEC3-687E7D79967B}"/>
+              </a:ext>
+            </a:extLst>
+          </p:cNvPr>
+          <p:cNvCxnSpPr>
+            <a:cxnSpLocks/>
+          </p:cNvCxnSpPr>
+          <p:nvPr/>
+        </p:nvCxnSpPr>
+        <p:spPr>
+          <a:xfrm>
+            <a:off x="3711053" y="3625468"/>
+            <a:ext cx="534376" cy="0"/>
+          </a:xfrm>
+          <a:prstGeom prst="line">
+            <a:avLst/>
+          </a:prstGeom>
+          <a:ln w="19050">
+            <a:solidFill>
+              <a:srgbClr val="FF0000"/>
+            </a:solidFill>
+          </a:ln>
+        </p:spPr>
+        <p:style>
+          <a:lnRef idx="1">
+            <a:schemeClr val="accent1"/>
+          </a:lnRef>
+          <a:fillRef idx="0">
+            <a:schemeClr val="accent1"/>
+          </a:fillRef>
+          <a:effectRef idx="0">
+            <a:schemeClr val="accent1"/>
+          </a:effectRef>
+          <a:fontRef idx="minor">
+            <a:schemeClr val="tx1"/>
+          </a:fontRef>
+        </p:style>
+      </p:cxnSp>
+      <p:cxnSp>
+        <p:nvCxnSpPr>
+          <p:cNvPr id="9" name="直线连接符 8">
+            <a:extLst>
+              <a:ext uri="{FF2B5EF4-FFF2-40B4-BE49-F238E27FC236}">
+                <a16:creationId xmlns:a16="http://schemas.microsoft.com/office/drawing/2014/main" id="{E4B46D1F-3879-3141-B679-744AD9F4A261}"/>
+              </a:ext>
+            </a:extLst>
+          </p:cNvPr>
+          <p:cNvCxnSpPr>
+            <a:cxnSpLocks/>
+          </p:cNvCxnSpPr>
+          <p:nvPr/>
+        </p:nvCxnSpPr>
+        <p:spPr>
+          <a:xfrm>
+            <a:off x="5365682" y="3619462"/>
+            <a:ext cx="534376" cy="0"/>
+          </a:xfrm>
+          <a:prstGeom prst="line">
+            <a:avLst/>
+          </a:prstGeom>
+          <a:ln w="19050">
+            <a:solidFill>
+              <a:srgbClr val="FF0000"/>
+            </a:solidFill>
+          </a:ln>
+        </p:spPr>
+        <p:style>
+          <a:lnRef idx="1">
+            <a:schemeClr val="accent1"/>
+          </a:lnRef>
+          <a:fillRef idx="0">
+            <a:schemeClr val="accent1"/>
+          </a:fillRef>
+          <a:effectRef idx="0">
+            <a:schemeClr val="accent1"/>
+          </a:effectRef>
+          <a:fontRef idx="minor">
+            <a:schemeClr val="tx1"/>
+          </a:fontRef>
+        </p:style>
+      </p:cxnSp>
+      <p:sp>
+        <p:nvSpPr>
+          <p:cNvPr id="10" name="椭圆 9">
+            <a:extLst>
+              <a:ext uri="{FF2B5EF4-FFF2-40B4-BE49-F238E27FC236}">
+                <a16:creationId xmlns:a16="http://schemas.microsoft.com/office/drawing/2014/main" id="{953A14C8-6E2B-BA4A-8141-0E6AD8DD86ED}"/>
+              </a:ext>
+            </a:extLst>
+          </p:cNvPr>
+          <p:cNvSpPr/>
+          <p:nvPr/>
+        </p:nvSpPr>
+        <p:spPr>
+          <a:xfrm>
+            <a:off x="3670661" y="3566162"/>
+            <a:ext cx="108000" cy="108000"/>
+          </a:xfrm>
+          <a:prstGeom prst="ellipse">
+            <a:avLst/>
+          </a:prstGeom>
+          <a:solidFill>
+            <a:schemeClr val="accent4"/>
+          </a:solidFill>
+        </p:spPr>
+        <p:style>
+          <a:lnRef idx="2">
+            <a:schemeClr val="accent1">
+              <a:shade val="50000"/>
+            </a:schemeClr>
+          </a:lnRef>
+          <a:fillRef idx="1">
+            <a:schemeClr val="accent1"/>
+          </a:fillRef>
+          <a:effectRef idx="0">
+            <a:schemeClr val="accent1"/>
+          </a:effectRef>
+          <a:fontRef idx="minor">
+            <a:schemeClr val="lt1"/>
+          </a:fontRef>
+        </p:style>
+        <p:txBody>
+          <a:bodyPr rtlCol="0" anchor="ctr"/>
+          <a:lstStyle/>
+          <a:p>
+            <a:pPr algn="ctr"/>
+            <a:endParaRPr kumimoji="1" lang="zh-CN" altLang="en-US"/>
+          </a:p>
+        </p:txBody>
+      </p:sp>
+      <p:sp>
+        <p:nvSpPr>
+          <p:cNvPr id="11" name="椭圆 10">
+            <a:extLst>
+              <a:ext uri="{FF2B5EF4-FFF2-40B4-BE49-F238E27FC236}">
+                <a16:creationId xmlns:a16="http://schemas.microsoft.com/office/drawing/2014/main" id="{A6900E20-6B60-AC4E-A13B-5278C2A0F0C9}"/>
+              </a:ext>
+            </a:extLst>
+          </p:cNvPr>
+          <p:cNvSpPr/>
+          <p:nvPr/>
+        </p:nvSpPr>
+        <p:spPr>
+          <a:xfrm>
+            <a:off x="4228011" y="3574869"/>
+            <a:ext cx="108000" cy="108000"/>
+          </a:xfrm>
+          <a:prstGeom prst="ellipse">
+            <a:avLst/>
+          </a:prstGeom>
+          <a:solidFill>
+            <a:schemeClr val="accent4"/>
+          </a:solidFill>
+        </p:spPr>
+        <p:style>
+          <a:lnRef idx="2">
+            <a:schemeClr val="accent1">
+              <a:shade val="50000"/>
+            </a:schemeClr>
+          </a:lnRef>
+          <a:fillRef idx="1">
+            <a:schemeClr val="accent1"/>
+          </a:fillRef>
+          <a:effectRef idx="0">
+            <a:schemeClr val="accent1"/>
+          </a:effectRef>
+          <a:fontRef idx="minor">
+            <a:schemeClr val="lt1"/>
+          </a:fontRef>
+        </p:style>
+        <p:txBody>
+          <a:bodyPr rtlCol="0" anchor="ctr"/>
+          <a:lstStyle/>
+          <a:p>
+            <a:pPr algn="ctr"/>
+            <a:endParaRPr kumimoji="1" lang="zh-CN" altLang="en-US"/>
+          </a:p>
+        </p:txBody>
+      </p:sp>
+      <p:sp>
+        <p:nvSpPr>
+          <p:cNvPr id="12" name="椭圆 11">
+            <a:extLst>
+              <a:ext uri="{FF2B5EF4-FFF2-40B4-BE49-F238E27FC236}">
+                <a16:creationId xmlns:a16="http://schemas.microsoft.com/office/drawing/2014/main" id="{177D4850-522C-7449-A3E4-F738F8771333}"/>
+              </a:ext>
+            </a:extLst>
+          </p:cNvPr>
+          <p:cNvSpPr/>
+          <p:nvPr/>
+        </p:nvSpPr>
+        <p:spPr>
+          <a:xfrm>
+            <a:off x="5307877" y="3570513"/>
+            <a:ext cx="108000" cy="108000"/>
+          </a:xfrm>
+          <a:prstGeom prst="ellipse">
+            <a:avLst/>
+          </a:prstGeom>
+          <a:solidFill>
+            <a:schemeClr val="accent4"/>
+          </a:solidFill>
+        </p:spPr>
+        <p:style>
+          <a:lnRef idx="2">
+            <a:schemeClr val="accent1">
+              <a:shade val="50000"/>
+            </a:schemeClr>
+          </a:lnRef>
+          <a:fillRef idx="1">
+            <a:schemeClr val="accent1"/>
+          </a:fillRef>
+          <a:effectRef idx="0">
+            <a:schemeClr val="accent1"/>
+          </a:effectRef>
+          <a:fontRef idx="minor">
+            <a:schemeClr val="lt1"/>
+          </a:fontRef>
+        </p:style>
+        <p:txBody>
+          <a:bodyPr rtlCol="0" anchor="ctr"/>
+          <a:lstStyle/>
+          <a:p>
+            <a:pPr algn="ctr"/>
+            <a:endParaRPr kumimoji="1" lang="zh-CN" altLang="en-US"/>
+          </a:p>
+        </p:txBody>
+      </p:sp>
+      <p:sp>
+        <p:nvSpPr>
+          <p:cNvPr id="13" name="椭圆 12">
+            <a:extLst>
+              <a:ext uri="{FF2B5EF4-FFF2-40B4-BE49-F238E27FC236}">
+                <a16:creationId xmlns:a16="http://schemas.microsoft.com/office/drawing/2014/main" id="{E49CFAB2-2828-4A42-8695-13BA60FCF8B1}"/>
+              </a:ext>
+            </a:extLst>
+          </p:cNvPr>
+          <p:cNvSpPr/>
+          <p:nvPr/>
+        </p:nvSpPr>
+        <p:spPr>
+          <a:xfrm>
+            <a:off x="5891353" y="3566157"/>
+            <a:ext cx="108000" cy="108000"/>
+          </a:xfrm>
+          <a:prstGeom prst="ellipse">
+            <a:avLst/>
+          </a:prstGeom>
+          <a:solidFill>
+            <a:schemeClr val="accent4"/>
+          </a:solidFill>
+        </p:spPr>
+        <p:style>
+          <a:lnRef idx="2">
+            <a:schemeClr val="accent1">
+              <a:shade val="50000"/>
+            </a:schemeClr>
+          </a:lnRef>
+          <a:fillRef idx="1">
+            <a:schemeClr val="accent1"/>
+          </a:fillRef>
+          <a:effectRef idx="0">
+            <a:schemeClr val="accent1"/>
+          </a:effectRef>
+          <a:fontRef idx="minor">
+            <a:schemeClr val="lt1"/>
+          </a:fontRef>
+        </p:style>
+        <p:txBody>
+          <a:bodyPr rtlCol="0" anchor="ctr"/>
+          <a:lstStyle/>
+          <a:p>
+            <a:pPr algn="ctr"/>
+            <a:endParaRPr kumimoji="1" lang="zh-CN" altLang="en-US"/>
+          </a:p>
+        </p:txBody>
+      </p:sp>
     </p:spTree>
     <p:extLst>
       <p:ext uri="{BB962C8B-B14F-4D97-AF65-F5344CB8AC3E}">
@@ -3601,10 +3802,10 @@
       </p:grpSpPr>
       <p:sp>
         <p:nvSpPr>
-          <p:cNvPr id="5" name="任意形状 4">
-            <a:extLst>
-              <a:ext uri="{FF2B5EF4-FFF2-40B4-BE49-F238E27FC236}">
-                <a16:creationId xmlns:a16="http://schemas.microsoft.com/office/drawing/2014/main" id="{D764FB1F-313C-5443-9397-8FC7FF12859F}"/>
+          <p:cNvPr id="4" name="任意形状 3">
+            <a:extLst>
+              <a:ext uri="{FF2B5EF4-FFF2-40B4-BE49-F238E27FC236}">
+                <a16:creationId xmlns:a16="http://schemas.microsoft.com/office/drawing/2014/main" id="{FE9DE17F-022A-C640-969A-03F549648120}"/>
               </a:ext>
             </a:extLst>
           </p:cNvPr>
@@ -3612,128 +3813,9 @@
           <p:nvPr/>
         </p:nvSpPr>
         <p:spPr>
-          <a:xfrm>
-            <a:off x="2386399" y="1882398"/>
-            <a:ext cx="2476500" cy="1931670"/>
-          </a:xfrm>
-          <a:custGeom>
-            <a:avLst/>
-            <a:gdLst>
-              <a:gd name="connsiteX0" fmla="*/ 18167 w 2476752"/>
-              <a:gd name="connsiteY0" fmla="*/ 320949 h 1931746"/>
-              <a:gd name="connsiteX1" fmla="*/ 1519963 w 2476752"/>
-              <a:gd name="connsiteY1" fmla="*/ 0 h 1931746"/>
-              <a:gd name="connsiteX2" fmla="*/ 1241404 w 2476752"/>
-              <a:gd name="connsiteY2" fmla="*/ 775121 h 1931746"/>
-              <a:gd name="connsiteX3" fmla="*/ 2476752 w 2476752"/>
-              <a:gd name="connsiteY3" fmla="*/ 1047624 h 1931746"/>
-              <a:gd name="connsiteX4" fmla="*/ 1114236 w 2476752"/>
-              <a:gd name="connsiteY4" fmla="*/ 1931746 h 1931746"/>
-              <a:gd name="connsiteX5" fmla="*/ 0 w 2476752"/>
-              <a:gd name="connsiteY5" fmla="*/ 1435184 h 1931746"/>
-              <a:gd name="connsiteX6" fmla="*/ 18167 w 2476752"/>
-              <a:gd name="connsiteY6" fmla="*/ 320949 h 1931746"/>
-            </a:gdLst>
-            <a:ahLst/>
-            <a:cxnLst>
-              <a:cxn ang="0">
-                <a:pos x="connsiteX0" y="connsiteY0"/>
-              </a:cxn>
-              <a:cxn ang="0">
-                <a:pos x="connsiteX1" y="connsiteY1"/>
-              </a:cxn>
-              <a:cxn ang="0">
-                <a:pos x="connsiteX2" y="connsiteY2"/>
-              </a:cxn>
-              <a:cxn ang="0">
-                <a:pos x="connsiteX3" y="connsiteY3"/>
-              </a:cxn>
-              <a:cxn ang="0">
-                <a:pos x="connsiteX4" y="connsiteY4"/>
-              </a:cxn>
-              <a:cxn ang="0">
-                <a:pos x="connsiteX5" y="connsiteY5"/>
-              </a:cxn>
-              <a:cxn ang="0">
-                <a:pos x="connsiteX6" y="connsiteY6"/>
-              </a:cxn>
-            </a:cxnLst>
-            <a:rect l="l" t="t" r="r" b="b"/>
-            <a:pathLst>
-              <a:path w="2476752" h="1931746">
-                <a:moveTo>
-                  <a:pt x="18167" y="320949"/>
-                </a:moveTo>
-                <a:lnTo>
-                  <a:pt x="1519963" y="0"/>
-                </a:lnTo>
-                <a:lnTo>
-                  <a:pt x="1241404" y="775121"/>
-                </a:lnTo>
-                <a:lnTo>
-                  <a:pt x="2476752" y="1047624"/>
-                </a:lnTo>
-                <a:lnTo>
-                  <a:pt x="1114236" y="1931746"/>
-                </a:lnTo>
-                <a:lnTo>
-                  <a:pt x="0" y="1435184"/>
-                </a:lnTo>
-                <a:lnTo>
-                  <a:pt x="18167" y="320949"/>
-                </a:lnTo>
-                <a:close/>
-              </a:path>
-            </a:pathLst>
-          </a:custGeom>
-          <a:noFill/>
-          <a:ln w="41275"/>
-        </p:spPr>
-        <p:style>
-          <a:lnRef idx="2">
-            <a:schemeClr val="accent1">
-              <a:shade val="50000"/>
-            </a:schemeClr>
-          </a:lnRef>
-          <a:fillRef idx="1">
-            <a:schemeClr val="accent1"/>
-          </a:fillRef>
-          <a:effectRef idx="0">
-            <a:schemeClr val="accent1"/>
-          </a:effectRef>
-          <a:fontRef idx="minor">
-            <a:schemeClr val="lt1"/>
-          </a:fontRef>
-        </p:style>
-        <p:txBody>
-          <a:bodyPr rot="0" spcFirstLastPara="0" vert="horz" wrap="square" lIns="91440" tIns="45720" rIns="91440" bIns="45720" numCol="1" spcCol="0" rtlCol="0" fromWordArt="0" anchor="ctr" anchorCtr="0" forceAA="0" compatLnSpc="1">
-            <a:prstTxWarp prst="textNoShape">
-              <a:avLst/>
-            </a:prstTxWarp>
-            <a:noAutofit/>
-          </a:bodyPr>
-          <a:lstStyle/>
-          <a:p>
-            <a:endParaRPr lang="zh-CN" altLang="en-US" dirty="0"/>
-          </a:p>
-        </p:txBody>
-      </p:sp>
-      <p:sp>
-        <p:nvSpPr>
-          <p:cNvPr id="4" name="任意形状 3">
-            <a:extLst>
-              <a:ext uri="{FF2B5EF4-FFF2-40B4-BE49-F238E27FC236}">
-                <a16:creationId xmlns:a16="http://schemas.microsoft.com/office/drawing/2014/main" id="{FE9DE17F-022A-C640-969A-03F549648120}"/>
-              </a:ext>
-            </a:extLst>
-          </p:cNvPr>
-          <p:cNvSpPr/>
-          <p:nvPr/>
-        </p:nvSpPr>
-        <p:spPr>
-          <a:xfrm>
-            <a:off x="3221972" y="723633"/>
-            <a:ext cx="2476500" cy="1931670"/>
+          <a:xfrm rot="7945484">
+            <a:off x="1804123" y="737081"/>
+            <a:ext cx="3235983" cy="2810645"/>
           </a:xfrm>
           <a:custGeom>
             <a:avLst/>
@@ -3841,42 +3923,135 @@
           </a:p>
         </p:txBody>
       </p:sp>
-    </p:spTree>
-    <p:extLst>
-      <p:ext uri="{BB962C8B-B14F-4D97-AF65-F5344CB8AC3E}">
-        <p14:creationId xmlns:p14="http://schemas.microsoft.com/office/powerpoint/2010/main" val="332022345"/>
-      </p:ext>
-    </p:extLst>
-  </p:cSld>
-  <p:clrMapOvr>
-    <a:masterClrMapping/>
-  </p:clrMapOvr>
-</p:sld>
-</file>
-
-<file path=ppt/slides/slide3.xml><?xml version="1.0" encoding="utf-8"?>
-<p:sld xmlns:a="http://schemas.openxmlformats.org/drawingml/2006/main" xmlns:r="http://schemas.openxmlformats.org/officeDocument/2006/relationships" xmlns:p="http://schemas.openxmlformats.org/presentationml/2006/main">
-  <p:cSld>
-    <p:spTree>
-      <p:nvGrpSpPr>
-        <p:cNvPr id="1" name=""/>
-        <p:cNvGrpSpPr/>
-        <p:nvPr/>
-      </p:nvGrpSpPr>
-      <p:grpSpPr>
-        <a:xfrm>
-          <a:off x="0" y="0"/>
-          <a:ext cx="0" cy="0"/>
-          <a:chOff x="0" y="0"/>
-          <a:chExt cx="0" cy="0"/>
-        </a:xfrm>
-      </p:grpSpPr>
+      <p:cxnSp>
+        <p:nvCxnSpPr>
+          <p:cNvPr id="3" name="直线连接符 2">
+            <a:extLst>
+              <a:ext uri="{FF2B5EF4-FFF2-40B4-BE49-F238E27FC236}">
+                <a16:creationId xmlns:a16="http://schemas.microsoft.com/office/drawing/2014/main" id="{5291C4FB-B030-0C44-A93C-25015778CACC}"/>
+              </a:ext>
+            </a:extLst>
+          </p:cNvPr>
+          <p:cNvCxnSpPr/>
+          <p:nvPr/>
+        </p:nvCxnSpPr>
+        <p:spPr>
+          <a:xfrm>
+            <a:off x="1494012" y="2861121"/>
+            <a:ext cx="4056993" cy="0"/>
+          </a:xfrm>
+          <a:prstGeom prst="line">
+            <a:avLst/>
+          </a:prstGeom>
+          <a:ln w="19050"/>
+        </p:spPr>
+        <p:style>
+          <a:lnRef idx="1">
+            <a:schemeClr val="accent1"/>
+          </a:lnRef>
+          <a:fillRef idx="0">
+            <a:schemeClr val="accent1"/>
+          </a:fillRef>
+          <a:effectRef idx="0">
+            <a:schemeClr val="accent1"/>
+          </a:effectRef>
+          <a:fontRef idx="minor">
+            <a:schemeClr val="tx1"/>
+          </a:fontRef>
+        </p:style>
+      </p:cxnSp>
+      <p:cxnSp>
+        <p:nvCxnSpPr>
+          <p:cNvPr id="6" name="直线连接符 5">
+            <a:extLst>
+              <a:ext uri="{FF2B5EF4-FFF2-40B4-BE49-F238E27FC236}">
+                <a16:creationId xmlns:a16="http://schemas.microsoft.com/office/drawing/2014/main" id="{16571CB5-CDB8-3B4D-AEC3-687E7D79967B}"/>
+              </a:ext>
+            </a:extLst>
+          </p:cNvPr>
+          <p:cNvCxnSpPr>
+            <a:cxnSpLocks/>
+          </p:cNvCxnSpPr>
+          <p:nvPr/>
+        </p:nvCxnSpPr>
+        <p:spPr>
+          <a:xfrm>
+            <a:off x="2260367" y="2869829"/>
+            <a:ext cx="534376" cy="0"/>
+          </a:xfrm>
+          <a:prstGeom prst="line">
+            <a:avLst/>
+          </a:prstGeom>
+          <a:ln w="19050">
+            <a:solidFill>
+              <a:srgbClr val="FF0000"/>
+            </a:solidFill>
+          </a:ln>
+        </p:spPr>
+        <p:style>
+          <a:lnRef idx="1">
+            <a:schemeClr val="accent1"/>
+          </a:lnRef>
+          <a:fillRef idx="0">
+            <a:schemeClr val="accent1"/>
+          </a:fillRef>
+          <a:effectRef idx="0">
+            <a:schemeClr val="accent1"/>
+          </a:effectRef>
+          <a:fontRef idx="minor">
+            <a:schemeClr val="tx1"/>
+          </a:fontRef>
+        </p:style>
+      </p:cxnSp>
+      <p:cxnSp>
+        <p:nvCxnSpPr>
+          <p:cNvPr id="9" name="直线连接符 8">
+            <a:extLst>
+              <a:ext uri="{FF2B5EF4-FFF2-40B4-BE49-F238E27FC236}">
+                <a16:creationId xmlns:a16="http://schemas.microsoft.com/office/drawing/2014/main" id="{E4B46D1F-3879-3141-B679-744AD9F4A261}"/>
+              </a:ext>
+            </a:extLst>
+          </p:cNvPr>
+          <p:cNvCxnSpPr>
+            <a:cxnSpLocks/>
+          </p:cNvCxnSpPr>
+          <p:nvPr/>
+        </p:nvCxnSpPr>
+        <p:spPr>
+          <a:xfrm>
+            <a:off x="3914996" y="2863823"/>
+            <a:ext cx="534376" cy="0"/>
+          </a:xfrm>
+          <a:prstGeom prst="line">
+            <a:avLst/>
+          </a:prstGeom>
+          <a:ln w="19050">
+            <a:solidFill>
+              <a:srgbClr val="FF0000"/>
+            </a:solidFill>
+          </a:ln>
+        </p:spPr>
+        <p:style>
+          <a:lnRef idx="1">
+            <a:schemeClr val="accent1"/>
+          </a:lnRef>
+          <a:fillRef idx="0">
+            <a:schemeClr val="accent1"/>
+          </a:fillRef>
+          <a:effectRef idx="0">
+            <a:schemeClr val="accent1"/>
+          </a:effectRef>
+          <a:fontRef idx="minor">
+            <a:schemeClr val="tx1"/>
+          </a:fontRef>
+        </p:style>
+      </p:cxnSp>
       <p:sp>
         <p:nvSpPr>
-          <p:cNvPr id="5" name="任意形状 4">
-            <a:extLst>
-              <a:ext uri="{FF2B5EF4-FFF2-40B4-BE49-F238E27FC236}">
-                <a16:creationId xmlns:a16="http://schemas.microsoft.com/office/drawing/2014/main" id="{D764FB1F-313C-5443-9397-8FC7FF12859F}"/>
+          <p:cNvPr id="10" name="椭圆 9">
+            <a:extLst>
+              <a:ext uri="{FF2B5EF4-FFF2-40B4-BE49-F238E27FC236}">
+                <a16:creationId xmlns:a16="http://schemas.microsoft.com/office/drawing/2014/main" id="{953A14C8-6E2B-BA4A-8141-0E6AD8DD86ED}"/>
               </a:ext>
             </a:extLst>
           </p:cNvPr>
@@ -3885,81 +4060,15 @@
         </p:nvSpPr>
         <p:spPr>
           <a:xfrm>
-            <a:off x="2386399" y="1882398"/>
-            <a:ext cx="2476500" cy="1931670"/>
-          </a:xfrm>
-          <a:custGeom>
-            <a:avLst/>
-            <a:gdLst>
-              <a:gd name="connsiteX0" fmla="*/ 18167 w 2476752"/>
-              <a:gd name="connsiteY0" fmla="*/ 320949 h 1931746"/>
-              <a:gd name="connsiteX1" fmla="*/ 1519963 w 2476752"/>
-              <a:gd name="connsiteY1" fmla="*/ 0 h 1931746"/>
-              <a:gd name="connsiteX2" fmla="*/ 1241404 w 2476752"/>
-              <a:gd name="connsiteY2" fmla="*/ 775121 h 1931746"/>
-              <a:gd name="connsiteX3" fmla="*/ 2476752 w 2476752"/>
-              <a:gd name="connsiteY3" fmla="*/ 1047624 h 1931746"/>
-              <a:gd name="connsiteX4" fmla="*/ 1114236 w 2476752"/>
-              <a:gd name="connsiteY4" fmla="*/ 1931746 h 1931746"/>
-              <a:gd name="connsiteX5" fmla="*/ 0 w 2476752"/>
-              <a:gd name="connsiteY5" fmla="*/ 1435184 h 1931746"/>
-              <a:gd name="connsiteX6" fmla="*/ 18167 w 2476752"/>
-              <a:gd name="connsiteY6" fmla="*/ 320949 h 1931746"/>
-            </a:gdLst>
-            <a:ahLst/>
-            <a:cxnLst>
-              <a:cxn ang="0">
-                <a:pos x="connsiteX0" y="connsiteY0"/>
-              </a:cxn>
-              <a:cxn ang="0">
-                <a:pos x="connsiteX1" y="connsiteY1"/>
-              </a:cxn>
-              <a:cxn ang="0">
-                <a:pos x="connsiteX2" y="connsiteY2"/>
-              </a:cxn>
-              <a:cxn ang="0">
-                <a:pos x="connsiteX3" y="connsiteY3"/>
-              </a:cxn>
-              <a:cxn ang="0">
-                <a:pos x="connsiteX4" y="connsiteY4"/>
-              </a:cxn>
-              <a:cxn ang="0">
-                <a:pos x="connsiteX5" y="connsiteY5"/>
-              </a:cxn>
-              <a:cxn ang="0">
-                <a:pos x="connsiteX6" y="connsiteY6"/>
-              </a:cxn>
-            </a:cxnLst>
-            <a:rect l="l" t="t" r="r" b="b"/>
-            <a:pathLst>
-              <a:path w="2476752" h="1931746">
-                <a:moveTo>
-                  <a:pt x="18167" y="320949"/>
-                </a:moveTo>
-                <a:lnTo>
-                  <a:pt x="1519963" y="0"/>
-                </a:lnTo>
-                <a:lnTo>
-                  <a:pt x="1241404" y="775121"/>
-                </a:lnTo>
-                <a:lnTo>
-                  <a:pt x="2476752" y="1047624"/>
-                </a:lnTo>
-                <a:lnTo>
-                  <a:pt x="1114236" y="1931746"/>
-                </a:lnTo>
-                <a:lnTo>
-                  <a:pt x="0" y="1435184"/>
-                </a:lnTo>
-                <a:lnTo>
-                  <a:pt x="18167" y="320949"/>
-                </a:lnTo>
-                <a:close/>
-              </a:path>
-            </a:pathLst>
-          </a:custGeom>
-          <a:noFill/>
-          <a:ln w="41275"/>
+            <a:off x="2219975" y="2810523"/>
+            <a:ext cx="108000" cy="108000"/>
+          </a:xfrm>
+          <a:prstGeom prst="ellipse">
+            <a:avLst/>
+          </a:prstGeom>
+          <a:solidFill>
+            <a:schemeClr val="accent4"/>
+          </a:solidFill>
         </p:spPr>
         <p:style>
           <a:lnRef idx="2">
@@ -3978,24 +4087,20 @@
           </a:fontRef>
         </p:style>
         <p:txBody>
-          <a:bodyPr rot="0" spcFirstLastPara="0" vert="horz" wrap="square" lIns="91440" tIns="45720" rIns="91440" bIns="45720" numCol="1" spcCol="0" rtlCol="0" fromWordArt="0" anchor="ctr" anchorCtr="0" forceAA="0" compatLnSpc="1">
-            <a:prstTxWarp prst="textNoShape">
-              <a:avLst/>
-            </a:prstTxWarp>
-            <a:noAutofit/>
-          </a:bodyPr>
+          <a:bodyPr rtlCol="0" anchor="ctr"/>
           <a:lstStyle/>
           <a:p>
-            <a:endParaRPr lang="zh-CN" altLang="en-US" dirty="0"/>
+            <a:pPr algn="ctr"/>
+            <a:endParaRPr kumimoji="1" lang="zh-CN" altLang="en-US"/>
           </a:p>
         </p:txBody>
       </p:sp>
       <p:sp>
         <p:nvSpPr>
-          <p:cNvPr id="4" name="任意形状 3">
-            <a:extLst>
-              <a:ext uri="{FF2B5EF4-FFF2-40B4-BE49-F238E27FC236}">
-                <a16:creationId xmlns:a16="http://schemas.microsoft.com/office/drawing/2014/main" id="{FE9DE17F-022A-C640-969A-03F549648120}"/>
+          <p:cNvPr id="11" name="椭圆 10">
+            <a:extLst>
+              <a:ext uri="{FF2B5EF4-FFF2-40B4-BE49-F238E27FC236}">
+                <a16:creationId xmlns:a16="http://schemas.microsoft.com/office/drawing/2014/main" id="{A6900E20-6B60-AC4E-A13B-5278C2A0F0C9}"/>
               </a:ext>
             </a:extLst>
           </p:cNvPr>
@@ -4004,8 +4109,460 @@
         </p:nvSpPr>
         <p:spPr>
           <a:xfrm>
-            <a:off x="2567703" y="2174850"/>
-            <a:ext cx="1640927" cy="1346765"/>
+            <a:off x="2777325" y="2819230"/>
+            <a:ext cx="108000" cy="108000"/>
+          </a:xfrm>
+          <a:prstGeom prst="ellipse">
+            <a:avLst/>
+          </a:prstGeom>
+          <a:solidFill>
+            <a:schemeClr val="accent4"/>
+          </a:solidFill>
+        </p:spPr>
+        <p:style>
+          <a:lnRef idx="2">
+            <a:schemeClr val="accent1">
+              <a:shade val="50000"/>
+            </a:schemeClr>
+          </a:lnRef>
+          <a:fillRef idx="1">
+            <a:schemeClr val="accent1"/>
+          </a:fillRef>
+          <a:effectRef idx="0">
+            <a:schemeClr val="accent1"/>
+          </a:effectRef>
+          <a:fontRef idx="minor">
+            <a:schemeClr val="lt1"/>
+          </a:fontRef>
+        </p:style>
+        <p:txBody>
+          <a:bodyPr rtlCol="0" anchor="ctr"/>
+          <a:lstStyle/>
+          <a:p>
+            <a:pPr algn="ctr"/>
+            <a:endParaRPr kumimoji="1" lang="zh-CN" altLang="en-US"/>
+          </a:p>
+        </p:txBody>
+      </p:sp>
+      <p:sp>
+        <p:nvSpPr>
+          <p:cNvPr id="12" name="椭圆 11">
+            <a:extLst>
+              <a:ext uri="{FF2B5EF4-FFF2-40B4-BE49-F238E27FC236}">
+                <a16:creationId xmlns:a16="http://schemas.microsoft.com/office/drawing/2014/main" id="{177D4850-522C-7449-A3E4-F738F8771333}"/>
+              </a:ext>
+            </a:extLst>
+          </p:cNvPr>
+          <p:cNvSpPr/>
+          <p:nvPr/>
+        </p:nvSpPr>
+        <p:spPr>
+          <a:xfrm>
+            <a:off x="3857191" y="2814874"/>
+            <a:ext cx="108000" cy="108000"/>
+          </a:xfrm>
+          <a:prstGeom prst="ellipse">
+            <a:avLst/>
+          </a:prstGeom>
+          <a:solidFill>
+            <a:schemeClr val="accent4"/>
+          </a:solidFill>
+        </p:spPr>
+        <p:style>
+          <a:lnRef idx="2">
+            <a:schemeClr val="accent1">
+              <a:shade val="50000"/>
+            </a:schemeClr>
+          </a:lnRef>
+          <a:fillRef idx="1">
+            <a:schemeClr val="accent1"/>
+          </a:fillRef>
+          <a:effectRef idx="0">
+            <a:schemeClr val="accent1"/>
+          </a:effectRef>
+          <a:fontRef idx="minor">
+            <a:schemeClr val="lt1"/>
+          </a:fontRef>
+        </p:style>
+        <p:txBody>
+          <a:bodyPr rtlCol="0" anchor="ctr"/>
+          <a:lstStyle/>
+          <a:p>
+            <a:pPr algn="ctr"/>
+            <a:endParaRPr kumimoji="1" lang="zh-CN" altLang="en-US"/>
+          </a:p>
+        </p:txBody>
+      </p:sp>
+      <p:sp>
+        <p:nvSpPr>
+          <p:cNvPr id="13" name="椭圆 12">
+            <a:extLst>
+              <a:ext uri="{FF2B5EF4-FFF2-40B4-BE49-F238E27FC236}">
+                <a16:creationId xmlns:a16="http://schemas.microsoft.com/office/drawing/2014/main" id="{E49CFAB2-2828-4A42-8695-13BA60FCF8B1}"/>
+              </a:ext>
+            </a:extLst>
+          </p:cNvPr>
+          <p:cNvSpPr/>
+          <p:nvPr/>
+        </p:nvSpPr>
+        <p:spPr>
+          <a:xfrm>
+            <a:off x="4440667" y="2810518"/>
+            <a:ext cx="108000" cy="108000"/>
+          </a:xfrm>
+          <a:prstGeom prst="ellipse">
+            <a:avLst/>
+          </a:prstGeom>
+          <a:solidFill>
+            <a:schemeClr val="accent4"/>
+          </a:solidFill>
+        </p:spPr>
+        <p:style>
+          <a:lnRef idx="2">
+            <a:schemeClr val="accent1">
+              <a:shade val="50000"/>
+            </a:schemeClr>
+          </a:lnRef>
+          <a:fillRef idx="1">
+            <a:schemeClr val="accent1"/>
+          </a:fillRef>
+          <a:effectRef idx="0">
+            <a:schemeClr val="accent1"/>
+          </a:effectRef>
+          <a:fontRef idx="minor">
+            <a:schemeClr val="lt1"/>
+          </a:fontRef>
+        </p:style>
+        <p:txBody>
+          <a:bodyPr rtlCol="0" anchor="ctr"/>
+          <a:lstStyle/>
+          <a:p>
+            <a:pPr algn="ctr"/>
+            <a:endParaRPr kumimoji="1" lang="zh-CN" altLang="en-US"/>
+          </a:p>
+        </p:txBody>
+      </p:sp>
+      <p:cxnSp>
+        <p:nvCxnSpPr>
+          <p:cNvPr id="14" name="直线连接符 13">
+            <a:extLst>
+              <a:ext uri="{FF2B5EF4-FFF2-40B4-BE49-F238E27FC236}">
+                <a16:creationId xmlns:a16="http://schemas.microsoft.com/office/drawing/2014/main" id="{B65D7BD8-595D-2345-978A-99B6D38E061E}"/>
+              </a:ext>
+            </a:extLst>
+          </p:cNvPr>
+          <p:cNvCxnSpPr/>
+          <p:nvPr/>
+        </p:nvCxnSpPr>
+        <p:spPr>
+          <a:xfrm>
+            <a:off x="1547467" y="2586802"/>
+            <a:ext cx="4056993" cy="0"/>
+          </a:xfrm>
+          <a:prstGeom prst="line">
+            <a:avLst/>
+          </a:prstGeom>
+          <a:ln w="19050"/>
+        </p:spPr>
+        <p:style>
+          <a:lnRef idx="1">
+            <a:schemeClr val="accent1"/>
+          </a:lnRef>
+          <a:fillRef idx="0">
+            <a:schemeClr val="accent1"/>
+          </a:fillRef>
+          <a:effectRef idx="0">
+            <a:schemeClr val="accent1"/>
+          </a:effectRef>
+          <a:fontRef idx="minor">
+            <a:schemeClr val="tx1"/>
+          </a:fontRef>
+        </p:style>
+      </p:cxnSp>
+      <p:sp>
+        <p:nvSpPr>
+          <p:cNvPr id="17" name="椭圆 16">
+            <a:extLst>
+              <a:ext uri="{FF2B5EF4-FFF2-40B4-BE49-F238E27FC236}">
+                <a16:creationId xmlns:a16="http://schemas.microsoft.com/office/drawing/2014/main" id="{4AED4F48-5EF8-0B40-8F78-8BE286306D50}"/>
+              </a:ext>
+            </a:extLst>
+          </p:cNvPr>
+          <p:cNvSpPr/>
+          <p:nvPr/>
+        </p:nvSpPr>
+        <p:spPr>
+          <a:xfrm>
+            <a:off x="2273430" y="2536204"/>
+            <a:ext cx="108000" cy="108000"/>
+          </a:xfrm>
+          <a:prstGeom prst="ellipse">
+            <a:avLst/>
+          </a:prstGeom>
+          <a:solidFill>
+            <a:schemeClr val="accent4"/>
+          </a:solidFill>
+        </p:spPr>
+        <p:style>
+          <a:lnRef idx="2">
+            <a:schemeClr val="accent1">
+              <a:shade val="50000"/>
+            </a:schemeClr>
+          </a:lnRef>
+          <a:fillRef idx="1">
+            <a:schemeClr val="accent1"/>
+          </a:fillRef>
+          <a:effectRef idx="0">
+            <a:schemeClr val="accent1"/>
+          </a:effectRef>
+          <a:fontRef idx="minor">
+            <a:schemeClr val="lt1"/>
+          </a:fontRef>
+        </p:style>
+        <p:txBody>
+          <a:bodyPr rtlCol="0" anchor="ctr"/>
+          <a:lstStyle/>
+          <a:p>
+            <a:pPr algn="ctr"/>
+            <a:endParaRPr kumimoji="1" lang="zh-CN" altLang="en-US"/>
+          </a:p>
+        </p:txBody>
+      </p:sp>
+      <p:sp>
+        <p:nvSpPr>
+          <p:cNvPr id="18" name="椭圆 17">
+            <a:extLst>
+              <a:ext uri="{FF2B5EF4-FFF2-40B4-BE49-F238E27FC236}">
+                <a16:creationId xmlns:a16="http://schemas.microsoft.com/office/drawing/2014/main" id="{11650C45-82A7-4A46-AA04-00F1DB718D41}"/>
+              </a:ext>
+            </a:extLst>
+          </p:cNvPr>
+          <p:cNvSpPr/>
+          <p:nvPr/>
+        </p:nvSpPr>
+        <p:spPr>
+          <a:xfrm>
+            <a:off x="3170416" y="2544911"/>
+            <a:ext cx="108000" cy="108000"/>
+          </a:xfrm>
+          <a:prstGeom prst="ellipse">
+            <a:avLst/>
+          </a:prstGeom>
+          <a:solidFill>
+            <a:schemeClr val="accent4"/>
+          </a:solidFill>
+        </p:spPr>
+        <p:style>
+          <a:lnRef idx="2">
+            <a:schemeClr val="accent1">
+              <a:shade val="50000"/>
+            </a:schemeClr>
+          </a:lnRef>
+          <a:fillRef idx="1">
+            <a:schemeClr val="accent1"/>
+          </a:fillRef>
+          <a:effectRef idx="0">
+            <a:schemeClr val="accent1"/>
+          </a:effectRef>
+          <a:fontRef idx="minor">
+            <a:schemeClr val="lt1"/>
+          </a:fontRef>
+        </p:style>
+        <p:txBody>
+          <a:bodyPr rtlCol="0" anchor="ctr"/>
+          <a:lstStyle/>
+          <a:p>
+            <a:pPr algn="ctr"/>
+            <a:endParaRPr kumimoji="1" lang="zh-CN" altLang="en-US"/>
+          </a:p>
+        </p:txBody>
+      </p:sp>
+      <p:sp>
+        <p:nvSpPr>
+          <p:cNvPr id="19" name="椭圆 18">
+            <a:extLst>
+              <a:ext uri="{FF2B5EF4-FFF2-40B4-BE49-F238E27FC236}">
+                <a16:creationId xmlns:a16="http://schemas.microsoft.com/office/drawing/2014/main" id="{9A1CC5D1-4859-E24A-8A2C-2735B2D17E4C}"/>
+              </a:ext>
+            </a:extLst>
+          </p:cNvPr>
+          <p:cNvSpPr/>
+          <p:nvPr/>
+        </p:nvSpPr>
+        <p:spPr>
+          <a:xfrm>
+            <a:off x="3727764" y="2540555"/>
+            <a:ext cx="108000" cy="108000"/>
+          </a:xfrm>
+          <a:prstGeom prst="ellipse">
+            <a:avLst/>
+          </a:prstGeom>
+          <a:solidFill>
+            <a:schemeClr val="accent4"/>
+          </a:solidFill>
+        </p:spPr>
+        <p:style>
+          <a:lnRef idx="2">
+            <a:schemeClr val="accent1">
+              <a:shade val="50000"/>
+            </a:schemeClr>
+          </a:lnRef>
+          <a:fillRef idx="1">
+            <a:schemeClr val="accent1"/>
+          </a:fillRef>
+          <a:effectRef idx="0">
+            <a:schemeClr val="accent1"/>
+          </a:effectRef>
+          <a:fontRef idx="minor">
+            <a:schemeClr val="lt1"/>
+          </a:fontRef>
+        </p:style>
+        <p:txBody>
+          <a:bodyPr rtlCol="0" anchor="ctr"/>
+          <a:lstStyle/>
+          <a:p>
+            <a:pPr algn="ctr"/>
+            <a:endParaRPr kumimoji="1" lang="zh-CN" altLang="en-US"/>
+          </a:p>
+        </p:txBody>
+      </p:sp>
+      <p:sp>
+        <p:nvSpPr>
+          <p:cNvPr id="20" name="椭圆 19">
+            <a:extLst>
+              <a:ext uri="{FF2B5EF4-FFF2-40B4-BE49-F238E27FC236}">
+                <a16:creationId xmlns:a16="http://schemas.microsoft.com/office/drawing/2014/main" id="{5B60E166-B376-C141-B371-44BED557E138}"/>
+              </a:ext>
+            </a:extLst>
+          </p:cNvPr>
+          <p:cNvSpPr/>
+          <p:nvPr/>
+        </p:nvSpPr>
+        <p:spPr>
+          <a:xfrm>
+            <a:off x="4572500" y="2536199"/>
+            <a:ext cx="108000" cy="108000"/>
+          </a:xfrm>
+          <a:prstGeom prst="ellipse">
+            <a:avLst/>
+          </a:prstGeom>
+          <a:solidFill>
+            <a:schemeClr val="accent4"/>
+          </a:solidFill>
+        </p:spPr>
+        <p:style>
+          <a:lnRef idx="2">
+            <a:schemeClr val="accent1">
+              <a:shade val="50000"/>
+            </a:schemeClr>
+          </a:lnRef>
+          <a:fillRef idx="1">
+            <a:schemeClr val="accent1"/>
+          </a:fillRef>
+          <a:effectRef idx="0">
+            <a:schemeClr val="accent1"/>
+          </a:effectRef>
+          <a:fontRef idx="minor">
+            <a:schemeClr val="lt1"/>
+          </a:fontRef>
+        </p:style>
+        <p:txBody>
+          <a:bodyPr rtlCol="0" anchor="ctr"/>
+          <a:lstStyle/>
+          <a:p>
+            <a:pPr algn="ctr"/>
+            <a:endParaRPr kumimoji="1" lang="zh-CN" altLang="en-US"/>
+          </a:p>
+        </p:txBody>
+      </p:sp>
+      <p:sp>
+        <p:nvSpPr>
+          <p:cNvPr id="2" name="文本框 1">
+            <a:extLst>
+              <a:ext uri="{FF2B5EF4-FFF2-40B4-BE49-F238E27FC236}">
+                <a16:creationId xmlns:a16="http://schemas.microsoft.com/office/drawing/2014/main" id="{A5D577E6-B7D7-7F42-8451-C4453F561DC6}"/>
+              </a:ext>
+            </a:extLst>
+          </p:cNvPr>
+          <p:cNvSpPr txBox="1"/>
+          <p:nvPr/>
+        </p:nvSpPr>
+        <p:spPr>
+          <a:xfrm>
+            <a:off x="911536" y="2685163"/>
+            <a:ext cx="292068" cy="369332"/>
+          </a:xfrm>
+          <a:prstGeom prst="rect">
+            <a:avLst/>
+          </a:prstGeom>
+          <a:noFill/>
+        </p:spPr>
+        <p:txBody>
+          <a:bodyPr wrap="none" rtlCol="0">
+            <a:spAutoFit/>
+          </a:bodyPr>
+          <a:lstStyle/>
+          <a:p>
+            <a:r>
+              <a:rPr kumimoji="1" lang="en-US" altLang="zh-CN" dirty="0"/>
+              <a:t>y</a:t>
+            </a:r>
+            <a:endParaRPr kumimoji="1" lang="zh-CN" altLang="en-US" dirty="0"/>
+          </a:p>
+        </p:txBody>
+      </p:sp>
+      <p:sp>
+        <p:nvSpPr>
+          <p:cNvPr id="21" name="文本框 20">
+            <a:extLst>
+              <a:ext uri="{FF2B5EF4-FFF2-40B4-BE49-F238E27FC236}">
+                <a16:creationId xmlns:a16="http://schemas.microsoft.com/office/drawing/2014/main" id="{49F200B1-C729-1049-A76C-48E76B7A065F}"/>
+              </a:ext>
+            </a:extLst>
+          </p:cNvPr>
+          <p:cNvSpPr txBox="1"/>
+          <p:nvPr/>
+        </p:nvSpPr>
+        <p:spPr>
+          <a:xfrm>
+            <a:off x="884691" y="2409889"/>
+            <a:ext cx="567784" cy="369332"/>
+          </a:xfrm>
+          <a:prstGeom prst="rect">
+            <a:avLst/>
+          </a:prstGeom>
+          <a:noFill/>
+        </p:spPr>
+        <p:txBody>
+          <a:bodyPr wrap="none" rtlCol="0">
+            <a:spAutoFit/>
+          </a:bodyPr>
+          <a:lstStyle/>
+          <a:p>
+            <a:r>
+              <a:rPr kumimoji="1" lang="en-US" altLang="zh-CN" dirty="0"/>
+              <a:t>y+1</a:t>
+            </a:r>
+            <a:endParaRPr kumimoji="1" lang="zh-CN" altLang="en-US" dirty="0"/>
+          </a:p>
+        </p:txBody>
+      </p:sp>
+      <p:sp>
+        <p:nvSpPr>
+          <p:cNvPr id="22" name="任意形状 21">
+            <a:extLst>
+              <a:ext uri="{FF2B5EF4-FFF2-40B4-BE49-F238E27FC236}">
+                <a16:creationId xmlns:a16="http://schemas.microsoft.com/office/drawing/2014/main" id="{3FCACFA4-EBA6-A84D-AD25-9A917FA7A38E}"/>
+              </a:ext>
+            </a:extLst>
+          </p:cNvPr>
+          <p:cNvSpPr/>
+          <p:nvPr/>
+        </p:nvSpPr>
+        <p:spPr>
+          <a:xfrm rot="7945484">
+            <a:off x="7367061" y="737082"/>
+            <a:ext cx="3235983" cy="2810645"/>
           </a:xfrm>
           <a:custGeom>
             <a:avLst/>
@@ -4113,10 +4670,424 @@
           </a:p>
         </p:txBody>
       </p:sp>
+      <p:cxnSp>
+        <p:nvCxnSpPr>
+          <p:cNvPr id="23" name="直线连接符 22">
+            <a:extLst>
+              <a:ext uri="{FF2B5EF4-FFF2-40B4-BE49-F238E27FC236}">
+                <a16:creationId xmlns:a16="http://schemas.microsoft.com/office/drawing/2014/main" id="{94B223C8-CC2D-664B-BE6D-31135036C583}"/>
+              </a:ext>
+            </a:extLst>
+          </p:cNvPr>
+          <p:cNvCxnSpPr/>
+          <p:nvPr/>
+        </p:nvCxnSpPr>
+        <p:spPr>
+          <a:xfrm>
+            <a:off x="7377361" y="1607087"/>
+            <a:ext cx="4056993" cy="0"/>
+          </a:xfrm>
+          <a:prstGeom prst="line">
+            <a:avLst/>
+          </a:prstGeom>
+          <a:ln w="19050"/>
+        </p:spPr>
+        <p:style>
+          <a:lnRef idx="1">
+            <a:schemeClr val="accent1"/>
+          </a:lnRef>
+          <a:fillRef idx="0">
+            <a:schemeClr val="accent1"/>
+          </a:fillRef>
+          <a:effectRef idx="0">
+            <a:schemeClr val="accent1"/>
+          </a:effectRef>
+          <a:fontRef idx="minor">
+            <a:schemeClr val="tx1"/>
+          </a:fontRef>
+        </p:style>
+      </p:cxnSp>
+      <p:sp>
+        <p:nvSpPr>
+          <p:cNvPr id="26" name="椭圆 25">
+            <a:extLst>
+              <a:ext uri="{FF2B5EF4-FFF2-40B4-BE49-F238E27FC236}">
+                <a16:creationId xmlns:a16="http://schemas.microsoft.com/office/drawing/2014/main" id="{E210309A-9D2D-594B-A840-47B92769EE98}"/>
+              </a:ext>
+            </a:extLst>
+          </p:cNvPr>
+          <p:cNvSpPr/>
+          <p:nvPr/>
+        </p:nvSpPr>
+        <p:spPr>
+          <a:xfrm>
+            <a:off x="7946568" y="1556489"/>
+            <a:ext cx="108000" cy="108000"/>
+          </a:xfrm>
+          <a:prstGeom prst="ellipse">
+            <a:avLst/>
+          </a:prstGeom>
+          <a:solidFill>
+            <a:schemeClr val="accent4"/>
+          </a:solidFill>
+        </p:spPr>
+        <p:style>
+          <a:lnRef idx="2">
+            <a:schemeClr val="accent1">
+              <a:shade val="50000"/>
+            </a:schemeClr>
+          </a:lnRef>
+          <a:fillRef idx="1">
+            <a:schemeClr val="accent1"/>
+          </a:fillRef>
+          <a:effectRef idx="0">
+            <a:schemeClr val="accent1"/>
+          </a:effectRef>
+          <a:fontRef idx="minor">
+            <a:schemeClr val="lt1"/>
+          </a:fontRef>
+        </p:style>
+        <p:txBody>
+          <a:bodyPr rtlCol="0" anchor="ctr"/>
+          <a:lstStyle/>
+          <a:p>
+            <a:pPr algn="ctr"/>
+            <a:endParaRPr kumimoji="1" lang="zh-CN" altLang="en-US"/>
+          </a:p>
+        </p:txBody>
+      </p:sp>
+      <p:sp>
+        <p:nvSpPr>
+          <p:cNvPr id="29" name="椭圆 28">
+            <a:extLst>
+              <a:ext uri="{FF2B5EF4-FFF2-40B4-BE49-F238E27FC236}">
+                <a16:creationId xmlns:a16="http://schemas.microsoft.com/office/drawing/2014/main" id="{9FAA5E81-A171-8E44-AF21-88264F90A633}"/>
+              </a:ext>
+            </a:extLst>
+          </p:cNvPr>
+          <p:cNvSpPr/>
+          <p:nvPr/>
+        </p:nvSpPr>
+        <p:spPr>
+          <a:xfrm>
+            <a:off x="10637528" y="1556484"/>
+            <a:ext cx="108000" cy="108000"/>
+          </a:xfrm>
+          <a:prstGeom prst="ellipse">
+            <a:avLst/>
+          </a:prstGeom>
+          <a:solidFill>
+            <a:schemeClr val="accent4"/>
+          </a:solidFill>
+        </p:spPr>
+        <p:style>
+          <a:lnRef idx="2">
+            <a:schemeClr val="accent1">
+              <a:shade val="50000"/>
+            </a:schemeClr>
+          </a:lnRef>
+          <a:fillRef idx="1">
+            <a:schemeClr val="accent1"/>
+          </a:fillRef>
+          <a:effectRef idx="0">
+            <a:schemeClr val="accent1"/>
+          </a:effectRef>
+          <a:fontRef idx="minor">
+            <a:schemeClr val="lt1"/>
+          </a:fontRef>
+        </p:style>
+        <p:txBody>
+          <a:bodyPr rtlCol="0" anchor="ctr"/>
+          <a:lstStyle/>
+          <a:p>
+            <a:pPr algn="ctr"/>
+            <a:endParaRPr kumimoji="1" lang="zh-CN" altLang="en-US"/>
+          </a:p>
+        </p:txBody>
+      </p:sp>
+      <p:cxnSp>
+        <p:nvCxnSpPr>
+          <p:cNvPr id="30" name="直线连接符 29">
+            <a:extLst>
+              <a:ext uri="{FF2B5EF4-FFF2-40B4-BE49-F238E27FC236}">
+                <a16:creationId xmlns:a16="http://schemas.microsoft.com/office/drawing/2014/main" id="{DB11D4A4-17DF-5043-87C7-745A0A8D6E06}"/>
+              </a:ext>
+            </a:extLst>
+          </p:cNvPr>
+          <p:cNvCxnSpPr/>
+          <p:nvPr/>
+        </p:nvCxnSpPr>
+        <p:spPr>
+          <a:xfrm>
+            <a:off x="7430816" y="1332768"/>
+            <a:ext cx="4056993" cy="0"/>
+          </a:xfrm>
+          <a:prstGeom prst="line">
+            <a:avLst/>
+          </a:prstGeom>
+          <a:ln w="19050"/>
+        </p:spPr>
+        <p:style>
+          <a:lnRef idx="1">
+            <a:schemeClr val="accent1"/>
+          </a:lnRef>
+          <a:fillRef idx="0">
+            <a:schemeClr val="accent1"/>
+          </a:fillRef>
+          <a:effectRef idx="0">
+            <a:schemeClr val="accent1"/>
+          </a:effectRef>
+          <a:fontRef idx="minor">
+            <a:schemeClr val="tx1"/>
+          </a:fontRef>
+        </p:style>
+      </p:cxnSp>
+      <p:sp>
+        <p:nvSpPr>
+          <p:cNvPr id="31" name="椭圆 30">
+            <a:extLst>
+              <a:ext uri="{FF2B5EF4-FFF2-40B4-BE49-F238E27FC236}">
+                <a16:creationId xmlns:a16="http://schemas.microsoft.com/office/drawing/2014/main" id="{138664E5-1EB7-9E47-BE51-698917B94866}"/>
+              </a:ext>
+            </a:extLst>
+          </p:cNvPr>
+          <p:cNvSpPr/>
+          <p:nvPr/>
+        </p:nvSpPr>
+        <p:spPr>
+          <a:xfrm>
+            <a:off x="7986960" y="1282170"/>
+            <a:ext cx="108000" cy="108000"/>
+          </a:xfrm>
+          <a:prstGeom prst="ellipse">
+            <a:avLst/>
+          </a:prstGeom>
+          <a:solidFill>
+            <a:schemeClr val="accent4"/>
+          </a:solidFill>
+        </p:spPr>
+        <p:style>
+          <a:lnRef idx="2">
+            <a:schemeClr val="accent1">
+              <a:shade val="50000"/>
+            </a:schemeClr>
+          </a:lnRef>
+          <a:fillRef idx="1">
+            <a:schemeClr val="accent1"/>
+          </a:fillRef>
+          <a:effectRef idx="0">
+            <a:schemeClr val="accent1"/>
+          </a:effectRef>
+          <a:fontRef idx="minor">
+            <a:schemeClr val="lt1"/>
+          </a:fontRef>
+        </p:style>
+        <p:txBody>
+          <a:bodyPr rtlCol="0" anchor="ctr"/>
+          <a:lstStyle/>
+          <a:p>
+            <a:pPr algn="ctr"/>
+            <a:endParaRPr kumimoji="1" lang="zh-CN" altLang="en-US"/>
+          </a:p>
+        </p:txBody>
+      </p:sp>
+      <p:sp>
+        <p:nvSpPr>
+          <p:cNvPr id="34" name="椭圆 33">
+            <a:extLst>
+              <a:ext uri="{FF2B5EF4-FFF2-40B4-BE49-F238E27FC236}">
+                <a16:creationId xmlns:a16="http://schemas.microsoft.com/office/drawing/2014/main" id="{477DAFE4-0027-7C44-AE04-4954AFACB6AB}"/>
+              </a:ext>
+            </a:extLst>
+          </p:cNvPr>
+          <p:cNvSpPr/>
+          <p:nvPr/>
+        </p:nvSpPr>
+        <p:spPr>
+          <a:xfrm>
+            <a:off x="10442786" y="1282165"/>
+            <a:ext cx="108000" cy="108000"/>
+          </a:xfrm>
+          <a:prstGeom prst="ellipse">
+            <a:avLst/>
+          </a:prstGeom>
+          <a:solidFill>
+            <a:schemeClr val="accent4"/>
+          </a:solidFill>
+        </p:spPr>
+        <p:style>
+          <a:lnRef idx="2">
+            <a:schemeClr val="accent1">
+              <a:shade val="50000"/>
+            </a:schemeClr>
+          </a:lnRef>
+          <a:fillRef idx="1">
+            <a:schemeClr val="accent1"/>
+          </a:fillRef>
+          <a:effectRef idx="0">
+            <a:schemeClr val="accent1"/>
+          </a:effectRef>
+          <a:fontRef idx="minor">
+            <a:schemeClr val="lt1"/>
+          </a:fontRef>
+        </p:style>
+        <p:txBody>
+          <a:bodyPr rtlCol="0" anchor="ctr"/>
+          <a:lstStyle/>
+          <a:p>
+            <a:pPr algn="ctr"/>
+            <a:endParaRPr kumimoji="1" lang="zh-CN" altLang="en-US"/>
+          </a:p>
+        </p:txBody>
+      </p:sp>
+      <p:sp>
+        <p:nvSpPr>
+          <p:cNvPr id="35" name="文本框 34">
+            <a:extLst>
+              <a:ext uri="{FF2B5EF4-FFF2-40B4-BE49-F238E27FC236}">
+                <a16:creationId xmlns:a16="http://schemas.microsoft.com/office/drawing/2014/main" id="{B38F718B-CCDE-CD4D-8FE6-55203984AD31}"/>
+              </a:ext>
+            </a:extLst>
+          </p:cNvPr>
+          <p:cNvSpPr txBox="1"/>
+          <p:nvPr/>
+        </p:nvSpPr>
+        <p:spPr>
+          <a:xfrm>
+            <a:off x="6794885" y="1431129"/>
+            <a:ext cx="292068" cy="369332"/>
+          </a:xfrm>
+          <a:prstGeom prst="rect">
+            <a:avLst/>
+          </a:prstGeom>
+          <a:noFill/>
+        </p:spPr>
+        <p:txBody>
+          <a:bodyPr wrap="none" rtlCol="0">
+            <a:spAutoFit/>
+          </a:bodyPr>
+          <a:lstStyle/>
+          <a:p>
+            <a:r>
+              <a:rPr kumimoji="1" lang="en-US" altLang="zh-CN" dirty="0"/>
+              <a:t>y</a:t>
+            </a:r>
+            <a:endParaRPr kumimoji="1" lang="zh-CN" altLang="en-US" dirty="0"/>
+          </a:p>
+        </p:txBody>
+      </p:sp>
+      <p:sp>
+        <p:nvSpPr>
+          <p:cNvPr id="36" name="文本框 35">
+            <a:extLst>
+              <a:ext uri="{FF2B5EF4-FFF2-40B4-BE49-F238E27FC236}">
+                <a16:creationId xmlns:a16="http://schemas.microsoft.com/office/drawing/2014/main" id="{5B8EB8F0-CB03-5048-B2E5-73C4F291C9A5}"/>
+              </a:ext>
+            </a:extLst>
+          </p:cNvPr>
+          <p:cNvSpPr txBox="1"/>
+          <p:nvPr/>
+        </p:nvSpPr>
+        <p:spPr>
+          <a:xfrm>
+            <a:off x="6768040" y="1155855"/>
+            <a:ext cx="567784" cy="369332"/>
+          </a:xfrm>
+          <a:prstGeom prst="rect">
+            <a:avLst/>
+          </a:prstGeom>
+          <a:noFill/>
+        </p:spPr>
+        <p:txBody>
+          <a:bodyPr wrap="none" rtlCol="0">
+            <a:spAutoFit/>
+          </a:bodyPr>
+          <a:lstStyle/>
+          <a:p>
+            <a:r>
+              <a:rPr kumimoji="1" lang="en-US" altLang="zh-CN" dirty="0"/>
+              <a:t>y+1</a:t>
+            </a:r>
+            <a:endParaRPr kumimoji="1" lang="zh-CN" altLang="en-US" dirty="0"/>
+          </a:p>
+        </p:txBody>
+      </p:sp>
+      <p:sp>
+        <p:nvSpPr>
+          <p:cNvPr id="5" name="文本框 4">
+            <a:extLst>
+              <a:ext uri="{FF2B5EF4-FFF2-40B4-BE49-F238E27FC236}">
+                <a16:creationId xmlns:a16="http://schemas.microsoft.com/office/drawing/2014/main" id="{40BD0F03-81ED-CB4B-947D-136046C37F81}"/>
+              </a:ext>
+            </a:extLst>
+          </p:cNvPr>
+          <p:cNvSpPr txBox="1"/>
+          <p:nvPr/>
+        </p:nvSpPr>
+        <p:spPr>
+          <a:xfrm>
+            <a:off x="3135086" y="3683726"/>
+            <a:ext cx="367408" cy="369332"/>
+          </a:xfrm>
+          <a:prstGeom prst="rect">
+            <a:avLst/>
+          </a:prstGeom>
+          <a:noFill/>
+        </p:spPr>
+        <p:txBody>
+          <a:bodyPr wrap="none" rtlCol="0">
+            <a:spAutoFit/>
+          </a:bodyPr>
+          <a:lstStyle/>
+          <a:p>
+            <a:r>
+              <a:rPr kumimoji="1" lang="en-US" altLang="zh-CN" dirty="0"/>
+              <a:t>(a</a:t>
+            </a:r>
+            <a:endParaRPr kumimoji="1" lang="zh-CN" altLang="en-US" dirty="0"/>
+          </a:p>
+        </p:txBody>
+      </p:sp>
+      <p:sp>
+        <p:nvSpPr>
+          <p:cNvPr id="37" name="文本框 36">
+            <a:extLst>
+              <a:ext uri="{FF2B5EF4-FFF2-40B4-BE49-F238E27FC236}">
+                <a16:creationId xmlns:a16="http://schemas.microsoft.com/office/drawing/2014/main" id="{C7B80712-D598-9C44-B0BE-359964490AC8}"/>
+              </a:ext>
+            </a:extLst>
+          </p:cNvPr>
+          <p:cNvSpPr txBox="1"/>
+          <p:nvPr/>
+        </p:nvSpPr>
+        <p:spPr>
+          <a:xfrm>
+            <a:off x="8801348" y="3683726"/>
+            <a:ext cx="385042" cy="369332"/>
+          </a:xfrm>
+          <a:prstGeom prst="rect">
+            <a:avLst/>
+          </a:prstGeom>
+          <a:noFill/>
+        </p:spPr>
+        <p:txBody>
+          <a:bodyPr wrap="none" rtlCol="0">
+            <a:spAutoFit/>
+          </a:bodyPr>
+          <a:lstStyle/>
+          <a:p>
+            <a:r>
+              <a:rPr kumimoji="1" lang="en-US" altLang="zh-CN" dirty="0"/>
+              <a:t>(b</a:t>
+            </a:r>
+            <a:endParaRPr kumimoji="1" lang="zh-CN" altLang="en-US" dirty="0"/>
+          </a:p>
+        </p:txBody>
+      </p:sp>
     </p:spTree>
     <p:extLst>
       <p:ext uri="{BB962C8B-B14F-4D97-AF65-F5344CB8AC3E}">
-        <p14:creationId xmlns:p14="http://schemas.microsoft.com/office/powerpoint/2010/main" val="164617950"/>
+        <p14:creationId xmlns:p14="http://schemas.microsoft.com/office/powerpoint/2010/main" val="3421870473"/>
       </p:ext>
     </p:extLst>
   </p:cSld>
@@ -4126,1582 +5097,7 @@
 </p:sld>
 </file>
 
-<file path=ppt/slides/slide4.xml><?xml version="1.0" encoding="utf-8"?>
-<p:sld xmlns:a="http://schemas.openxmlformats.org/drawingml/2006/main" xmlns:r="http://schemas.openxmlformats.org/officeDocument/2006/relationships" xmlns:p="http://schemas.openxmlformats.org/presentationml/2006/main">
-  <p:cSld>
-    <p:spTree>
-      <p:nvGrpSpPr>
-        <p:cNvPr id="1" name=""/>
-        <p:cNvGrpSpPr/>
-        <p:nvPr/>
-      </p:nvGrpSpPr>
-      <p:grpSpPr>
-        <a:xfrm>
-          <a:off x="0" y="0"/>
-          <a:ext cx="0" cy="0"/>
-          <a:chOff x="0" y="0"/>
-          <a:chExt cx="0" cy="0"/>
-        </a:xfrm>
-      </p:grpSpPr>
-      <p:cxnSp>
-        <p:nvCxnSpPr>
-          <p:cNvPr id="3" name="直线连接符 2">
-            <a:extLst>
-              <a:ext uri="{FF2B5EF4-FFF2-40B4-BE49-F238E27FC236}">
-                <a16:creationId xmlns:a16="http://schemas.microsoft.com/office/drawing/2014/main" id="{B242B0C2-274B-3A4D-860F-A95CB5EF4EFF}"/>
-              </a:ext>
-            </a:extLst>
-          </p:cNvPr>
-          <p:cNvCxnSpPr>
-            <a:cxnSpLocks/>
-          </p:cNvCxnSpPr>
-          <p:nvPr/>
-        </p:nvCxnSpPr>
-        <p:spPr>
-          <a:xfrm>
-            <a:off x="977462" y="1474077"/>
-            <a:ext cx="504497" cy="1422838"/>
-          </a:xfrm>
-          <a:prstGeom prst="line">
-            <a:avLst/>
-          </a:prstGeom>
-          <a:ln w="25400">
-            <a:headEnd type="triangle"/>
-          </a:ln>
-        </p:spPr>
-        <p:style>
-          <a:lnRef idx="1">
-            <a:schemeClr val="accent1"/>
-          </a:lnRef>
-          <a:fillRef idx="0">
-            <a:schemeClr val="accent1"/>
-          </a:fillRef>
-          <a:effectRef idx="0">
-            <a:schemeClr val="accent1"/>
-          </a:effectRef>
-          <a:fontRef idx="minor">
-            <a:schemeClr val="tx1"/>
-          </a:fontRef>
-        </p:style>
-      </p:cxnSp>
-      <p:cxnSp>
-        <p:nvCxnSpPr>
-          <p:cNvPr id="9" name="直线连接符 8">
-            <a:extLst>
-              <a:ext uri="{FF2B5EF4-FFF2-40B4-BE49-F238E27FC236}">
-                <a16:creationId xmlns:a16="http://schemas.microsoft.com/office/drawing/2014/main" id="{FD840ECB-CB08-2941-816A-7F4F3D5F3D8B}"/>
-              </a:ext>
-            </a:extLst>
-          </p:cNvPr>
-          <p:cNvCxnSpPr>
-            <a:cxnSpLocks/>
-          </p:cNvCxnSpPr>
-          <p:nvPr/>
-        </p:nvCxnSpPr>
-        <p:spPr>
-          <a:xfrm flipH="1">
-            <a:off x="1481959" y="1221828"/>
-            <a:ext cx="662151" cy="1675087"/>
-          </a:xfrm>
-          <a:prstGeom prst="line">
-            <a:avLst/>
-          </a:prstGeom>
-          <a:ln w="25400">
-            <a:headEnd type="triangle"/>
-          </a:ln>
-        </p:spPr>
-        <p:style>
-          <a:lnRef idx="1">
-            <a:schemeClr val="accent2"/>
-          </a:lnRef>
-          <a:fillRef idx="0">
-            <a:schemeClr val="accent2"/>
-          </a:fillRef>
-          <a:effectRef idx="0">
-            <a:schemeClr val="accent2"/>
-          </a:effectRef>
-          <a:fontRef idx="minor">
-            <a:schemeClr val="tx1"/>
-          </a:fontRef>
-        </p:style>
-      </p:cxnSp>
-      <p:sp>
-        <p:nvSpPr>
-          <p:cNvPr id="15" name="文本框 14">
-            <a:extLst>
-              <a:ext uri="{FF2B5EF4-FFF2-40B4-BE49-F238E27FC236}">
-                <a16:creationId xmlns:a16="http://schemas.microsoft.com/office/drawing/2014/main" id="{544FDE46-7D7B-9E49-92DD-B6142FC3417F}"/>
-              </a:ext>
-            </a:extLst>
-          </p:cNvPr>
-          <p:cNvSpPr txBox="1"/>
-          <p:nvPr/>
-        </p:nvSpPr>
-        <p:spPr>
-          <a:xfrm>
-            <a:off x="410640" y="1104745"/>
-            <a:ext cx="1053494" cy="369332"/>
-          </a:xfrm>
-          <a:prstGeom prst="rect">
-            <a:avLst/>
-          </a:prstGeom>
-          <a:noFill/>
-        </p:spPr>
-        <p:txBody>
-          <a:bodyPr wrap="none" rtlCol="0">
-            <a:spAutoFit/>
-          </a:bodyPr>
-          <a:lstStyle/>
-          <a:p>
-            <a:r>
-              <a:rPr kumimoji="1" lang="en-US" altLang="zh-CN" dirty="0"/>
-              <a:t>P</a:t>
-            </a:r>
-            <a:r>
-              <a:rPr kumimoji="1" lang="en-US" altLang="zh-CN" baseline="-25000" dirty="0"/>
-              <a:t>1</a:t>
-            </a:r>
-            <a:r>
-              <a:rPr kumimoji="1" lang="en-US" altLang="zh-CN" dirty="0"/>
-              <a:t>(x</a:t>
-            </a:r>
-            <a:r>
-              <a:rPr kumimoji="1" lang="en-US" altLang="zh-CN" baseline="-25000" dirty="0"/>
-              <a:t>1</a:t>
-            </a:r>
-            <a:r>
-              <a:rPr kumimoji="1" lang="en-US" altLang="zh-CN" dirty="0"/>
-              <a:t>,</a:t>
-            </a:r>
-            <a:r>
-              <a:rPr kumimoji="1" lang="zh-CN" altLang="en-US" dirty="0"/>
-              <a:t> </a:t>
-            </a:r>
-            <a:r>
-              <a:rPr kumimoji="1" lang="en-US" altLang="zh-CN" dirty="0"/>
-              <a:t>y</a:t>
-            </a:r>
-            <a:r>
-              <a:rPr kumimoji="1" lang="en-US" altLang="zh-CN" baseline="-25000" dirty="0"/>
-              <a:t>1</a:t>
-            </a:r>
-            <a:r>
-              <a:rPr kumimoji="1" lang="en-US" altLang="zh-CN" dirty="0"/>
-              <a:t>)</a:t>
-            </a:r>
-            <a:endParaRPr kumimoji="1" lang="zh-CN" altLang="en-US" dirty="0"/>
-          </a:p>
-        </p:txBody>
-      </p:sp>
-      <p:sp>
-        <p:nvSpPr>
-          <p:cNvPr id="16" name="文本框 15">
-            <a:extLst>
-              <a:ext uri="{FF2B5EF4-FFF2-40B4-BE49-F238E27FC236}">
-                <a16:creationId xmlns:a16="http://schemas.microsoft.com/office/drawing/2014/main" id="{A85ADFAF-E386-5640-B86B-9D44853C599F}"/>
-              </a:ext>
-            </a:extLst>
-          </p:cNvPr>
-          <p:cNvSpPr txBox="1"/>
-          <p:nvPr/>
-        </p:nvSpPr>
-        <p:spPr>
-          <a:xfrm>
-            <a:off x="1617363" y="735413"/>
-            <a:ext cx="1013419" cy="369332"/>
-          </a:xfrm>
-          <a:prstGeom prst="rect">
-            <a:avLst/>
-          </a:prstGeom>
-          <a:noFill/>
-        </p:spPr>
-        <p:txBody>
-          <a:bodyPr wrap="none" rtlCol="0">
-            <a:spAutoFit/>
-          </a:bodyPr>
-          <a:lstStyle/>
-          <a:p>
-            <a:r>
-              <a:rPr kumimoji="1" lang="en-US" altLang="zh-CN" dirty="0"/>
-              <a:t>P</a:t>
-            </a:r>
-            <a:r>
-              <a:rPr kumimoji="1" lang="en-US" altLang="zh-CN" baseline="-25000" dirty="0"/>
-              <a:t>2</a:t>
-            </a:r>
-            <a:r>
-              <a:rPr kumimoji="1" lang="en-US" altLang="zh-CN" dirty="0"/>
-              <a:t>(x</a:t>
-            </a:r>
-            <a:r>
-              <a:rPr kumimoji="1" lang="en-US" altLang="zh-CN" baseline="-25000" dirty="0"/>
-              <a:t>2</a:t>
-            </a:r>
-            <a:r>
-              <a:rPr kumimoji="1" lang="en-US" altLang="zh-CN" dirty="0"/>
-              <a:t>,</a:t>
-            </a:r>
-            <a:r>
-              <a:rPr kumimoji="1" lang="zh-CN" altLang="en-US" dirty="0"/>
-              <a:t> </a:t>
-            </a:r>
-            <a:r>
-              <a:rPr kumimoji="1" lang="en-US" altLang="zh-CN" dirty="0"/>
-              <a:t>y</a:t>
-            </a:r>
-            <a:r>
-              <a:rPr kumimoji="1" lang="en-US" altLang="zh-CN" baseline="-25000" dirty="0"/>
-              <a:t>2</a:t>
-            </a:r>
-            <a:r>
-              <a:rPr kumimoji="1" lang="en-US" altLang="zh-CN" dirty="0"/>
-              <a:t>)</a:t>
-            </a:r>
-            <a:endParaRPr kumimoji="1" lang="zh-CN" altLang="en-US" dirty="0"/>
-          </a:p>
-        </p:txBody>
-      </p:sp>
-      <p:sp>
-        <p:nvSpPr>
-          <p:cNvPr id="17" name="环形箭头 16">
-            <a:extLst>
-              <a:ext uri="{FF2B5EF4-FFF2-40B4-BE49-F238E27FC236}">
-                <a16:creationId xmlns:a16="http://schemas.microsoft.com/office/drawing/2014/main" id="{952A5B52-7B68-5D4F-A29C-4E45E40BD7A8}"/>
-              </a:ext>
-            </a:extLst>
-          </p:cNvPr>
-          <p:cNvSpPr/>
-          <p:nvPr/>
-        </p:nvSpPr>
-        <p:spPr>
-          <a:xfrm>
-            <a:off x="1243416" y="2112580"/>
-            <a:ext cx="504497" cy="417786"/>
-          </a:xfrm>
-          <a:prstGeom prst="circularArrow">
-            <a:avLst>
-              <a:gd name="adj1" fmla="val 12250"/>
-              <a:gd name="adj2" fmla="val 1042843"/>
-              <a:gd name="adj3" fmla="val 20825713"/>
-              <a:gd name="adj4" fmla="val 10800000"/>
-              <a:gd name="adj5" fmla="val 18313"/>
-            </a:avLst>
-          </a:prstGeom>
-        </p:spPr>
-        <p:style>
-          <a:lnRef idx="2">
-            <a:schemeClr val="accent1">
-              <a:shade val="50000"/>
-            </a:schemeClr>
-          </a:lnRef>
-          <a:fillRef idx="1">
-            <a:schemeClr val="accent1"/>
-          </a:fillRef>
-          <a:effectRef idx="0">
-            <a:schemeClr val="accent1"/>
-          </a:effectRef>
-          <a:fontRef idx="minor">
-            <a:schemeClr val="lt1"/>
-          </a:fontRef>
-        </p:style>
-        <p:txBody>
-          <a:bodyPr rtlCol="0" anchor="ctr"/>
-          <a:lstStyle/>
-          <a:p>
-            <a:pPr algn="ctr"/>
-            <a:endParaRPr kumimoji="1" lang="zh-CN" altLang="en-US">
-              <a:solidFill>
-                <a:schemeClr val="tx1"/>
-              </a:solidFill>
-            </a:endParaRPr>
-          </a:p>
-        </p:txBody>
-      </p:sp>
-      <p:sp>
-        <p:nvSpPr>
-          <p:cNvPr id="18" name="文本框 17">
-            <a:extLst>
-              <a:ext uri="{FF2B5EF4-FFF2-40B4-BE49-F238E27FC236}">
-                <a16:creationId xmlns:a16="http://schemas.microsoft.com/office/drawing/2014/main" id="{23F9006F-5566-6342-86FB-CD6C36721D51}"/>
-              </a:ext>
-            </a:extLst>
-          </p:cNvPr>
-          <p:cNvSpPr txBox="1"/>
-          <p:nvPr/>
-        </p:nvSpPr>
-        <p:spPr>
-          <a:xfrm>
-            <a:off x="622738" y="3318641"/>
-            <a:ext cx="2297424" cy="923330"/>
-          </a:xfrm>
-          <a:prstGeom prst="rect">
-            <a:avLst/>
-          </a:prstGeom>
-          <a:noFill/>
-        </p:spPr>
-        <p:txBody>
-          <a:bodyPr wrap="none" rtlCol="0">
-            <a:spAutoFit/>
-          </a:bodyPr>
-          <a:lstStyle/>
-          <a:p>
-            <a:r>
-              <a:rPr kumimoji="1" lang="en-US" altLang="zh-CN" dirty="0"/>
-              <a:t>x</a:t>
-            </a:r>
-            <a:r>
-              <a:rPr kumimoji="1" lang="en-US" altLang="zh-CN" baseline="-25000" dirty="0"/>
-              <a:t>1</a:t>
-            </a:r>
-            <a:r>
-              <a:rPr kumimoji="1" lang="zh-CN" altLang="en-US" dirty="0"/>
-              <a:t>*</a:t>
-            </a:r>
-            <a:r>
-              <a:rPr kumimoji="1" lang="en-US" altLang="zh-CN" dirty="0"/>
-              <a:t>y</a:t>
-            </a:r>
-            <a:r>
-              <a:rPr kumimoji="1" lang="en-US" altLang="zh-CN" baseline="-25000" dirty="0"/>
-              <a:t>2</a:t>
-            </a:r>
-            <a:r>
-              <a:rPr kumimoji="1" lang="en-US" altLang="zh-CN" dirty="0"/>
-              <a:t>-x</a:t>
-            </a:r>
-            <a:r>
-              <a:rPr kumimoji="1" lang="en-US" altLang="zh-CN" baseline="-25000" dirty="0"/>
-              <a:t>2</a:t>
-            </a:r>
-            <a:r>
-              <a:rPr kumimoji="1" lang="zh-CN" altLang="en-US" dirty="0"/>
-              <a:t>*</a:t>
-            </a:r>
-            <a:r>
-              <a:rPr kumimoji="1" lang="en-US" altLang="zh-CN" dirty="0"/>
-              <a:t>y1</a:t>
-            </a:r>
-            <a:r>
-              <a:rPr kumimoji="1" lang="zh-CN" altLang="en-US" dirty="0"/>
-              <a:t> </a:t>
-            </a:r>
-            <a:r>
-              <a:rPr kumimoji="1" lang="en-US" altLang="zh-CN" dirty="0"/>
-              <a:t>&lt;</a:t>
-            </a:r>
-            <a:r>
-              <a:rPr kumimoji="1" lang="zh-CN" altLang="en-US" dirty="0"/>
-              <a:t> </a:t>
-            </a:r>
-            <a:r>
-              <a:rPr kumimoji="1" lang="en-US" altLang="zh-CN" dirty="0"/>
-              <a:t>0,</a:t>
-            </a:r>
-            <a:r>
-              <a:rPr kumimoji="1" lang="zh-CN" altLang="en-US" dirty="0"/>
-              <a:t> </a:t>
-            </a:r>
-            <a:endParaRPr kumimoji="1" lang="en-US" altLang="zh-CN" dirty="0"/>
-          </a:p>
-          <a:p>
-            <a:r>
-              <a:rPr kumimoji="1" lang="zh-CN" altLang="en-US" dirty="0"/>
-              <a:t>从</a:t>
-            </a:r>
-            <a:r>
-              <a:rPr kumimoji="1" lang="en-US" altLang="zh-CN" dirty="0"/>
-              <a:t>P1</a:t>
-            </a:r>
-            <a:r>
-              <a:rPr kumimoji="1" lang="zh-CN" altLang="en-US" dirty="0"/>
-              <a:t>到</a:t>
-            </a:r>
-            <a:r>
-              <a:rPr kumimoji="1" lang="en-US" altLang="zh-CN" dirty="0"/>
-              <a:t>P2</a:t>
-            </a:r>
-            <a:r>
-              <a:rPr kumimoji="1" lang="zh-CN" altLang="en-US" dirty="0"/>
-              <a:t>顺时针，</a:t>
-            </a:r>
-            <a:endParaRPr kumimoji="1" lang="en-US" altLang="zh-CN" dirty="0"/>
-          </a:p>
-          <a:p>
-            <a:r>
-              <a:rPr kumimoji="1" lang="zh-CN" altLang="en-US" dirty="0"/>
-              <a:t>点</a:t>
-            </a:r>
-            <a:r>
-              <a:rPr kumimoji="1" lang="en-US" altLang="zh-CN" dirty="0"/>
-              <a:t>P2</a:t>
-            </a:r>
-            <a:r>
-              <a:rPr kumimoji="1" lang="zh-CN" altLang="en-US" dirty="0"/>
-              <a:t>在向量</a:t>
-            </a:r>
-            <a:r>
-              <a:rPr kumimoji="1" lang="en-US" altLang="zh-CN" dirty="0"/>
-              <a:t>P1</a:t>
-            </a:r>
-            <a:r>
-              <a:rPr kumimoji="1" lang="zh-CN" altLang="en-US" dirty="0"/>
-              <a:t>的右边</a:t>
-            </a:r>
-          </a:p>
-        </p:txBody>
-      </p:sp>
-      <p:cxnSp>
-        <p:nvCxnSpPr>
-          <p:cNvPr id="19" name="直线连接符 18">
-            <a:extLst>
-              <a:ext uri="{FF2B5EF4-FFF2-40B4-BE49-F238E27FC236}">
-                <a16:creationId xmlns:a16="http://schemas.microsoft.com/office/drawing/2014/main" id="{8486965A-A239-3F43-A9FE-54B246A74096}"/>
-              </a:ext>
-            </a:extLst>
-          </p:cNvPr>
-          <p:cNvCxnSpPr>
-            <a:cxnSpLocks/>
-          </p:cNvCxnSpPr>
-          <p:nvPr/>
-        </p:nvCxnSpPr>
-        <p:spPr>
-          <a:xfrm flipH="1">
-            <a:off x="6395545" y="1500274"/>
-            <a:ext cx="517634" cy="1396641"/>
-          </a:xfrm>
-          <a:prstGeom prst="line">
-            <a:avLst/>
-          </a:prstGeom>
-          <a:ln w="25400">
-            <a:headEnd type="triangle"/>
-          </a:ln>
-        </p:spPr>
-        <p:style>
-          <a:lnRef idx="1">
-            <a:schemeClr val="accent1"/>
-          </a:lnRef>
-          <a:fillRef idx="0">
-            <a:schemeClr val="accent1"/>
-          </a:fillRef>
-          <a:effectRef idx="0">
-            <a:schemeClr val="accent1"/>
-          </a:effectRef>
-          <a:fontRef idx="minor">
-            <a:schemeClr val="tx1"/>
-          </a:fontRef>
-        </p:style>
-      </p:cxnSp>
-      <p:cxnSp>
-        <p:nvCxnSpPr>
-          <p:cNvPr id="20" name="直线连接符 19">
-            <a:extLst>
-              <a:ext uri="{FF2B5EF4-FFF2-40B4-BE49-F238E27FC236}">
-                <a16:creationId xmlns:a16="http://schemas.microsoft.com/office/drawing/2014/main" id="{10381753-3575-F24F-BC0A-FDD981E406AF}"/>
-              </a:ext>
-            </a:extLst>
-          </p:cNvPr>
-          <p:cNvCxnSpPr>
-            <a:cxnSpLocks/>
-          </p:cNvCxnSpPr>
-          <p:nvPr/>
-        </p:nvCxnSpPr>
-        <p:spPr>
-          <a:xfrm>
-            <a:off x="5683469" y="1221828"/>
-            <a:ext cx="712077" cy="1675086"/>
-          </a:xfrm>
-          <a:prstGeom prst="line">
-            <a:avLst/>
-          </a:prstGeom>
-          <a:ln w="25400">
-            <a:headEnd type="triangle"/>
-          </a:ln>
-        </p:spPr>
-        <p:style>
-          <a:lnRef idx="1">
-            <a:schemeClr val="accent2"/>
-          </a:lnRef>
-          <a:fillRef idx="0">
-            <a:schemeClr val="accent2"/>
-          </a:fillRef>
-          <a:effectRef idx="0">
-            <a:schemeClr val="accent2"/>
-          </a:effectRef>
-          <a:fontRef idx="minor">
-            <a:schemeClr val="tx1"/>
-          </a:fontRef>
-        </p:style>
-      </p:cxnSp>
-      <p:sp>
-        <p:nvSpPr>
-          <p:cNvPr id="21" name="文本框 20">
-            <a:extLst>
-              <a:ext uri="{FF2B5EF4-FFF2-40B4-BE49-F238E27FC236}">
-                <a16:creationId xmlns:a16="http://schemas.microsoft.com/office/drawing/2014/main" id="{98B8D1A4-037B-9646-9EE8-3F7EBA30A1BB}"/>
-              </a:ext>
-            </a:extLst>
-          </p:cNvPr>
-          <p:cNvSpPr txBox="1"/>
-          <p:nvPr/>
-        </p:nvSpPr>
-        <p:spPr>
-          <a:xfrm flipH="1">
-            <a:off x="6321970" y="1104745"/>
-            <a:ext cx="988835" cy="369332"/>
-          </a:xfrm>
-          <a:prstGeom prst="rect">
-            <a:avLst/>
-          </a:prstGeom>
-          <a:noFill/>
-        </p:spPr>
-        <p:txBody>
-          <a:bodyPr wrap="square" rtlCol="0">
-            <a:spAutoFit/>
-          </a:bodyPr>
-          <a:lstStyle/>
-          <a:p>
-            <a:r>
-              <a:rPr kumimoji="1" lang="en-US" altLang="zh-CN" dirty="0"/>
-              <a:t>P</a:t>
-            </a:r>
-            <a:r>
-              <a:rPr kumimoji="1" lang="en-US" altLang="zh-CN" baseline="-25000" dirty="0"/>
-              <a:t>1</a:t>
-            </a:r>
-            <a:r>
-              <a:rPr kumimoji="1" lang="en-US" altLang="zh-CN" dirty="0"/>
-              <a:t>(x</a:t>
-            </a:r>
-            <a:r>
-              <a:rPr kumimoji="1" lang="en-US" altLang="zh-CN" baseline="-25000" dirty="0"/>
-              <a:t>1</a:t>
-            </a:r>
-            <a:r>
-              <a:rPr kumimoji="1" lang="en-US" altLang="zh-CN" dirty="0"/>
-              <a:t>,</a:t>
-            </a:r>
-            <a:r>
-              <a:rPr kumimoji="1" lang="zh-CN" altLang="en-US" dirty="0"/>
-              <a:t> </a:t>
-            </a:r>
-            <a:r>
-              <a:rPr kumimoji="1" lang="en-US" altLang="zh-CN" dirty="0"/>
-              <a:t>y</a:t>
-            </a:r>
-            <a:r>
-              <a:rPr kumimoji="1" lang="en-US" altLang="zh-CN" baseline="-25000" dirty="0"/>
-              <a:t>1</a:t>
-            </a:r>
-            <a:r>
-              <a:rPr kumimoji="1" lang="en-US" altLang="zh-CN" dirty="0"/>
-              <a:t>)</a:t>
-            </a:r>
-            <a:endParaRPr kumimoji="1" lang="zh-CN" altLang="en-US" dirty="0"/>
-          </a:p>
-        </p:txBody>
-      </p:sp>
-      <p:sp>
-        <p:nvSpPr>
-          <p:cNvPr id="22" name="文本框 21">
-            <a:extLst>
-              <a:ext uri="{FF2B5EF4-FFF2-40B4-BE49-F238E27FC236}">
-                <a16:creationId xmlns:a16="http://schemas.microsoft.com/office/drawing/2014/main" id="{44EC9C3D-32D2-9F4F-B30B-15257B1F2923}"/>
-              </a:ext>
-            </a:extLst>
-          </p:cNvPr>
-          <p:cNvSpPr txBox="1"/>
-          <p:nvPr/>
-        </p:nvSpPr>
-        <p:spPr>
-          <a:xfrm flipH="1">
-            <a:off x="5207859" y="854811"/>
-            <a:ext cx="951219" cy="369332"/>
-          </a:xfrm>
-          <a:prstGeom prst="rect">
-            <a:avLst/>
-          </a:prstGeom>
-          <a:noFill/>
-        </p:spPr>
-        <p:txBody>
-          <a:bodyPr wrap="square" rtlCol="0">
-            <a:spAutoFit/>
-          </a:bodyPr>
-          <a:lstStyle/>
-          <a:p>
-            <a:r>
-              <a:rPr kumimoji="1" lang="en-US" altLang="zh-CN" dirty="0"/>
-              <a:t>P</a:t>
-            </a:r>
-            <a:r>
-              <a:rPr kumimoji="1" lang="en-US" altLang="zh-CN" baseline="-25000" dirty="0"/>
-              <a:t>2</a:t>
-            </a:r>
-            <a:r>
-              <a:rPr kumimoji="1" lang="en-US" altLang="zh-CN" dirty="0"/>
-              <a:t>(x</a:t>
-            </a:r>
-            <a:r>
-              <a:rPr kumimoji="1" lang="en-US" altLang="zh-CN" baseline="-25000" dirty="0"/>
-              <a:t>2</a:t>
-            </a:r>
-            <a:r>
-              <a:rPr kumimoji="1" lang="en-US" altLang="zh-CN" dirty="0"/>
-              <a:t>,</a:t>
-            </a:r>
-            <a:r>
-              <a:rPr kumimoji="1" lang="zh-CN" altLang="en-US" dirty="0"/>
-              <a:t> </a:t>
-            </a:r>
-            <a:r>
-              <a:rPr kumimoji="1" lang="en-US" altLang="zh-CN" dirty="0"/>
-              <a:t>y</a:t>
-            </a:r>
-            <a:r>
-              <a:rPr kumimoji="1" lang="en-US" altLang="zh-CN" baseline="-25000" dirty="0"/>
-              <a:t>2</a:t>
-            </a:r>
-            <a:r>
-              <a:rPr kumimoji="1" lang="en-US" altLang="zh-CN" dirty="0"/>
-              <a:t>)</a:t>
-            </a:r>
-            <a:endParaRPr kumimoji="1" lang="zh-CN" altLang="en-US" dirty="0"/>
-          </a:p>
-        </p:txBody>
-      </p:sp>
-      <p:sp>
-        <p:nvSpPr>
-          <p:cNvPr id="23" name="环形箭头 22">
-            <a:extLst>
-              <a:ext uri="{FF2B5EF4-FFF2-40B4-BE49-F238E27FC236}">
-                <a16:creationId xmlns:a16="http://schemas.microsoft.com/office/drawing/2014/main" id="{3AEC8FA8-0642-9541-87D6-60F9E763C85F}"/>
-              </a:ext>
-            </a:extLst>
-          </p:cNvPr>
-          <p:cNvSpPr/>
-          <p:nvPr/>
-        </p:nvSpPr>
-        <p:spPr>
-          <a:xfrm flipH="1">
-            <a:off x="6158777" y="2182133"/>
-            <a:ext cx="473533" cy="417786"/>
-          </a:xfrm>
-          <a:prstGeom prst="circularArrow">
-            <a:avLst>
-              <a:gd name="adj1" fmla="val 12250"/>
-              <a:gd name="adj2" fmla="val 1042843"/>
-              <a:gd name="adj3" fmla="val 20825713"/>
-              <a:gd name="adj4" fmla="val 10800000"/>
-              <a:gd name="adj5" fmla="val 18313"/>
-            </a:avLst>
-          </a:prstGeom>
-        </p:spPr>
-        <p:style>
-          <a:lnRef idx="2">
-            <a:schemeClr val="accent1">
-              <a:shade val="50000"/>
-            </a:schemeClr>
-          </a:lnRef>
-          <a:fillRef idx="1">
-            <a:schemeClr val="accent1"/>
-          </a:fillRef>
-          <a:effectRef idx="0">
-            <a:schemeClr val="accent1"/>
-          </a:effectRef>
-          <a:fontRef idx="minor">
-            <a:schemeClr val="lt1"/>
-          </a:fontRef>
-        </p:style>
-        <p:txBody>
-          <a:bodyPr rtlCol="0" anchor="ctr"/>
-          <a:lstStyle/>
-          <a:p>
-            <a:pPr algn="ctr"/>
-            <a:endParaRPr kumimoji="1" lang="zh-CN" altLang="en-US">
-              <a:solidFill>
-                <a:schemeClr val="tx1"/>
-              </a:solidFill>
-            </a:endParaRPr>
-          </a:p>
-        </p:txBody>
-      </p:sp>
-      <p:sp>
-        <p:nvSpPr>
-          <p:cNvPr id="24" name="文本框 23">
-            <a:extLst>
-              <a:ext uri="{FF2B5EF4-FFF2-40B4-BE49-F238E27FC236}">
-                <a16:creationId xmlns:a16="http://schemas.microsoft.com/office/drawing/2014/main" id="{B6A48D27-C7BC-CF41-AF01-7C6F85D86894}"/>
-              </a:ext>
-            </a:extLst>
-          </p:cNvPr>
-          <p:cNvSpPr txBox="1"/>
-          <p:nvPr/>
-        </p:nvSpPr>
-        <p:spPr>
-          <a:xfrm>
-            <a:off x="5536324" y="3318641"/>
-            <a:ext cx="2297424" cy="923330"/>
-          </a:xfrm>
-          <a:prstGeom prst="rect">
-            <a:avLst/>
-          </a:prstGeom>
-          <a:noFill/>
-        </p:spPr>
-        <p:txBody>
-          <a:bodyPr wrap="none" rtlCol="0">
-            <a:spAutoFit/>
-          </a:bodyPr>
-          <a:lstStyle/>
-          <a:p>
-            <a:r>
-              <a:rPr kumimoji="1" lang="en-US" altLang="zh-CN" dirty="0"/>
-              <a:t>x</a:t>
-            </a:r>
-            <a:r>
-              <a:rPr kumimoji="1" lang="en-US" altLang="zh-CN" baseline="-25000" dirty="0"/>
-              <a:t>1</a:t>
-            </a:r>
-            <a:r>
-              <a:rPr kumimoji="1" lang="zh-CN" altLang="en-US" dirty="0"/>
-              <a:t>*</a:t>
-            </a:r>
-            <a:r>
-              <a:rPr kumimoji="1" lang="en-US" altLang="zh-CN" dirty="0"/>
-              <a:t>y</a:t>
-            </a:r>
-            <a:r>
-              <a:rPr kumimoji="1" lang="en-US" altLang="zh-CN" baseline="-25000" dirty="0"/>
-              <a:t>2</a:t>
-            </a:r>
-            <a:r>
-              <a:rPr kumimoji="1" lang="en-US" altLang="zh-CN" dirty="0"/>
-              <a:t>-x</a:t>
-            </a:r>
-            <a:r>
-              <a:rPr kumimoji="1" lang="en-US" altLang="zh-CN" baseline="-25000" dirty="0"/>
-              <a:t>2</a:t>
-            </a:r>
-            <a:r>
-              <a:rPr kumimoji="1" lang="zh-CN" altLang="en-US" dirty="0"/>
-              <a:t>*</a:t>
-            </a:r>
-            <a:r>
-              <a:rPr kumimoji="1" lang="en-US" altLang="zh-CN" dirty="0"/>
-              <a:t>y1</a:t>
-            </a:r>
-            <a:r>
-              <a:rPr kumimoji="1" lang="zh-CN" altLang="en-US" dirty="0"/>
-              <a:t> </a:t>
-            </a:r>
-            <a:r>
-              <a:rPr kumimoji="1" lang="en-US" altLang="zh-CN" dirty="0"/>
-              <a:t>&gt;</a:t>
-            </a:r>
-            <a:r>
-              <a:rPr kumimoji="1" lang="zh-CN" altLang="en-US" dirty="0"/>
-              <a:t> </a:t>
-            </a:r>
-            <a:r>
-              <a:rPr kumimoji="1" lang="en-US" altLang="zh-CN" dirty="0"/>
-              <a:t>0,</a:t>
-            </a:r>
-            <a:r>
-              <a:rPr kumimoji="1" lang="zh-CN" altLang="en-US" dirty="0"/>
-              <a:t> </a:t>
-            </a:r>
-            <a:endParaRPr kumimoji="1" lang="en-US" altLang="zh-CN" dirty="0"/>
-          </a:p>
-          <a:p>
-            <a:r>
-              <a:rPr kumimoji="1" lang="zh-CN" altLang="en-US" dirty="0"/>
-              <a:t>从</a:t>
-            </a:r>
-            <a:r>
-              <a:rPr kumimoji="1" lang="en-US" altLang="zh-CN" dirty="0"/>
-              <a:t>P1</a:t>
-            </a:r>
-            <a:r>
-              <a:rPr kumimoji="1" lang="zh-CN" altLang="en-US" dirty="0"/>
-              <a:t>到</a:t>
-            </a:r>
-            <a:r>
-              <a:rPr kumimoji="1" lang="en-US" altLang="zh-CN" dirty="0"/>
-              <a:t>P2</a:t>
-            </a:r>
-            <a:r>
-              <a:rPr kumimoji="1" lang="zh-CN" altLang="en-US" dirty="0"/>
-              <a:t>逆时针，</a:t>
-            </a:r>
-            <a:endParaRPr kumimoji="1" lang="en-US" altLang="zh-CN" dirty="0"/>
-          </a:p>
-          <a:p>
-            <a:r>
-              <a:rPr kumimoji="1" lang="zh-CN" altLang="en-US" dirty="0"/>
-              <a:t>点</a:t>
-            </a:r>
-            <a:r>
-              <a:rPr kumimoji="1" lang="en-US" altLang="zh-CN" dirty="0"/>
-              <a:t>P2</a:t>
-            </a:r>
-            <a:r>
-              <a:rPr kumimoji="1" lang="zh-CN" altLang="en-US" dirty="0"/>
-              <a:t>在向量</a:t>
-            </a:r>
-            <a:r>
-              <a:rPr kumimoji="1" lang="en-US" altLang="zh-CN" dirty="0"/>
-              <a:t>P1</a:t>
-            </a:r>
-            <a:r>
-              <a:rPr kumimoji="1" lang="zh-CN" altLang="en-US" dirty="0"/>
-              <a:t>的左边</a:t>
-            </a:r>
-          </a:p>
-        </p:txBody>
-      </p:sp>
-      <p:cxnSp>
-        <p:nvCxnSpPr>
-          <p:cNvPr id="29" name="直线连接符 28">
-            <a:extLst>
-              <a:ext uri="{FF2B5EF4-FFF2-40B4-BE49-F238E27FC236}">
-                <a16:creationId xmlns:a16="http://schemas.microsoft.com/office/drawing/2014/main" id="{BAD23E98-1190-F240-A192-48AA74D653A2}"/>
-              </a:ext>
-            </a:extLst>
-          </p:cNvPr>
-          <p:cNvCxnSpPr>
-            <a:cxnSpLocks/>
-            <a:stCxn id="31" idx="3"/>
-          </p:cNvCxnSpPr>
-          <p:nvPr/>
-        </p:nvCxnSpPr>
-        <p:spPr>
-          <a:xfrm>
-            <a:off x="4098901" y="1289411"/>
-            <a:ext cx="73575" cy="1607504"/>
-          </a:xfrm>
-          <a:prstGeom prst="line">
-            <a:avLst/>
-          </a:prstGeom>
-          <a:ln w="25400">
-            <a:headEnd type="triangle"/>
-          </a:ln>
-        </p:spPr>
-        <p:style>
-          <a:lnRef idx="1">
-            <a:schemeClr val="accent1"/>
-          </a:lnRef>
-          <a:fillRef idx="0">
-            <a:schemeClr val="accent1"/>
-          </a:fillRef>
-          <a:effectRef idx="0">
-            <a:schemeClr val="accent1"/>
-          </a:effectRef>
-          <a:fontRef idx="minor">
-            <a:schemeClr val="tx1"/>
-          </a:fontRef>
-        </p:style>
-      </p:cxnSp>
-      <p:cxnSp>
-        <p:nvCxnSpPr>
-          <p:cNvPr id="30" name="直线连接符 29">
-            <a:extLst>
-              <a:ext uri="{FF2B5EF4-FFF2-40B4-BE49-F238E27FC236}">
-                <a16:creationId xmlns:a16="http://schemas.microsoft.com/office/drawing/2014/main" id="{16A084F7-400D-594F-86C2-D4BAC1E49ACB}"/>
-              </a:ext>
-            </a:extLst>
-          </p:cNvPr>
-          <p:cNvCxnSpPr>
-            <a:cxnSpLocks/>
-          </p:cNvCxnSpPr>
-          <p:nvPr/>
-        </p:nvCxnSpPr>
-        <p:spPr>
-          <a:xfrm>
-            <a:off x="4098900" y="854811"/>
-            <a:ext cx="73577" cy="2042103"/>
-          </a:xfrm>
-          <a:prstGeom prst="line">
-            <a:avLst/>
-          </a:prstGeom>
-          <a:ln w="25400">
-            <a:headEnd type="triangle"/>
-          </a:ln>
-        </p:spPr>
-        <p:style>
-          <a:lnRef idx="1">
-            <a:schemeClr val="accent2"/>
-          </a:lnRef>
-          <a:fillRef idx="0">
-            <a:schemeClr val="accent2"/>
-          </a:fillRef>
-          <a:effectRef idx="0">
-            <a:schemeClr val="accent2"/>
-          </a:effectRef>
-          <a:fontRef idx="minor">
-            <a:schemeClr val="tx1"/>
-          </a:fontRef>
-        </p:style>
-      </p:cxnSp>
-      <p:sp>
-        <p:nvSpPr>
-          <p:cNvPr id="31" name="文本框 30">
-            <a:extLst>
-              <a:ext uri="{FF2B5EF4-FFF2-40B4-BE49-F238E27FC236}">
-                <a16:creationId xmlns:a16="http://schemas.microsoft.com/office/drawing/2014/main" id="{134EA9B7-12F6-594F-969B-3658860386D1}"/>
-              </a:ext>
-            </a:extLst>
-          </p:cNvPr>
-          <p:cNvSpPr txBox="1"/>
-          <p:nvPr/>
-        </p:nvSpPr>
-        <p:spPr>
-          <a:xfrm flipH="1">
-            <a:off x="4098901" y="1104745"/>
-            <a:ext cx="988835" cy="369332"/>
-          </a:xfrm>
-          <a:prstGeom prst="rect">
-            <a:avLst/>
-          </a:prstGeom>
-          <a:noFill/>
-        </p:spPr>
-        <p:txBody>
-          <a:bodyPr wrap="square" rtlCol="0">
-            <a:spAutoFit/>
-          </a:bodyPr>
-          <a:lstStyle/>
-          <a:p>
-            <a:r>
-              <a:rPr kumimoji="1" lang="en-US" altLang="zh-CN" dirty="0"/>
-              <a:t>P</a:t>
-            </a:r>
-            <a:r>
-              <a:rPr kumimoji="1" lang="en-US" altLang="zh-CN" baseline="-25000" dirty="0"/>
-              <a:t>1</a:t>
-            </a:r>
-            <a:r>
-              <a:rPr kumimoji="1" lang="en-US" altLang="zh-CN" dirty="0"/>
-              <a:t>(x</a:t>
-            </a:r>
-            <a:r>
-              <a:rPr kumimoji="1" lang="en-US" altLang="zh-CN" baseline="-25000" dirty="0"/>
-              <a:t>1</a:t>
-            </a:r>
-            <a:r>
-              <a:rPr kumimoji="1" lang="en-US" altLang="zh-CN" dirty="0"/>
-              <a:t>,</a:t>
-            </a:r>
-            <a:r>
-              <a:rPr kumimoji="1" lang="zh-CN" altLang="en-US" dirty="0"/>
-              <a:t> </a:t>
-            </a:r>
-            <a:r>
-              <a:rPr kumimoji="1" lang="en-US" altLang="zh-CN" dirty="0"/>
-              <a:t>y</a:t>
-            </a:r>
-            <a:r>
-              <a:rPr kumimoji="1" lang="en-US" altLang="zh-CN" baseline="-25000" dirty="0"/>
-              <a:t>1</a:t>
-            </a:r>
-            <a:r>
-              <a:rPr kumimoji="1" lang="en-US" altLang="zh-CN" dirty="0"/>
-              <a:t>)</a:t>
-            </a:r>
-            <a:endParaRPr kumimoji="1" lang="zh-CN" altLang="en-US" dirty="0"/>
-          </a:p>
-        </p:txBody>
-      </p:sp>
-      <p:sp>
-        <p:nvSpPr>
-          <p:cNvPr id="32" name="文本框 31">
-            <a:extLst>
-              <a:ext uri="{FF2B5EF4-FFF2-40B4-BE49-F238E27FC236}">
-                <a16:creationId xmlns:a16="http://schemas.microsoft.com/office/drawing/2014/main" id="{D8FFF9C6-AA1E-9149-95A6-1A989A7458E0}"/>
-              </a:ext>
-            </a:extLst>
-          </p:cNvPr>
-          <p:cNvSpPr txBox="1"/>
-          <p:nvPr/>
-        </p:nvSpPr>
-        <p:spPr>
-          <a:xfrm flipH="1">
-            <a:off x="3066235" y="735413"/>
-            <a:ext cx="951219" cy="369332"/>
-          </a:xfrm>
-          <a:prstGeom prst="rect">
-            <a:avLst/>
-          </a:prstGeom>
-          <a:noFill/>
-        </p:spPr>
-        <p:txBody>
-          <a:bodyPr wrap="square" rtlCol="0">
-            <a:spAutoFit/>
-          </a:bodyPr>
-          <a:lstStyle/>
-          <a:p>
-            <a:r>
-              <a:rPr kumimoji="1" lang="en-US" altLang="zh-CN" dirty="0"/>
-              <a:t>P</a:t>
-            </a:r>
-            <a:r>
-              <a:rPr kumimoji="1" lang="en-US" altLang="zh-CN" baseline="-25000" dirty="0"/>
-              <a:t>2</a:t>
-            </a:r>
-            <a:r>
-              <a:rPr kumimoji="1" lang="en-US" altLang="zh-CN" dirty="0"/>
-              <a:t>(x</a:t>
-            </a:r>
-            <a:r>
-              <a:rPr kumimoji="1" lang="en-US" altLang="zh-CN" baseline="-25000" dirty="0"/>
-              <a:t>2</a:t>
-            </a:r>
-            <a:r>
-              <a:rPr kumimoji="1" lang="en-US" altLang="zh-CN" dirty="0"/>
-              <a:t>,</a:t>
-            </a:r>
-            <a:r>
-              <a:rPr kumimoji="1" lang="zh-CN" altLang="en-US" dirty="0"/>
-              <a:t> </a:t>
-            </a:r>
-            <a:r>
-              <a:rPr kumimoji="1" lang="en-US" altLang="zh-CN" dirty="0"/>
-              <a:t>y</a:t>
-            </a:r>
-            <a:r>
-              <a:rPr kumimoji="1" lang="en-US" altLang="zh-CN" baseline="-25000" dirty="0"/>
-              <a:t>2</a:t>
-            </a:r>
-            <a:r>
-              <a:rPr kumimoji="1" lang="en-US" altLang="zh-CN" dirty="0"/>
-              <a:t>)</a:t>
-            </a:r>
-            <a:endParaRPr kumimoji="1" lang="zh-CN" altLang="en-US" dirty="0"/>
-          </a:p>
-        </p:txBody>
-      </p:sp>
-      <p:sp>
-        <p:nvSpPr>
-          <p:cNvPr id="39" name="文本框 38">
-            <a:extLst>
-              <a:ext uri="{FF2B5EF4-FFF2-40B4-BE49-F238E27FC236}">
-                <a16:creationId xmlns:a16="http://schemas.microsoft.com/office/drawing/2014/main" id="{025713BA-D6E0-6A45-82CC-520A9C2FFEAD}"/>
-              </a:ext>
-            </a:extLst>
-          </p:cNvPr>
-          <p:cNvSpPr txBox="1"/>
-          <p:nvPr/>
-        </p:nvSpPr>
-        <p:spPr>
-          <a:xfrm>
-            <a:off x="3066235" y="3318641"/>
-            <a:ext cx="1787669" cy="646331"/>
-          </a:xfrm>
-          <a:prstGeom prst="rect">
-            <a:avLst/>
-          </a:prstGeom>
-          <a:noFill/>
-        </p:spPr>
-        <p:txBody>
-          <a:bodyPr wrap="none" rtlCol="0">
-            <a:spAutoFit/>
-          </a:bodyPr>
-          <a:lstStyle/>
-          <a:p>
-            <a:r>
-              <a:rPr kumimoji="1" lang="en-US" altLang="zh-CN" dirty="0"/>
-              <a:t>x</a:t>
-            </a:r>
-            <a:r>
-              <a:rPr kumimoji="1" lang="en-US" altLang="zh-CN" baseline="-25000" dirty="0"/>
-              <a:t>1</a:t>
-            </a:r>
-            <a:r>
-              <a:rPr kumimoji="1" lang="zh-CN" altLang="en-US" dirty="0"/>
-              <a:t>*</a:t>
-            </a:r>
-            <a:r>
-              <a:rPr kumimoji="1" lang="en-US" altLang="zh-CN" dirty="0"/>
-              <a:t>y</a:t>
-            </a:r>
-            <a:r>
-              <a:rPr kumimoji="1" lang="en-US" altLang="zh-CN" baseline="-25000" dirty="0"/>
-              <a:t>2</a:t>
-            </a:r>
-            <a:r>
-              <a:rPr kumimoji="1" lang="en-US" altLang="zh-CN" dirty="0"/>
-              <a:t>-x</a:t>
-            </a:r>
-            <a:r>
-              <a:rPr kumimoji="1" lang="en-US" altLang="zh-CN" baseline="-25000" dirty="0"/>
-              <a:t>2</a:t>
-            </a:r>
-            <a:r>
-              <a:rPr kumimoji="1" lang="zh-CN" altLang="en-US" dirty="0"/>
-              <a:t>*</a:t>
-            </a:r>
-            <a:r>
-              <a:rPr kumimoji="1" lang="en-US" altLang="zh-CN" dirty="0"/>
-              <a:t>y1</a:t>
-            </a:r>
-            <a:r>
-              <a:rPr kumimoji="1" lang="zh-CN" altLang="en-US" dirty="0"/>
-              <a:t> </a:t>
-            </a:r>
-            <a:r>
-              <a:rPr kumimoji="1" lang="en-US" altLang="zh-CN" dirty="0"/>
-              <a:t>=</a:t>
-            </a:r>
-            <a:r>
-              <a:rPr kumimoji="1" lang="zh-CN" altLang="en-US" dirty="0"/>
-              <a:t> </a:t>
-            </a:r>
-            <a:r>
-              <a:rPr kumimoji="1" lang="en-US" altLang="zh-CN" dirty="0"/>
-              <a:t>0,</a:t>
-            </a:r>
-            <a:r>
-              <a:rPr kumimoji="1" lang="zh-CN" altLang="en-US" dirty="0"/>
-              <a:t> </a:t>
-            </a:r>
-            <a:endParaRPr kumimoji="1" lang="en-US" altLang="zh-CN" dirty="0"/>
-          </a:p>
-          <a:p>
-            <a:r>
-              <a:rPr kumimoji="1" lang="zh-CN" altLang="en-US" dirty="0"/>
-              <a:t>共线</a:t>
-            </a:r>
-          </a:p>
-        </p:txBody>
-      </p:sp>
-      <p:cxnSp>
-        <p:nvCxnSpPr>
-          <p:cNvPr id="41" name="直线连接符 40">
-            <a:extLst>
-              <a:ext uri="{FF2B5EF4-FFF2-40B4-BE49-F238E27FC236}">
-                <a16:creationId xmlns:a16="http://schemas.microsoft.com/office/drawing/2014/main" id="{91674242-8B0D-7F48-848C-B0FD0499E72D}"/>
-              </a:ext>
-            </a:extLst>
-          </p:cNvPr>
-          <p:cNvCxnSpPr>
-            <a:cxnSpLocks/>
-          </p:cNvCxnSpPr>
-          <p:nvPr/>
-        </p:nvCxnSpPr>
-        <p:spPr>
-          <a:xfrm>
-            <a:off x="2938416" y="396688"/>
-            <a:ext cx="49579" cy="4406462"/>
-          </a:xfrm>
-          <a:prstGeom prst="line">
-            <a:avLst/>
-          </a:prstGeom>
-          <a:ln w="12700">
-            <a:prstDash val="dash"/>
-          </a:ln>
-        </p:spPr>
-        <p:style>
-          <a:lnRef idx="1">
-            <a:schemeClr val="accent1"/>
-          </a:lnRef>
-          <a:fillRef idx="0">
-            <a:schemeClr val="accent1"/>
-          </a:fillRef>
-          <a:effectRef idx="0">
-            <a:schemeClr val="accent1"/>
-          </a:effectRef>
-          <a:fontRef idx="minor">
-            <a:schemeClr val="tx1"/>
-          </a:fontRef>
-        </p:style>
-      </p:cxnSp>
-      <p:cxnSp>
-        <p:nvCxnSpPr>
-          <p:cNvPr id="43" name="直线连接符 42">
-            <a:extLst>
-              <a:ext uri="{FF2B5EF4-FFF2-40B4-BE49-F238E27FC236}">
-                <a16:creationId xmlns:a16="http://schemas.microsoft.com/office/drawing/2014/main" id="{61155E28-DEA7-AA40-946E-165AD66E750C}"/>
-              </a:ext>
-            </a:extLst>
-          </p:cNvPr>
-          <p:cNvCxnSpPr>
-            <a:cxnSpLocks/>
-          </p:cNvCxnSpPr>
-          <p:nvPr/>
-        </p:nvCxnSpPr>
-        <p:spPr>
-          <a:xfrm>
-            <a:off x="5140029" y="396688"/>
-            <a:ext cx="49579" cy="4406462"/>
-          </a:xfrm>
-          <a:prstGeom prst="line">
-            <a:avLst/>
-          </a:prstGeom>
-          <a:ln w="12700">
-            <a:prstDash val="dash"/>
-          </a:ln>
-        </p:spPr>
-        <p:style>
-          <a:lnRef idx="1">
-            <a:schemeClr val="accent1"/>
-          </a:lnRef>
-          <a:fillRef idx="0">
-            <a:schemeClr val="accent1"/>
-          </a:fillRef>
-          <a:effectRef idx="0">
-            <a:schemeClr val="accent1"/>
-          </a:effectRef>
-          <a:fontRef idx="minor">
-            <a:schemeClr val="tx1"/>
-          </a:fontRef>
-        </p:style>
-      </p:cxnSp>
-    </p:spTree>
-    <p:extLst>
-      <p:ext uri="{BB962C8B-B14F-4D97-AF65-F5344CB8AC3E}">
-        <p14:creationId xmlns:p14="http://schemas.microsoft.com/office/powerpoint/2010/main" val="331498233"/>
-      </p:ext>
-    </p:extLst>
-  </p:cSld>
-  <p:clrMapOvr>
-    <a:masterClrMapping/>
-  </p:clrMapOvr>
-</p:sld>
-</file>
-
-<file path=ppt/slides/slide5.xml><?xml version="1.0" encoding="utf-8"?>
-<p:sld xmlns:a="http://schemas.openxmlformats.org/drawingml/2006/main" xmlns:r="http://schemas.openxmlformats.org/officeDocument/2006/relationships" xmlns:p="http://schemas.openxmlformats.org/presentationml/2006/main">
-  <p:cSld>
-    <p:spTree>
-      <p:nvGrpSpPr>
-        <p:cNvPr id="1" name=""/>
-        <p:cNvGrpSpPr/>
-        <p:nvPr/>
-      </p:nvGrpSpPr>
-      <p:grpSpPr>
-        <a:xfrm>
-          <a:off x="0" y="0"/>
-          <a:ext cx="0" cy="0"/>
-          <a:chOff x="0" y="0"/>
-          <a:chExt cx="0" cy="0"/>
-        </a:xfrm>
-      </p:grpSpPr>
-      <p:cxnSp>
-        <p:nvCxnSpPr>
-          <p:cNvPr id="3" name="直线连接符 2">
-            <a:extLst>
-              <a:ext uri="{FF2B5EF4-FFF2-40B4-BE49-F238E27FC236}">
-                <a16:creationId xmlns:a16="http://schemas.microsoft.com/office/drawing/2014/main" id="{B242B0C2-274B-3A4D-860F-A95CB5EF4EFF}"/>
-              </a:ext>
-            </a:extLst>
-          </p:cNvPr>
-          <p:cNvCxnSpPr/>
-          <p:nvPr/>
-        </p:nvCxnSpPr>
-        <p:spPr>
-          <a:xfrm flipV="1">
-            <a:off x="2672256" y="2554013"/>
-            <a:ext cx="2065282" cy="1324303"/>
-          </a:xfrm>
-          <a:prstGeom prst="line">
-            <a:avLst/>
-          </a:prstGeom>
-          <a:ln w="25400"/>
-        </p:spPr>
-        <p:style>
-          <a:lnRef idx="1">
-            <a:schemeClr val="accent1"/>
-          </a:lnRef>
-          <a:fillRef idx="0">
-            <a:schemeClr val="accent1"/>
-          </a:fillRef>
-          <a:effectRef idx="0">
-            <a:schemeClr val="accent1"/>
-          </a:effectRef>
-          <a:fontRef idx="minor">
-            <a:schemeClr val="tx1"/>
-          </a:fontRef>
-        </p:style>
-      </p:cxnSp>
-      <p:cxnSp>
-        <p:nvCxnSpPr>
-          <p:cNvPr id="9" name="直线连接符 8">
-            <a:extLst>
-              <a:ext uri="{FF2B5EF4-FFF2-40B4-BE49-F238E27FC236}">
-                <a16:creationId xmlns:a16="http://schemas.microsoft.com/office/drawing/2014/main" id="{FD840ECB-CB08-2941-816A-7F4F3D5F3D8B}"/>
-              </a:ext>
-            </a:extLst>
-          </p:cNvPr>
-          <p:cNvCxnSpPr>
-            <a:cxnSpLocks/>
-          </p:cNvCxnSpPr>
-          <p:nvPr/>
-        </p:nvCxnSpPr>
-        <p:spPr>
-          <a:xfrm>
-            <a:off x="2932386" y="2222938"/>
-            <a:ext cx="1608083" cy="1958865"/>
-          </a:xfrm>
-          <a:prstGeom prst="line">
-            <a:avLst/>
-          </a:prstGeom>
-          <a:ln w="25400"/>
-        </p:spPr>
-        <p:style>
-          <a:lnRef idx="1">
-            <a:schemeClr val="accent2"/>
-          </a:lnRef>
-          <a:fillRef idx="0">
-            <a:schemeClr val="accent2"/>
-          </a:fillRef>
-          <a:effectRef idx="0">
-            <a:schemeClr val="accent2"/>
-          </a:effectRef>
-          <a:fontRef idx="minor">
-            <a:schemeClr val="tx1"/>
-          </a:fontRef>
-        </p:style>
-      </p:cxnSp>
-      <p:cxnSp>
-        <p:nvCxnSpPr>
-          <p:cNvPr id="11" name="直线箭头连接符 10">
-            <a:extLst>
-              <a:ext uri="{FF2B5EF4-FFF2-40B4-BE49-F238E27FC236}">
-                <a16:creationId xmlns:a16="http://schemas.microsoft.com/office/drawing/2014/main" id="{EE92F563-A731-1743-AFBA-D00B7AA4F08A}"/>
-              </a:ext>
-            </a:extLst>
-          </p:cNvPr>
-          <p:cNvCxnSpPr/>
-          <p:nvPr/>
-        </p:nvCxnSpPr>
-        <p:spPr>
-          <a:xfrm flipV="1">
-            <a:off x="4540469" y="2554013"/>
-            <a:ext cx="197069" cy="1627790"/>
-          </a:xfrm>
-          <a:prstGeom prst="straightConnector1">
-            <a:avLst/>
-          </a:prstGeom>
-          <a:ln>
-            <a:solidFill>
-              <a:srgbClr val="FF0000"/>
-            </a:solidFill>
-            <a:tailEnd type="triangle"/>
-          </a:ln>
-        </p:spPr>
-        <p:style>
-          <a:lnRef idx="1">
-            <a:schemeClr val="accent1"/>
-          </a:lnRef>
-          <a:fillRef idx="0">
-            <a:schemeClr val="accent1"/>
-          </a:fillRef>
-          <a:effectRef idx="0">
-            <a:schemeClr val="accent1"/>
-          </a:effectRef>
-          <a:fontRef idx="minor">
-            <a:schemeClr val="tx1"/>
-          </a:fontRef>
-        </p:style>
-      </p:cxnSp>
-      <p:sp>
-        <p:nvSpPr>
-          <p:cNvPr id="5" name="文本框 4">
-            <a:extLst>
-              <a:ext uri="{FF2B5EF4-FFF2-40B4-BE49-F238E27FC236}">
-                <a16:creationId xmlns:a16="http://schemas.microsoft.com/office/drawing/2014/main" id="{8916FA93-954F-BD4C-A48D-1026514C2121}"/>
-              </a:ext>
-            </a:extLst>
-          </p:cNvPr>
-          <p:cNvSpPr txBox="1"/>
-          <p:nvPr/>
-        </p:nvSpPr>
-        <p:spPr>
-          <a:xfrm>
-            <a:off x="2569779" y="1891862"/>
-            <a:ext cx="433132" cy="369332"/>
-          </a:xfrm>
-          <a:prstGeom prst="rect">
-            <a:avLst/>
-          </a:prstGeom>
-          <a:noFill/>
-        </p:spPr>
-        <p:txBody>
-          <a:bodyPr wrap="none" rtlCol="0">
-            <a:spAutoFit/>
-          </a:bodyPr>
-          <a:lstStyle/>
-          <a:p>
-            <a:r>
-              <a:rPr kumimoji="1" lang="en-US" altLang="zh-CN" dirty="0"/>
-              <a:t>P1</a:t>
-            </a:r>
-            <a:endParaRPr kumimoji="1" lang="zh-CN" altLang="en-US" dirty="0"/>
-          </a:p>
-        </p:txBody>
-      </p:sp>
-      <p:sp>
-        <p:nvSpPr>
-          <p:cNvPr id="8" name="文本框 7">
-            <a:extLst>
-              <a:ext uri="{FF2B5EF4-FFF2-40B4-BE49-F238E27FC236}">
-                <a16:creationId xmlns:a16="http://schemas.microsoft.com/office/drawing/2014/main" id="{B1EBD6CF-4FFE-E14F-8877-7640C05491ED}"/>
-              </a:ext>
-            </a:extLst>
-          </p:cNvPr>
-          <p:cNvSpPr txBox="1"/>
-          <p:nvPr/>
-        </p:nvSpPr>
-        <p:spPr>
-          <a:xfrm>
-            <a:off x="4508518" y="2184681"/>
-            <a:ext cx="433132" cy="369332"/>
-          </a:xfrm>
-          <a:prstGeom prst="rect">
-            <a:avLst/>
-          </a:prstGeom>
-          <a:noFill/>
-        </p:spPr>
-        <p:txBody>
-          <a:bodyPr wrap="none" rtlCol="0">
-            <a:spAutoFit/>
-          </a:bodyPr>
-          <a:lstStyle/>
-          <a:p>
-            <a:r>
-              <a:rPr kumimoji="1" lang="en-US" altLang="zh-CN" dirty="0"/>
-              <a:t>P2</a:t>
-            </a:r>
-            <a:endParaRPr kumimoji="1" lang="zh-CN" altLang="en-US" dirty="0"/>
-          </a:p>
-        </p:txBody>
-      </p:sp>
-      <p:sp>
-        <p:nvSpPr>
-          <p:cNvPr id="10" name="文本框 9">
-            <a:extLst>
-              <a:ext uri="{FF2B5EF4-FFF2-40B4-BE49-F238E27FC236}">
-                <a16:creationId xmlns:a16="http://schemas.microsoft.com/office/drawing/2014/main" id="{5C694867-A7DD-DD44-BA14-E55E8437C167}"/>
-              </a:ext>
-            </a:extLst>
-          </p:cNvPr>
-          <p:cNvSpPr txBox="1"/>
-          <p:nvPr/>
-        </p:nvSpPr>
-        <p:spPr>
-          <a:xfrm>
-            <a:off x="4422437" y="4129174"/>
-            <a:ext cx="433132" cy="369332"/>
-          </a:xfrm>
-          <a:prstGeom prst="rect">
-            <a:avLst/>
-          </a:prstGeom>
-          <a:noFill/>
-        </p:spPr>
-        <p:txBody>
-          <a:bodyPr wrap="none" rtlCol="0">
-            <a:spAutoFit/>
-          </a:bodyPr>
-          <a:lstStyle/>
-          <a:p>
-            <a:r>
-              <a:rPr kumimoji="1" lang="en-US" altLang="zh-CN" dirty="0"/>
-              <a:t>P3</a:t>
-            </a:r>
-            <a:endParaRPr kumimoji="1" lang="zh-CN" altLang="en-US" dirty="0"/>
-          </a:p>
-        </p:txBody>
-      </p:sp>
-      <p:sp>
-        <p:nvSpPr>
-          <p:cNvPr id="12" name="文本框 11">
-            <a:extLst>
-              <a:ext uri="{FF2B5EF4-FFF2-40B4-BE49-F238E27FC236}">
-                <a16:creationId xmlns:a16="http://schemas.microsoft.com/office/drawing/2014/main" id="{28F8F59E-0B2D-A94A-A85B-AFA6FE8A5BFE}"/>
-              </a:ext>
-            </a:extLst>
-          </p:cNvPr>
-          <p:cNvSpPr txBox="1"/>
-          <p:nvPr/>
-        </p:nvSpPr>
-        <p:spPr>
-          <a:xfrm>
-            <a:off x="2270653" y="3878316"/>
-            <a:ext cx="433132" cy="369332"/>
-          </a:xfrm>
-          <a:prstGeom prst="rect">
-            <a:avLst/>
-          </a:prstGeom>
-          <a:noFill/>
-        </p:spPr>
-        <p:txBody>
-          <a:bodyPr wrap="none" rtlCol="0">
-            <a:spAutoFit/>
-          </a:bodyPr>
-          <a:lstStyle/>
-          <a:p>
-            <a:r>
-              <a:rPr kumimoji="1" lang="en-US" altLang="zh-CN" dirty="0"/>
-              <a:t>P4</a:t>
-            </a:r>
-            <a:endParaRPr kumimoji="1" lang="zh-CN" altLang="en-US" dirty="0"/>
-          </a:p>
-        </p:txBody>
-      </p:sp>
-      <p:cxnSp>
-        <p:nvCxnSpPr>
-          <p:cNvPr id="13" name="直线箭头连接符 12">
-            <a:extLst>
-              <a:ext uri="{FF2B5EF4-FFF2-40B4-BE49-F238E27FC236}">
-                <a16:creationId xmlns:a16="http://schemas.microsoft.com/office/drawing/2014/main" id="{45AA3770-B2CB-5F4A-988F-A494041E72AB}"/>
-              </a:ext>
-            </a:extLst>
-          </p:cNvPr>
-          <p:cNvCxnSpPr>
-            <a:cxnSpLocks/>
-          </p:cNvCxnSpPr>
-          <p:nvPr/>
-        </p:nvCxnSpPr>
-        <p:spPr>
-          <a:xfrm flipH="1" flipV="1">
-            <a:off x="2672256" y="3878316"/>
-            <a:ext cx="1868214" cy="303488"/>
-          </a:xfrm>
-          <a:prstGeom prst="straightConnector1">
-            <a:avLst/>
-          </a:prstGeom>
-          <a:ln>
-            <a:solidFill>
-              <a:srgbClr val="FF0000"/>
-            </a:solidFill>
-            <a:tailEnd type="triangle"/>
-          </a:ln>
-        </p:spPr>
-        <p:style>
-          <a:lnRef idx="1">
-            <a:schemeClr val="accent1"/>
-          </a:lnRef>
-          <a:fillRef idx="0">
-            <a:schemeClr val="accent1"/>
-          </a:fillRef>
-          <a:effectRef idx="0">
-            <a:schemeClr val="accent1"/>
-          </a:effectRef>
-          <a:fontRef idx="minor">
-            <a:schemeClr val="tx1"/>
-          </a:fontRef>
-        </p:style>
-      </p:cxnSp>
-    </p:spTree>
-    <p:extLst>
-      <p:ext uri="{BB962C8B-B14F-4D97-AF65-F5344CB8AC3E}">
-        <p14:creationId xmlns:p14="http://schemas.microsoft.com/office/powerpoint/2010/main" val="3280534050"/>
-      </p:ext>
-    </p:extLst>
-  </p:cSld>
-  <p:clrMapOvr>
-    <a:masterClrMapping/>
-  </p:clrMapOvr>
-</p:sld>
-</file>
-
-<file path=ppt/slides/slide6.xml><?xml version="1.0" encoding="utf-8"?>
+<file path=ppt/slides/slide3.xml><?xml version="1.0" encoding="utf-8"?>
 <p:sld xmlns:a="http://schemas.openxmlformats.org/drawingml/2006/main" xmlns:r="http://schemas.openxmlformats.org/officeDocument/2006/relationships" xmlns:p="http://schemas.openxmlformats.org/presentationml/2006/main">
   <p:cSld>
     <p:spTree>
@@ -5723,7 +5119,7 @@
           <p:cNvPr id="4" name="任意形状 3">
             <a:extLst>
               <a:ext uri="{FF2B5EF4-FFF2-40B4-BE49-F238E27FC236}">
-                <a16:creationId xmlns:a16="http://schemas.microsoft.com/office/drawing/2014/main" id="{9F2A5638-4F17-0B41-9B56-893DA6D37B2D}"/>
+                <a16:creationId xmlns:a16="http://schemas.microsoft.com/office/drawing/2014/main" id="{FE9DE17F-022A-C640-969A-03F549648120}"/>
               </a:ext>
             </a:extLst>
           </p:cNvPr>
@@ -5731,9 +5127,9 @@
           <p:nvPr/>
         </p:nvSpPr>
         <p:spPr>
-          <a:xfrm rot="19412349">
-            <a:off x="2212978" y="1623454"/>
-            <a:ext cx="2476500" cy="1931670"/>
+          <a:xfrm rot="7945484">
+            <a:off x="1059540" y="737082"/>
+            <a:ext cx="3235983" cy="2810645"/>
           </a:xfrm>
           <a:custGeom>
             <a:avLst/>
@@ -5843,27 +5239,29 @@
       </p:sp>
       <p:cxnSp>
         <p:nvCxnSpPr>
-          <p:cNvPr id="6" name="直线连接符 5">
-            <a:extLst>
-              <a:ext uri="{FF2B5EF4-FFF2-40B4-BE49-F238E27FC236}">
-                <a16:creationId xmlns:a16="http://schemas.microsoft.com/office/drawing/2014/main" id="{9FE4A4AB-7C4F-1049-87FF-B83248D64161}"/>
-              </a:ext>
-            </a:extLst>
-          </p:cNvPr>
-          <p:cNvCxnSpPr>
-            <a:cxnSpLocks/>
-          </p:cNvCxnSpPr>
+          <p:cNvPr id="3" name="直线连接符 2">
+            <a:extLst>
+              <a:ext uri="{FF2B5EF4-FFF2-40B4-BE49-F238E27FC236}">
+                <a16:creationId xmlns:a16="http://schemas.microsoft.com/office/drawing/2014/main" id="{5291C4FB-B030-0C44-A93C-25015778CACC}"/>
+              </a:ext>
+            </a:extLst>
+          </p:cNvPr>
+          <p:cNvCxnSpPr/>
           <p:nvPr/>
         </p:nvCxnSpPr>
         <p:spPr>
-          <a:xfrm flipV="1">
-            <a:off x="2073165" y="2159876"/>
-            <a:ext cx="3168869" cy="1"/>
+          <a:xfrm>
+            <a:off x="729414" y="3357511"/>
+            <a:ext cx="4056993" cy="0"/>
           </a:xfrm>
           <a:prstGeom prst="line">
             <a:avLst/>
           </a:prstGeom>
-          <a:ln w="12700"/>
+          <a:ln w="19050">
+            <a:solidFill>
+              <a:srgbClr val="FF0000"/>
+            </a:solidFill>
+          </a:ln>
         </p:spPr>
         <p:style>
           <a:lnRef idx="1">
@@ -5882,69 +5280,20 @@
       </p:cxnSp>
       <p:sp>
         <p:nvSpPr>
-          <p:cNvPr id="8" name="椭圆 7">
-            <a:extLst>
-              <a:ext uri="{FF2B5EF4-FFF2-40B4-BE49-F238E27FC236}">
-                <a16:creationId xmlns:a16="http://schemas.microsoft.com/office/drawing/2014/main" id="{0F63C736-6D6B-A446-AF2F-6D95044F444B}"/>
-              </a:ext>
-            </a:extLst>
-          </p:cNvPr>
-          <p:cNvSpPr/>
+          <p:cNvPr id="2" name="文本框 1">
+            <a:extLst>
+              <a:ext uri="{FF2B5EF4-FFF2-40B4-BE49-F238E27FC236}">
+                <a16:creationId xmlns:a16="http://schemas.microsoft.com/office/drawing/2014/main" id="{A5D577E6-B7D7-7F42-8451-C4453F561DC6}"/>
+              </a:ext>
+            </a:extLst>
+          </p:cNvPr>
+          <p:cNvSpPr txBox="1"/>
           <p:nvPr/>
         </p:nvSpPr>
         <p:spPr>
           <a:xfrm>
-            <a:off x="1994338" y="2112580"/>
-            <a:ext cx="86710" cy="86710"/>
-          </a:xfrm>
-          <a:prstGeom prst="ellipse">
-            <a:avLst/>
-          </a:prstGeom>
-          <a:solidFill>
-            <a:srgbClr val="FF0000"/>
-          </a:solidFill>
-        </p:spPr>
-        <p:style>
-          <a:lnRef idx="2">
-            <a:schemeClr val="accent1">
-              <a:shade val="50000"/>
-            </a:schemeClr>
-          </a:lnRef>
-          <a:fillRef idx="1">
-            <a:schemeClr val="accent1"/>
-          </a:fillRef>
-          <a:effectRef idx="0">
-            <a:schemeClr val="accent1"/>
-          </a:effectRef>
-          <a:fontRef idx="minor">
-            <a:schemeClr val="lt1"/>
-          </a:fontRef>
-        </p:style>
-        <p:txBody>
-          <a:bodyPr rtlCol="0" anchor="ctr"/>
-          <a:lstStyle/>
-          <a:p>
-            <a:pPr algn="ctr"/>
-            <a:endParaRPr kumimoji="1" lang="zh-CN" altLang="en-US"/>
-          </a:p>
-        </p:txBody>
-      </p:sp>
-      <p:sp>
-        <p:nvSpPr>
-          <p:cNvPr id="10" name="文本框 9">
-            <a:extLst>
-              <a:ext uri="{FF2B5EF4-FFF2-40B4-BE49-F238E27FC236}">
-                <a16:creationId xmlns:a16="http://schemas.microsoft.com/office/drawing/2014/main" id="{DD998243-1ED1-B049-91FF-72638FFFED52}"/>
-              </a:ext>
-            </a:extLst>
-          </p:cNvPr>
-          <p:cNvSpPr txBox="1"/>
-          <p:nvPr/>
-        </p:nvSpPr>
-        <p:spPr>
-          <a:xfrm>
-            <a:off x="5391806" y="1971269"/>
-            <a:ext cx="877163" cy="369332"/>
+            <a:off x="146938" y="3181553"/>
+            <a:ext cx="292068" cy="369332"/>
           </a:xfrm>
           <a:prstGeom prst="rect">
             <a:avLst/>
@@ -5958,106 +5307,19 @@
           <a:lstStyle/>
           <a:p>
             <a:r>
-              <a:rPr kumimoji="1" lang="zh-CN" altLang="en-US" dirty="0"/>
-              <a:t>偶数个</a:t>
+              <a:rPr kumimoji="1" lang="en-US" altLang="zh-CN" dirty="0"/>
+              <a:t>y</a:t>
             </a:r>
-          </a:p>
-        </p:txBody>
-      </p:sp>
-      <p:cxnSp>
-        <p:nvCxnSpPr>
-          <p:cNvPr id="11" name="直线连接符 10">
-            <a:extLst>
-              <a:ext uri="{FF2B5EF4-FFF2-40B4-BE49-F238E27FC236}">
-                <a16:creationId xmlns:a16="http://schemas.microsoft.com/office/drawing/2014/main" id="{82F30934-A9C8-1140-A5E6-A0755A849B68}"/>
-              </a:ext>
-            </a:extLst>
-          </p:cNvPr>
-          <p:cNvCxnSpPr>
-            <a:cxnSpLocks/>
-          </p:cNvCxnSpPr>
-          <p:nvPr/>
-        </p:nvCxnSpPr>
-        <p:spPr>
-          <a:xfrm flipV="1">
-            <a:off x="3052046" y="1979151"/>
-            <a:ext cx="3168869" cy="1"/>
-          </a:xfrm>
-          <a:prstGeom prst="line">
-            <a:avLst/>
-          </a:prstGeom>
-          <a:ln w="12700"/>
-        </p:spPr>
-        <p:style>
-          <a:lnRef idx="1">
-            <a:schemeClr val="accent1"/>
-          </a:lnRef>
-          <a:fillRef idx="0">
-            <a:schemeClr val="accent1"/>
-          </a:fillRef>
-          <a:effectRef idx="0">
-            <a:schemeClr val="accent1"/>
-          </a:effectRef>
-          <a:fontRef idx="minor">
-            <a:schemeClr val="tx1"/>
-          </a:fontRef>
-        </p:style>
-      </p:cxnSp>
-      <p:sp>
-        <p:nvSpPr>
-          <p:cNvPr id="12" name="椭圆 11">
-            <a:extLst>
-              <a:ext uri="{FF2B5EF4-FFF2-40B4-BE49-F238E27FC236}">
-                <a16:creationId xmlns:a16="http://schemas.microsoft.com/office/drawing/2014/main" id="{4E847EEC-33D6-4A48-B6B2-95FFC20E283B}"/>
-              </a:ext>
-            </a:extLst>
-          </p:cNvPr>
-          <p:cNvSpPr/>
-          <p:nvPr/>
-        </p:nvSpPr>
-        <p:spPr>
-          <a:xfrm>
-            <a:off x="2973219" y="1931855"/>
-            <a:ext cx="86710" cy="86710"/>
-          </a:xfrm>
-          <a:prstGeom prst="ellipse">
-            <a:avLst/>
-          </a:prstGeom>
-          <a:solidFill>
-            <a:srgbClr val="FF0000"/>
-          </a:solidFill>
-        </p:spPr>
-        <p:style>
-          <a:lnRef idx="2">
-            <a:schemeClr val="accent1">
-              <a:shade val="50000"/>
-            </a:schemeClr>
-          </a:lnRef>
-          <a:fillRef idx="1">
-            <a:schemeClr val="accent1"/>
-          </a:fillRef>
-          <a:effectRef idx="0">
-            <a:schemeClr val="accent1"/>
-          </a:effectRef>
-          <a:fontRef idx="minor">
-            <a:schemeClr val="lt1"/>
-          </a:fontRef>
-        </p:style>
-        <p:txBody>
-          <a:bodyPr rtlCol="0" anchor="ctr"/>
-          <a:lstStyle/>
-          <a:p>
-            <a:pPr algn="ctr"/>
-            <a:endParaRPr kumimoji="1" lang="zh-CN" altLang="en-US"/>
+            <a:endParaRPr kumimoji="1" lang="zh-CN" altLang="en-US" dirty="0"/>
           </a:p>
         </p:txBody>
       </p:sp>
       <p:sp>
         <p:nvSpPr>
-          <p:cNvPr id="13" name="文本框 12">
-            <a:extLst>
-              <a:ext uri="{FF2B5EF4-FFF2-40B4-BE49-F238E27FC236}">
-                <a16:creationId xmlns:a16="http://schemas.microsoft.com/office/drawing/2014/main" id="{69A96D4B-A16E-B34F-A0CC-FDC15E30F386}"/>
+          <p:cNvPr id="5" name="文本框 4">
+            <a:extLst>
+              <a:ext uri="{FF2B5EF4-FFF2-40B4-BE49-F238E27FC236}">
+                <a16:creationId xmlns:a16="http://schemas.microsoft.com/office/drawing/2014/main" id="{40BD0F03-81ED-CB4B-947D-136046C37F81}"/>
               </a:ext>
             </a:extLst>
           </p:cNvPr>
@@ -6066,8 +5328,8 @@
         </p:nvSpPr>
         <p:spPr>
           <a:xfrm>
-            <a:off x="6220915" y="1794485"/>
-            <a:ext cx="877163" cy="369332"/>
+            <a:off x="2390503" y="3683727"/>
+            <a:ext cx="367408" cy="369332"/>
           </a:xfrm>
           <a:prstGeom prst="rect">
             <a:avLst/>
@@ -6081,35 +5343,86 @@
           <a:lstStyle/>
           <a:p>
             <a:r>
-              <a:rPr kumimoji="1" lang="zh-CN" altLang="en-US" dirty="0"/>
-              <a:t>奇数个</a:t>
+              <a:rPr kumimoji="1" lang="en-US" altLang="zh-CN" dirty="0"/>
+              <a:t>(a</a:t>
             </a:r>
+            <a:endParaRPr kumimoji="1" lang="zh-CN" altLang="en-US" dirty="0"/>
           </a:p>
         </p:txBody>
       </p:sp>
       <p:cxnSp>
         <p:nvCxnSpPr>
-          <p:cNvPr id="14" name="直线连接符 13">
-            <a:extLst>
-              <a:ext uri="{FF2B5EF4-FFF2-40B4-BE49-F238E27FC236}">
-                <a16:creationId xmlns:a16="http://schemas.microsoft.com/office/drawing/2014/main" id="{E9389AC8-1CA3-6749-AC3D-9B90AF81366F}"/>
+          <p:cNvPr id="8" name="直线连接符 7">
+            <a:extLst>
+              <a:ext uri="{FF2B5EF4-FFF2-40B4-BE49-F238E27FC236}">
+                <a16:creationId xmlns:a16="http://schemas.microsoft.com/office/drawing/2014/main" id="{A88278BC-4429-0D42-80ED-21A43563AB64}"/>
               </a:ext>
             </a:extLst>
           </p:cNvPr>
           <p:cNvCxnSpPr>
             <a:cxnSpLocks/>
+            <a:stCxn id="4" idx="1"/>
           </p:cNvCxnSpPr>
           <p:nvPr/>
         </p:nvCxnSpPr>
         <p:spPr>
+          <a:xfrm flipH="1" flipV="1">
+            <a:off x="2873829" y="2332831"/>
+            <a:ext cx="592864" cy="1029208"/>
+          </a:xfrm>
+          <a:prstGeom prst="line">
+            <a:avLst/>
+          </a:prstGeom>
+          <a:ln w="19050">
+            <a:solidFill>
+              <a:srgbClr val="00B0F0"/>
+            </a:solidFill>
+          </a:ln>
+        </p:spPr>
+        <p:style>
+          <a:lnRef idx="1">
+            <a:schemeClr val="accent1"/>
+          </a:lnRef>
+          <a:fillRef idx="0">
+            <a:schemeClr val="accent1"/>
+          </a:fillRef>
+          <a:effectRef idx="0">
+            <a:schemeClr val="accent1"/>
+          </a:effectRef>
+          <a:fontRef idx="minor">
+            <a:schemeClr val="tx1"/>
+          </a:fontRef>
+        </p:style>
+      </p:cxnSp>
+      <p:cxnSp>
+        <p:nvCxnSpPr>
+          <p:cNvPr id="32" name="直线连接符 31">
+            <a:extLst>
+              <a:ext uri="{FF2B5EF4-FFF2-40B4-BE49-F238E27FC236}">
+                <a16:creationId xmlns:a16="http://schemas.microsoft.com/office/drawing/2014/main" id="{D4D7C284-4173-D84E-94E4-2E369E1078F6}"/>
+              </a:ext>
+            </a:extLst>
+          </p:cNvPr>
+          <p:cNvCxnSpPr>
+            <a:cxnSpLocks/>
+            <a:stCxn id="4" idx="1"/>
+            <a:endCxn id="4" idx="0"/>
+          </p:cNvCxnSpPr>
+          <p:nvPr/>
+        </p:nvCxnSpPr>
+        <p:spPr>
           <a:xfrm flipV="1">
-            <a:off x="2511746" y="3019028"/>
-            <a:ext cx="3168869" cy="1"/>
+            <a:off x="3466693" y="1598613"/>
+            <a:ext cx="979013" cy="1763426"/>
           </a:xfrm>
           <a:prstGeom prst="line">
             <a:avLst/>
           </a:prstGeom>
-          <a:ln w="12700"/>
+          <a:ln w="19050">
+            <a:solidFill>
+              <a:srgbClr val="00B0F0"/>
+            </a:solidFill>
+          </a:ln>
         </p:spPr>
         <p:style>
           <a:lnRef idx="1">
@@ -6128,10 +5441,10 @@
       </p:cxnSp>
       <p:sp>
         <p:nvSpPr>
-          <p:cNvPr id="15" name="椭圆 14">
-            <a:extLst>
-              <a:ext uri="{FF2B5EF4-FFF2-40B4-BE49-F238E27FC236}">
-                <a16:creationId xmlns:a16="http://schemas.microsoft.com/office/drawing/2014/main" id="{EFAB2E1E-71A1-CE40-9F58-D945DB950C2C}"/>
+          <p:cNvPr id="38" name="任意形状 37">
+            <a:extLst>
+              <a:ext uri="{FF2B5EF4-FFF2-40B4-BE49-F238E27FC236}">
+                <a16:creationId xmlns:a16="http://schemas.microsoft.com/office/drawing/2014/main" id="{B24C06F5-8387-7D4F-AA76-12E853179182}"/>
               </a:ext>
             </a:extLst>
           </p:cNvPr>
@@ -6139,806 +5452,27 @@
           <p:nvPr/>
         </p:nvSpPr>
         <p:spPr>
-          <a:xfrm>
-            <a:off x="2432919" y="2971732"/>
-            <a:ext cx="86710" cy="86710"/>
-          </a:xfrm>
-          <a:prstGeom prst="ellipse">
-            <a:avLst/>
-          </a:prstGeom>
-          <a:solidFill>
-            <a:srgbClr val="FF0000"/>
-          </a:solidFill>
-        </p:spPr>
-        <p:style>
-          <a:lnRef idx="2">
-            <a:schemeClr val="accent1">
-              <a:shade val="50000"/>
-            </a:schemeClr>
-          </a:lnRef>
-          <a:fillRef idx="1">
-            <a:schemeClr val="accent1"/>
-          </a:fillRef>
-          <a:effectRef idx="0">
-            <a:schemeClr val="accent1"/>
-          </a:effectRef>
-          <a:fontRef idx="minor">
-            <a:schemeClr val="lt1"/>
-          </a:fontRef>
-        </p:style>
-        <p:txBody>
-          <a:bodyPr rtlCol="0" anchor="ctr"/>
-          <a:lstStyle/>
-          <a:p>
-            <a:pPr algn="ctr"/>
-            <a:endParaRPr kumimoji="1" lang="zh-CN" altLang="en-US"/>
-          </a:p>
-        </p:txBody>
-      </p:sp>
-      <p:sp>
-        <p:nvSpPr>
-          <p:cNvPr id="16" name="文本框 15">
-            <a:extLst>
-              <a:ext uri="{FF2B5EF4-FFF2-40B4-BE49-F238E27FC236}">
-                <a16:creationId xmlns:a16="http://schemas.microsoft.com/office/drawing/2014/main" id="{04F1FECF-9315-CE4B-BD9F-263C64ECD321}"/>
-              </a:ext>
-            </a:extLst>
-          </p:cNvPr>
-          <p:cNvSpPr txBox="1"/>
-          <p:nvPr/>
-        </p:nvSpPr>
-        <p:spPr>
-          <a:xfrm>
-            <a:off x="5830387" y="2830421"/>
-            <a:ext cx="877163" cy="369332"/>
-          </a:xfrm>
-          <a:prstGeom prst="rect">
-            <a:avLst/>
-          </a:prstGeom>
-          <a:noFill/>
-        </p:spPr>
-        <p:txBody>
-          <a:bodyPr wrap="none" rtlCol="0">
-            <a:spAutoFit/>
-          </a:bodyPr>
-          <a:lstStyle/>
-          <a:p>
-            <a:r>
-              <a:rPr kumimoji="1" lang="zh-CN" altLang="en-US" dirty="0"/>
-              <a:t>奇数个</a:t>
-            </a:r>
-          </a:p>
-        </p:txBody>
-      </p:sp>
-      <p:cxnSp>
-        <p:nvCxnSpPr>
-          <p:cNvPr id="17" name="直线连接符 16">
-            <a:extLst>
-              <a:ext uri="{FF2B5EF4-FFF2-40B4-BE49-F238E27FC236}">
-                <a16:creationId xmlns:a16="http://schemas.microsoft.com/office/drawing/2014/main" id="{BFDB2AC1-2299-6640-956A-AB39D7A8B027}"/>
-              </a:ext>
-            </a:extLst>
-          </p:cNvPr>
-          <p:cNvCxnSpPr>
-            <a:cxnSpLocks/>
-          </p:cNvCxnSpPr>
-          <p:nvPr/>
-        </p:nvCxnSpPr>
-        <p:spPr>
-          <a:xfrm flipV="1">
-            <a:off x="4251434" y="3564423"/>
-            <a:ext cx="2133600" cy="1"/>
-          </a:xfrm>
-          <a:prstGeom prst="line">
-            <a:avLst/>
-          </a:prstGeom>
-          <a:ln w="12700"/>
-        </p:spPr>
-        <p:style>
-          <a:lnRef idx="1">
-            <a:schemeClr val="accent1"/>
-          </a:lnRef>
-          <a:fillRef idx="0">
-            <a:schemeClr val="accent1"/>
-          </a:fillRef>
-          <a:effectRef idx="0">
-            <a:schemeClr val="accent1"/>
-          </a:effectRef>
-          <a:fontRef idx="minor">
-            <a:schemeClr val="tx1"/>
-          </a:fontRef>
-        </p:style>
-      </p:cxnSp>
-      <p:sp>
-        <p:nvSpPr>
-          <p:cNvPr id="18" name="椭圆 17">
-            <a:extLst>
-              <a:ext uri="{FF2B5EF4-FFF2-40B4-BE49-F238E27FC236}">
-                <a16:creationId xmlns:a16="http://schemas.microsoft.com/office/drawing/2014/main" id="{8676A291-F6A0-364F-8142-7302BA88E642}"/>
-              </a:ext>
-            </a:extLst>
-          </p:cNvPr>
-          <p:cNvSpPr/>
-          <p:nvPr/>
-        </p:nvSpPr>
-        <p:spPr>
-          <a:xfrm>
-            <a:off x="4172607" y="3517126"/>
-            <a:ext cx="86710" cy="86710"/>
-          </a:xfrm>
-          <a:prstGeom prst="ellipse">
-            <a:avLst/>
-          </a:prstGeom>
-          <a:solidFill>
-            <a:srgbClr val="FF0000"/>
-          </a:solidFill>
-        </p:spPr>
-        <p:style>
-          <a:lnRef idx="2">
-            <a:schemeClr val="accent1">
-              <a:shade val="50000"/>
-            </a:schemeClr>
-          </a:lnRef>
-          <a:fillRef idx="1">
-            <a:schemeClr val="accent1"/>
-          </a:fillRef>
-          <a:effectRef idx="0">
-            <a:schemeClr val="accent1"/>
-          </a:effectRef>
-          <a:fontRef idx="minor">
-            <a:schemeClr val="lt1"/>
-          </a:fontRef>
-        </p:style>
-        <p:txBody>
-          <a:bodyPr rtlCol="0" anchor="ctr"/>
-          <a:lstStyle/>
-          <a:p>
-            <a:pPr algn="ctr"/>
-            <a:endParaRPr kumimoji="1" lang="zh-CN" altLang="en-US"/>
-          </a:p>
-        </p:txBody>
-      </p:sp>
-      <p:sp>
-        <p:nvSpPr>
-          <p:cNvPr id="19" name="文本框 18">
-            <a:extLst>
-              <a:ext uri="{FF2B5EF4-FFF2-40B4-BE49-F238E27FC236}">
-                <a16:creationId xmlns:a16="http://schemas.microsoft.com/office/drawing/2014/main" id="{FE2A5EAF-447B-1347-8045-7D461E308A6B}"/>
-              </a:ext>
-            </a:extLst>
-          </p:cNvPr>
-          <p:cNvSpPr txBox="1"/>
-          <p:nvPr/>
-        </p:nvSpPr>
-        <p:spPr>
-          <a:xfrm>
-            <a:off x="6435142" y="3375815"/>
-            <a:ext cx="877163" cy="369332"/>
-          </a:xfrm>
-          <a:prstGeom prst="rect">
-            <a:avLst/>
-          </a:prstGeom>
-          <a:noFill/>
-        </p:spPr>
-        <p:txBody>
-          <a:bodyPr wrap="square" rtlCol="0">
-            <a:spAutoFit/>
-          </a:bodyPr>
-          <a:lstStyle/>
-          <a:p>
-            <a:r>
-              <a:rPr kumimoji="1" lang="zh-CN" altLang="en-US" dirty="0"/>
-              <a:t>偶数个</a:t>
-            </a:r>
-          </a:p>
-        </p:txBody>
-      </p:sp>
-    </p:spTree>
-    <p:extLst>
-      <p:ext uri="{BB962C8B-B14F-4D97-AF65-F5344CB8AC3E}">
-        <p14:creationId xmlns:p14="http://schemas.microsoft.com/office/powerpoint/2010/main" val="1688123819"/>
-      </p:ext>
-    </p:extLst>
-  </p:cSld>
-  <p:clrMapOvr>
-    <a:masterClrMapping/>
-  </p:clrMapOvr>
-</p:sld>
-</file>
-
-<file path=ppt/slides/slide7.xml><?xml version="1.0" encoding="utf-8"?>
-<p:sld xmlns:a="http://schemas.openxmlformats.org/drawingml/2006/main" xmlns:r="http://schemas.openxmlformats.org/officeDocument/2006/relationships" xmlns:p="http://schemas.openxmlformats.org/presentationml/2006/main">
-  <p:cSld>
-    <p:spTree>
-      <p:nvGrpSpPr>
-        <p:cNvPr id="1" name=""/>
-        <p:cNvGrpSpPr/>
-        <p:nvPr/>
-      </p:nvGrpSpPr>
-      <p:grpSpPr>
-        <a:xfrm>
-          <a:off x="0" y="0"/>
-          <a:ext cx="0" cy="0"/>
-          <a:chOff x="0" y="0"/>
-          <a:chExt cx="0" cy="0"/>
-        </a:xfrm>
-      </p:grpSpPr>
-      <p:cxnSp>
-        <p:nvCxnSpPr>
-          <p:cNvPr id="6" name="直线连接符 5">
-            <a:extLst>
-              <a:ext uri="{FF2B5EF4-FFF2-40B4-BE49-F238E27FC236}">
-                <a16:creationId xmlns:a16="http://schemas.microsoft.com/office/drawing/2014/main" id="{9FE4A4AB-7C4F-1049-87FF-B83248D64161}"/>
-              </a:ext>
-            </a:extLst>
-          </p:cNvPr>
-          <p:cNvCxnSpPr>
-            <a:cxnSpLocks/>
-          </p:cNvCxnSpPr>
-          <p:nvPr/>
-        </p:nvCxnSpPr>
-        <p:spPr>
-          <a:xfrm flipV="1">
-            <a:off x="3878320" y="5037660"/>
-            <a:ext cx="3168869" cy="1"/>
-          </a:xfrm>
-          <a:prstGeom prst="line">
-            <a:avLst/>
-          </a:prstGeom>
-          <a:ln w="12700"/>
-        </p:spPr>
-        <p:style>
-          <a:lnRef idx="1">
-            <a:schemeClr val="accent1"/>
-          </a:lnRef>
-          <a:fillRef idx="0">
-            <a:schemeClr val="accent1"/>
-          </a:fillRef>
-          <a:effectRef idx="0">
-            <a:schemeClr val="accent1"/>
-          </a:effectRef>
-          <a:fontRef idx="minor">
-            <a:schemeClr val="tx1"/>
-          </a:fontRef>
-        </p:style>
-      </p:cxnSp>
-      <p:sp>
-        <p:nvSpPr>
-          <p:cNvPr id="8" name="椭圆 7">
-            <a:extLst>
-              <a:ext uri="{FF2B5EF4-FFF2-40B4-BE49-F238E27FC236}">
-                <a16:creationId xmlns:a16="http://schemas.microsoft.com/office/drawing/2014/main" id="{0F63C736-6D6B-A446-AF2F-6D95044F444B}"/>
-              </a:ext>
-            </a:extLst>
-          </p:cNvPr>
-          <p:cNvSpPr/>
-          <p:nvPr/>
-        </p:nvSpPr>
-        <p:spPr>
-          <a:xfrm>
-            <a:off x="3799493" y="4990364"/>
-            <a:ext cx="86710" cy="86710"/>
-          </a:xfrm>
-          <a:prstGeom prst="ellipse">
-            <a:avLst/>
-          </a:prstGeom>
-          <a:solidFill>
-            <a:srgbClr val="FF0000"/>
-          </a:solidFill>
-        </p:spPr>
-        <p:style>
-          <a:lnRef idx="2">
-            <a:schemeClr val="accent1">
-              <a:shade val="50000"/>
-            </a:schemeClr>
-          </a:lnRef>
-          <a:fillRef idx="1">
-            <a:schemeClr val="accent1"/>
-          </a:fillRef>
-          <a:effectRef idx="0">
-            <a:schemeClr val="accent1"/>
-          </a:effectRef>
-          <a:fontRef idx="minor">
-            <a:schemeClr val="lt1"/>
-          </a:fontRef>
-        </p:style>
-        <p:txBody>
-          <a:bodyPr rtlCol="0" anchor="ctr"/>
-          <a:lstStyle/>
-          <a:p>
-            <a:pPr algn="ctr"/>
-            <a:endParaRPr kumimoji="1" lang="zh-CN" altLang="en-US"/>
-          </a:p>
-        </p:txBody>
-      </p:sp>
-      <p:sp>
-        <p:nvSpPr>
-          <p:cNvPr id="10" name="文本框 9">
-            <a:extLst>
-              <a:ext uri="{FF2B5EF4-FFF2-40B4-BE49-F238E27FC236}">
-                <a16:creationId xmlns:a16="http://schemas.microsoft.com/office/drawing/2014/main" id="{DD998243-1ED1-B049-91FF-72638FFFED52}"/>
-              </a:ext>
-            </a:extLst>
-          </p:cNvPr>
-          <p:cNvSpPr txBox="1"/>
-          <p:nvPr/>
-        </p:nvSpPr>
-        <p:spPr>
-          <a:xfrm>
-            <a:off x="7120944" y="4022071"/>
-            <a:ext cx="2619628" cy="369332"/>
-          </a:xfrm>
-          <a:prstGeom prst="rect">
-            <a:avLst/>
-          </a:prstGeom>
-          <a:noFill/>
-        </p:spPr>
-        <p:txBody>
-          <a:bodyPr wrap="none" rtlCol="0">
-            <a:spAutoFit/>
-          </a:bodyPr>
-          <a:lstStyle/>
-          <a:p>
-            <a:r>
-              <a:rPr kumimoji="1" lang="en-US" altLang="zh-CN" dirty="0"/>
-              <a:t>4.</a:t>
-            </a:r>
-            <a:r>
-              <a:rPr kumimoji="1" lang="zh-CN" altLang="en-US" dirty="0"/>
-              <a:t> 过中间连接点（</a:t>
-            </a:r>
-            <a:r>
-              <a:rPr kumimoji="1" lang="en-US" altLang="zh-CN" dirty="0"/>
-              <a:t>1</a:t>
-            </a:r>
-            <a:r>
-              <a:rPr kumimoji="1" lang="zh-CN" altLang="en-US" dirty="0"/>
-              <a:t>个）</a:t>
-            </a:r>
-          </a:p>
-        </p:txBody>
-      </p:sp>
-      <p:cxnSp>
-        <p:nvCxnSpPr>
-          <p:cNvPr id="11" name="直线连接符 10">
-            <a:extLst>
-              <a:ext uri="{FF2B5EF4-FFF2-40B4-BE49-F238E27FC236}">
-                <a16:creationId xmlns:a16="http://schemas.microsoft.com/office/drawing/2014/main" id="{82F30934-A9C8-1140-A5E6-A0755A849B68}"/>
-              </a:ext>
-            </a:extLst>
-          </p:cNvPr>
-          <p:cNvCxnSpPr>
-            <a:cxnSpLocks/>
-          </p:cNvCxnSpPr>
-          <p:nvPr/>
-        </p:nvCxnSpPr>
-        <p:spPr>
-          <a:xfrm flipV="1">
-            <a:off x="3052046" y="2019723"/>
-            <a:ext cx="3168869" cy="1"/>
-          </a:xfrm>
-          <a:prstGeom prst="line">
-            <a:avLst/>
-          </a:prstGeom>
-          <a:ln w="12700"/>
-        </p:spPr>
-        <p:style>
-          <a:lnRef idx="1">
-            <a:schemeClr val="accent1"/>
-          </a:lnRef>
-          <a:fillRef idx="0">
-            <a:schemeClr val="accent1"/>
-          </a:fillRef>
-          <a:effectRef idx="0">
-            <a:schemeClr val="accent1"/>
-          </a:effectRef>
-          <a:fontRef idx="minor">
-            <a:schemeClr val="tx1"/>
-          </a:fontRef>
-        </p:style>
-      </p:cxnSp>
-      <p:sp>
-        <p:nvSpPr>
-          <p:cNvPr id="12" name="椭圆 11">
-            <a:extLst>
-              <a:ext uri="{FF2B5EF4-FFF2-40B4-BE49-F238E27FC236}">
-                <a16:creationId xmlns:a16="http://schemas.microsoft.com/office/drawing/2014/main" id="{4E847EEC-33D6-4A48-B6B2-95FFC20E283B}"/>
-              </a:ext>
-            </a:extLst>
-          </p:cNvPr>
-          <p:cNvSpPr/>
-          <p:nvPr/>
-        </p:nvSpPr>
-        <p:spPr>
-          <a:xfrm>
-            <a:off x="2969277" y="1971848"/>
-            <a:ext cx="86710" cy="86710"/>
-          </a:xfrm>
-          <a:prstGeom prst="ellipse">
-            <a:avLst/>
-          </a:prstGeom>
-          <a:solidFill>
-            <a:srgbClr val="FF0000"/>
-          </a:solidFill>
-        </p:spPr>
-        <p:style>
-          <a:lnRef idx="2">
-            <a:schemeClr val="accent1">
-              <a:shade val="50000"/>
-            </a:schemeClr>
-          </a:lnRef>
-          <a:fillRef idx="1">
-            <a:schemeClr val="accent1"/>
-          </a:fillRef>
-          <a:effectRef idx="0">
-            <a:schemeClr val="accent1"/>
-          </a:effectRef>
-          <a:fontRef idx="minor">
-            <a:schemeClr val="lt1"/>
-          </a:fontRef>
-        </p:style>
-        <p:txBody>
-          <a:bodyPr rtlCol="0" anchor="ctr"/>
-          <a:lstStyle/>
-          <a:p>
-            <a:pPr algn="ctr"/>
-            <a:endParaRPr kumimoji="1" lang="zh-CN" altLang="en-US"/>
-          </a:p>
-        </p:txBody>
-      </p:sp>
-      <p:sp>
-        <p:nvSpPr>
-          <p:cNvPr id="13" name="文本框 12">
-            <a:extLst>
-              <a:ext uri="{FF2B5EF4-FFF2-40B4-BE49-F238E27FC236}">
-                <a16:creationId xmlns:a16="http://schemas.microsoft.com/office/drawing/2014/main" id="{69A96D4B-A16E-B34F-A0CC-FDC15E30F386}"/>
-              </a:ext>
-            </a:extLst>
-          </p:cNvPr>
-          <p:cNvSpPr txBox="1"/>
-          <p:nvPr/>
-        </p:nvSpPr>
-        <p:spPr>
-          <a:xfrm>
-            <a:off x="6220915" y="1794485"/>
-            <a:ext cx="2157963" cy="369332"/>
-          </a:xfrm>
-          <a:prstGeom prst="rect">
-            <a:avLst/>
-          </a:prstGeom>
-          <a:noFill/>
-        </p:spPr>
-        <p:txBody>
-          <a:bodyPr wrap="none" rtlCol="0">
-            <a:spAutoFit/>
-          </a:bodyPr>
-          <a:lstStyle/>
-          <a:p>
-            <a:r>
-              <a:rPr kumimoji="1" lang="en-US" altLang="zh-CN" dirty="0"/>
-              <a:t>1.</a:t>
-            </a:r>
-            <a:r>
-              <a:rPr kumimoji="1" lang="zh-CN" altLang="en-US" dirty="0"/>
-              <a:t> 过上交点（</a:t>
-            </a:r>
-            <a:r>
-              <a:rPr kumimoji="1" lang="en-US" altLang="zh-CN" dirty="0"/>
-              <a:t>0</a:t>
-            </a:r>
-            <a:r>
-              <a:rPr kumimoji="1" lang="zh-CN" altLang="en-US" dirty="0"/>
-              <a:t>个）</a:t>
-            </a:r>
-          </a:p>
-        </p:txBody>
-      </p:sp>
-      <p:cxnSp>
-        <p:nvCxnSpPr>
-          <p:cNvPr id="14" name="直线连接符 13">
-            <a:extLst>
-              <a:ext uri="{FF2B5EF4-FFF2-40B4-BE49-F238E27FC236}">
-                <a16:creationId xmlns:a16="http://schemas.microsoft.com/office/drawing/2014/main" id="{E9389AC8-1CA3-6749-AC3D-9B90AF81366F}"/>
-              </a:ext>
-            </a:extLst>
-          </p:cNvPr>
-          <p:cNvCxnSpPr>
-            <a:cxnSpLocks/>
-          </p:cNvCxnSpPr>
-          <p:nvPr/>
-        </p:nvCxnSpPr>
-        <p:spPr>
-          <a:xfrm flipV="1">
-            <a:off x="4511565" y="4208763"/>
-            <a:ext cx="2472559" cy="4573"/>
-          </a:xfrm>
-          <a:prstGeom prst="line">
-            <a:avLst/>
-          </a:prstGeom>
-          <a:ln w="12700"/>
-        </p:spPr>
-        <p:style>
-          <a:lnRef idx="1">
-            <a:schemeClr val="accent1"/>
-          </a:lnRef>
-          <a:fillRef idx="0">
-            <a:schemeClr val="accent1"/>
-          </a:fillRef>
-          <a:effectRef idx="0">
-            <a:schemeClr val="accent1"/>
-          </a:effectRef>
-          <a:fontRef idx="minor">
-            <a:schemeClr val="tx1"/>
-          </a:fontRef>
-        </p:style>
-      </p:cxnSp>
-      <p:sp>
-        <p:nvSpPr>
-          <p:cNvPr id="15" name="椭圆 14">
-            <a:extLst>
-              <a:ext uri="{FF2B5EF4-FFF2-40B4-BE49-F238E27FC236}">
-                <a16:creationId xmlns:a16="http://schemas.microsoft.com/office/drawing/2014/main" id="{EFAB2E1E-71A1-CE40-9F58-D945DB950C2C}"/>
-              </a:ext>
-            </a:extLst>
-          </p:cNvPr>
-          <p:cNvSpPr/>
-          <p:nvPr/>
-        </p:nvSpPr>
-        <p:spPr>
-          <a:xfrm>
-            <a:off x="4432738" y="4166038"/>
-            <a:ext cx="86710" cy="86710"/>
-          </a:xfrm>
-          <a:prstGeom prst="ellipse">
-            <a:avLst/>
-          </a:prstGeom>
-          <a:solidFill>
-            <a:srgbClr val="FF0000"/>
-          </a:solidFill>
-        </p:spPr>
-        <p:style>
-          <a:lnRef idx="2">
-            <a:schemeClr val="accent1">
-              <a:shade val="50000"/>
-            </a:schemeClr>
-          </a:lnRef>
-          <a:fillRef idx="1">
-            <a:schemeClr val="accent1"/>
-          </a:fillRef>
-          <a:effectRef idx="0">
-            <a:schemeClr val="accent1"/>
-          </a:effectRef>
-          <a:fontRef idx="minor">
-            <a:schemeClr val="lt1"/>
-          </a:fontRef>
-        </p:style>
-        <p:txBody>
-          <a:bodyPr rtlCol="0" anchor="ctr"/>
-          <a:lstStyle/>
-          <a:p>
-            <a:pPr algn="ctr"/>
-            <a:endParaRPr kumimoji="1" lang="zh-CN" altLang="en-US"/>
-          </a:p>
-        </p:txBody>
-      </p:sp>
-      <p:sp>
-        <p:nvSpPr>
-          <p:cNvPr id="16" name="文本框 15">
-            <a:extLst>
-              <a:ext uri="{FF2B5EF4-FFF2-40B4-BE49-F238E27FC236}">
-                <a16:creationId xmlns:a16="http://schemas.microsoft.com/office/drawing/2014/main" id="{04F1FECF-9315-CE4B-BD9F-263C64ECD321}"/>
-              </a:ext>
-            </a:extLst>
-          </p:cNvPr>
-          <p:cNvSpPr txBox="1"/>
-          <p:nvPr/>
-        </p:nvSpPr>
-        <p:spPr>
-          <a:xfrm>
-            <a:off x="7120944" y="4849005"/>
-            <a:ext cx="2157963" cy="369332"/>
-          </a:xfrm>
-          <a:prstGeom prst="rect">
-            <a:avLst/>
-          </a:prstGeom>
-          <a:noFill/>
-        </p:spPr>
-        <p:txBody>
-          <a:bodyPr wrap="none" rtlCol="0">
-            <a:spAutoFit/>
-          </a:bodyPr>
-          <a:lstStyle/>
-          <a:p>
-            <a:r>
-              <a:rPr kumimoji="1" lang="en-US" altLang="zh-CN" dirty="0"/>
-              <a:t>5.</a:t>
-            </a:r>
-            <a:r>
-              <a:rPr kumimoji="1" lang="zh-CN" altLang="en-US" dirty="0"/>
-              <a:t> 过下交点（</a:t>
-            </a:r>
-            <a:r>
-              <a:rPr kumimoji="1" lang="en-US" altLang="zh-CN" dirty="0"/>
-              <a:t>2</a:t>
-            </a:r>
-            <a:r>
-              <a:rPr kumimoji="1" lang="zh-CN" altLang="en-US" dirty="0"/>
-              <a:t>个）</a:t>
-            </a:r>
-          </a:p>
-        </p:txBody>
-      </p:sp>
-      <p:cxnSp>
-        <p:nvCxnSpPr>
-          <p:cNvPr id="17" name="直线连接符 16">
-            <a:extLst>
-              <a:ext uri="{FF2B5EF4-FFF2-40B4-BE49-F238E27FC236}">
-                <a16:creationId xmlns:a16="http://schemas.microsoft.com/office/drawing/2014/main" id="{BFDB2AC1-2299-6640-956A-AB39D7A8B027}"/>
-              </a:ext>
-            </a:extLst>
-          </p:cNvPr>
-          <p:cNvCxnSpPr>
-            <a:cxnSpLocks/>
-          </p:cNvCxnSpPr>
-          <p:nvPr/>
-        </p:nvCxnSpPr>
-        <p:spPr>
-          <a:xfrm flipV="1">
-            <a:off x="4251434" y="3564423"/>
-            <a:ext cx="2133600" cy="1"/>
-          </a:xfrm>
-          <a:prstGeom prst="line">
-            <a:avLst/>
-          </a:prstGeom>
-          <a:ln w="12700"/>
-        </p:spPr>
-        <p:style>
-          <a:lnRef idx="1">
-            <a:schemeClr val="accent1"/>
-          </a:lnRef>
-          <a:fillRef idx="0">
-            <a:schemeClr val="accent1"/>
-          </a:fillRef>
-          <a:effectRef idx="0">
-            <a:schemeClr val="accent1"/>
-          </a:effectRef>
-          <a:fontRef idx="minor">
-            <a:schemeClr val="tx1"/>
-          </a:fontRef>
-        </p:style>
-      </p:cxnSp>
-      <p:sp>
-        <p:nvSpPr>
-          <p:cNvPr id="18" name="椭圆 17">
-            <a:extLst>
-              <a:ext uri="{FF2B5EF4-FFF2-40B4-BE49-F238E27FC236}">
-                <a16:creationId xmlns:a16="http://schemas.microsoft.com/office/drawing/2014/main" id="{8676A291-F6A0-364F-8142-7302BA88E642}"/>
-              </a:ext>
-            </a:extLst>
-          </p:cNvPr>
-          <p:cNvSpPr/>
-          <p:nvPr/>
-        </p:nvSpPr>
-        <p:spPr>
-          <a:xfrm>
-            <a:off x="4172607" y="3517126"/>
-            <a:ext cx="86710" cy="86710"/>
-          </a:xfrm>
-          <a:prstGeom prst="ellipse">
-            <a:avLst/>
-          </a:prstGeom>
-          <a:solidFill>
-            <a:srgbClr val="FF0000"/>
-          </a:solidFill>
-        </p:spPr>
-        <p:style>
-          <a:lnRef idx="2">
-            <a:schemeClr val="accent1">
-              <a:shade val="50000"/>
-            </a:schemeClr>
-          </a:lnRef>
-          <a:fillRef idx="1">
-            <a:schemeClr val="accent1"/>
-          </a:fillRef>
-          <a:effectRef idx="0">
-            <a:schemeClr val="accent1"/>
-          </a:effectRef>
-          <a:fontRef idx="minor">
-            <a:schemeClr val="lt1"/>
-          </a:fontRef>
-        </p:style>
-        <p:txBody>
-          <a:bodyPr rtlCol="0" anchor="ctr"/>
-          <a:lstStyle/>
-          <a:p>
-            <a:pPr algn="ctr"/>
-            <a:endParaRPr kumimoji="1" lang="zh-CN" altLang="en-US"/>
-          </a:p>
-        </p:txBody>
-      </p:sp>
-      <p:sp>
-        <p:nvSpPr>
-          <p:cNvPr id="19" name="文本框 18">
-            <a:extLst>
-              <a:ext uri="{FF2B5EF4-FFF2-40B4-BE49-F238E27FC236}">
-                <a16:creationId xmlns:a16="http://schemas.microsoft.com/office/drawing/2014/main" id="{FE2A5EAF-447B-1347-8045-7D461E308A6B}"/>
-              </a:ext>
-            </a:extLst>
-          </p:cNvPr>
-          <p:cNvSpPr txBox="1"/>
-          <p:nvPr/>
-        </p:nvSpPr>
-        <p:spPr>
-          <a:xfrm>
-            <a:off x="6435142" y="3375815"/>
-            <a:ext cx="3168868" cy="369332"/>
-          </a:xfrm>
-          <a:prstGeom prst="rect">
-            <a:avLst/>
-          </a:prstGeom>
-          <a:noFill/>
-        </p:spPr>
-        <p:txBody>
-          <a:bodyPr wrap="square" rtlCol="0">
-            <a:spAutoFit/>
-          </a:bodyPr>
-          <a:lstStyle/>
-          <a:p>
-            <a:r>
-              <a:rPr kumimoji="1" lang="en-US" altLang="zh-CN" dirty="0"/>
-              <a:t>3.</a:t>
-            </a:r>
-            <a:r>
-              <a:rPr kumimoji="1" lang="zh-CN" altLang="en-US" dirty="0"/>
-              <a:t> 与线重合（与水平线无交点）</a:t>
-            </a:r>
-          </a:p>
-        </p:txBody>
-      </p:sp>
-      <p:sp>
-        <p:nvSpPr>
-          <p:cNvPr id="2" name="任意形状 1">
-            <a:extLst>
-              <a:ext uri="{FF2B5EF4-FFF2-40B4-BE49-F238E27FC236}">
-                <a16:creationId xmlns:a16="http://schemas.microsoft.com/office/drawing/2014/main" id="{99B6EEEE-4951-564A-9B24-46F5C2E64652}"/>
-              </a:ext>
-            </a:extLst>
-          </p:cNvPr>
-          <p:cNvSpPr/>
-          <p:nvPr/>
-        </p:nvSpPr>
-        <p:spPr>
-          <a:xfrm>
-            <a:off x="3083429" y="2018565"/>
-            <a:ext cx="3224049" cy="3019096"/>
+          <a:xfrm rot="7945484">
+            <a:off x="6588565" y="732554"/>
+            <a:ext cx="3235983" cy="2810645"/>
           </a:xfrm>
           <a:custGeom>
             <a:avLst/>
             <a:gdLst>
-              <a:gd name="connsiteX0" fmla="*/ 1324304 w 3224049"/>
-              <a:gd name="connsiteY0" fmla="*/ 567558 h 3019096"/>
-              <a:gd name="connsiteX1" fmla="*/ 1340069 w 3224049"/>
-              <a:gd name="connsiteY1" fmla="*/ 1545020 h 3019096"/>
-              <a:gd name="connsiteX2" fmla="*/ 2609193 w 3224049"/>
-              <a:gd name="connsiteY2" fmla="*/ 1545020 h 3019096"/>
-              <a:gd name="connsiteX3" fmla="*/ 3224049 w 3224049"/>
-              <a:gd name="connsiteY3" fmla="*/ 2191407 h 3019096"/>
-              <a:gd name="connsiteX4" fmla="*/ 2632842 w 3224049"/>
-              <a:gd name="connsiteY4" fmla="*/ 2829910 h 3019096"/>
-              <a:gd name="connsiteX5" fmla="*/ 1947042 w 3224049"/>
-              <a:gd name="connsiteY5" fmla="*/ 3019096 h 3019096"/>
-              <a:gd name="connsiteX6" fmla="*/ 1040524 w 3224049"/>
-              <a:gd name="connsiteY6" fmla="*/ 2900855 h 3019096"/>
-              <a:gd name="connsiteX7" fmla="*/ 536028 w 3224049"/>
-              <a:gd name="connsiteY7" fmla="*/ 1939158 h 3019096"/>
-              <a:gd name="connsiteX8" fmla="*/ 31531 w 3224049"/>
-              <a:gd name="connsiteY8" fmla="*/ 1269124 h 3019096"/>
-              <a:gd name="connsiteX9" fmla="*/ 0 w 3224049"/>
-              <a:gd name="connsiteY9" fmla="*/ 370489 h 3019096"/>
-              <a:gd name="connsiteX10" fmla="*/ 764628 w 3224049"/>
-              <a:gd name="connsiteY10" fmla="*/ 0 h 3019096"/>
-              <a:gd name="connsiteX11" fmla="*/ 1324304 w 3224049"/>
-              <a:gd name="connsiteY11" fmla="*/ 567558 h 3019096"/>
+              <a:gd name="connsiteX0" fmla="*/ 18167 w 2476752"/>
+              <a:gd name="connsiteY0" fmla="*/ 320949 h 1931746"/>
+              <a:gd name="connsiteX1" fmla="*/ 1519963 w 2476752"/>
+              <a:gd name="connsiteY1" fmla="*/ 0 h 1931746"/>
+              <a:gd name="connsiteX2" fmla="*/ 1241404 w 2476752"/>
+              <a:gd name="connsiteY2" fmla="*/ 775121 h 1931746"/>
+              <a:gd name="connsiteX3" fmla="*/ 2476752 w 2476752"/>
+              <a:gd name="connsiteY3" fmla="*/ 1047624 h 1931746"/>
+              <a:gd name="connsiteX4" fmla="*/ 1114236 w 2476752"/>
+              <a:gd name="connsiteY4" fmla="*/ 1931746 h 1931746"/>
+              <a:gd name="connsiteX5" fmla="*/ 0 w 2476752"/>
+              <a:gd name="connsiteY5" fmla="*/ 1435184 h 1931746"/>
+              <a:gd name="connsiteX6" fmla="*/ 18167 w 2476752"/>
+              <a:gd name="connsiteY6" fmla="*/ 320949 h 1931746"/>
             </a:gdLst>
             <a:ahLst/>
             <a:cxnLst>
@@ -6963,71 +5497,39 @@
               <a:cxn ang="0">
                 <a:pos x="connsiteX6" y="connsiteY6"/>
               </a:cxn>
-              <a:cxn ang="0">
-                <a:pos x="connsiteX7" y="connsiteY7"/>
-              </a:cxn>
-              <a:cxn ang="0">
-                <a:pos x="connsiteX8" y="connsiteY8"/>
-              </a:cxn>
-              <a:cxn ang="0">
-                <a:pos x="connsiteX9" y="connsiteY9"/>
-              </a:cxn>
-              <a:cxn ang="0">
-                <a:pos x="connsiteX10" y="connsiteY10"/>
-              </a:cxn>
-              <a:cxn ang="0">
-                <a:pos x="connsiteX11" y="connsiteY11"/>
-              </a:cxn>
             </a:cxnLst>
             <a:rect l="l" t="t" r="r" b="b"/>
             <a:pathLst>
-              <a:path w="3224049" h="3019096">
+              <a:path w="2476752" h="1931746">
                 <a:moveTo>
-                  <a:pt x="1324304" y="567558"/>
+                  <a:pt x="18167" y="320949"/>
                 </a:moveTo>
                 <a:lnTo>
-                  <a:pt x="1340069" y="1545020"/>
+                  <a:pt x="1519963" y="0"/>
                 </a:lnTo>
                 <a:lnTo>
-                  <a:pt x="2609193" y="1545020"/>
+                  <a:pt x="1241404" y="775121"/>
                 </a:lnTo>
                 <a:lnTo>
-                  <a:pt x="3224049" y="2191407"/>
+                  <a:pt x="2476752" y="1047624"/>
                 </a:lnTo>
                 <a:lnTo>
-                  <a:pt x="2632842" y="2829910"/>
+                  <a:pt x="1114236" y="1931746"/>
                 </a:lnTo>
                 <a:lnTo>
-                  <a:pt x="1947042" y="3019096"/>
+                  <a:pt x="0" y="1435184"/>
                 </a:lnTo>
                 <a:lnTo>
-                  <a:pt x="1040524" y="2900855"/>
-                </a:lnTo>
-                <a:lnTo>
-                  <a:pt x="536028" y="1939158"/>
-                </a:lnTo>
-                <a:lnTo>
-                  <a:pt x="31531" y="1269124"/>
-                </a:lnTo>
-                <a:lnTo>
-                  <a:pt x="0" y="370489"/>
-                </a:lnTo>
-                <a:lnTo>
-                  <a:pt x="764628" y="0"/>
-                </a:lnTo>
-                <a:lnTo>
-                  <a:pt x="1324304" y="567558"/>
+                  <a:pt x="18167" y="320949"/>
                 </a:lnTo>
                 <a:close/>
               </a:path>
             </a:pathLst>
           </a:custGeom>
           <a:noFill/>
-          <a:ln w="19050">
+          <a:ln w="25400">
             <a:solidFill>
-              <a:schemeClr val="accent2">
-                <a:lumMod val="75000"/>
-              </a:schemeClr>
+              <a:schemeClr val="accent2"/>
             </a:solidFill>
           </a:ln>
         </p:spPr>
@@ -7048,118 +5550,134 @@
           </a:fontRef>
         </p:style>
         <p:txBody>
-          <a:bodyPr rtlCol="0" anchor="ctr"/>
+          <a:bodyPr rot="0" spcFirstLastPara="0" vert="horz" wrap="square" lIns="91440" tIns="45720" rIns="91440" bIns="45720" numCol="1" spcCol="0" rtlCol="0" fromWordArt="0" anchor="ctr" anchorCtr="0" forceAA="0" compatLnSpc="1">
+            <a:prstTxWarp prst="textNoShape">
+              <a:avLst/>
+            </a:prstTxWarp>
+            <a:noAutofit/>
+          </a:bodyPr>
           <a:lstStyle/>
           <a:p>
-            <a:pPr algn="ctr"/>
-            <a:endParaRPr kumimoji="1" lang="zh-CN" altLang="en-US"/>
+            <a:endParaRPr lang="zh-CN" altLang="en-US"/>
           </a:p>
         </p:txBody>
       </p:sp>
-      <p:cxnSp>
-        <p:nvCxnSpPr>
-          <p:cNvPr id="20" name="直线连接符 19">
-            <a:extLst>
-              <a:ext uri="{FF2B5EF4-FFF2-40B4-BE49-F238E27FC236}">
-                <a16:creationId xmlns:a16="http://schemas.microsoft.com/office/drawing/2014/main" id="{293C1989-6141-6B46-94E1-36C460590B5E}"/>
-              </a:ext>
-            </a:extLst>
-          </p:cNvPr>
-          <p:cNvCxnSpPr>
-            <a:cxnSpLocks/>
-          </p:cNvCxnSpPr>
-          <p:nvPr/>
-        </p:nvCxnSpPr>
-        <p:spPr>
-          <a:xfrm flipV="1">
-            <a:off x="3130873" y="2812037"/>
-            <a:ext cx="3168869" cy="1"/>
-          </a:xfrm>
-          <a:prstGeom prst="line">
-            <a:avLst/>
-          </a:prstGeom>
-          <a:ln w="12700"/>
-        </p:spPr>
-        <p:style>
-          <a:lnRef idx="1">
-            <a:schemeClr val="accent1"/>
-          </a:lnRef>
-          <a:fillRef idx="0">
-            <a:schemeClr val="accent1"/>
-          </a:fillRef>
-          <a:effectRef idx="0">
-            <a:schemeClr val="accent1"/>
-          </a:effectRef>
-          <a:fontRef idx="minor">
-            <a:schemeClr val="tx1"/>
-          </a:fontRef>
-        </p:style>
-      </p:cxnSp>
+      <p:grpSp>
+        <p:nvGrpSpPr>
+          <p:cNvPr id="27" name="组合 26">
+            <a:extLst>
+              <a:ext uri="{FF2B5EF4-FFF2-40B4-BE49-F238E27FC236}">
+                <a16:creationId xmlns:a16="http://schemas.microsoft.com/office/drawing/2014/main" id="{1E1CBE41-AA11-7748-9D8F-84AE79EBC82B}"/>
+              </a:ext>
+            </a:extLst>
+          </p:cNvPr>
+          <p:cNvGrpSpPr/>
+          <p:nvPr/>
+        </p:nvGrpSpPr>
+        <p:grpSpPr>
+          <a:xfrm>
+            <a:off x="5704572" y="3076876"/>
+            <a:ext cx="4993908" cy="369332"/>
+            <a:chOff x="5704572" y="3076876"/>
+            <a:chExt cx="4993908" cy="369332"/>
+          </a:xfrm>
+        </p:grpSpPr>
+        <p:cxnSp>
+          <p:nvCxnSpPr>
+            <p:cNvPr id="39" name="直线连接符 38">
+              <a:extLst>
+                <a:ext uri="{FF2B5EF4-FFF2-40B4-BE49-F238E27FC236}">
+                  <a16:creationId xmlns:a16="http://schemas.microsoft.com/office/drawing/2014/main" id="{1D947F54-59FF-2345-8B2A-FF25674336CA}"/>
+                </a:ext>
+              </a:extLst>
+            </p:cNvPr>
+            <p:cNvCxnSpPr>
+              <a:cxnSpLocks/>
+            </p:cNvCxnSpPr>
+            <p:nvPr/>
+          </p:nvCxnSpPr>
+          <p:spPr>
+            <a:xfrm>
+              <a:off x="6258439" y="3261542"/>
+              <a:ext cx="4440041" cy="0"/>
+            </a:xfrm>
+            <a:prstGeom prst="line">
+              <a:avLst/>
+            </a:prstGeom>
+            <a:ln w="19050">
+              <a:solidFill>
+                <a:srgbClr val="FF0000"/>
+              </a:solidFill>
+            </a:ln>
+          </p:spPr>
+          <p:style>
+            <a:lnRef idx="1">
+              <a:schemeClr val="accent1"/>
+            </a:lnRef>
+            <a:fillRef idx="0">
+              <a:schemeClr val="accent1"/>
+            </a:fillRef>
+            <a:effectRef idx="0">
+              <a:schemeClr val="accent1"/>
+            </a:effectRef>
+            <a:fontRef idx="minor">
+              <a:schemeClr val="tx1"/>
+            </a:fontRef>
+          </p:style>
+        </p:cxnSp>
+        <p:sp>
+          <p:nvSpPr>
+            <p:cNvPr id="40" name="文本框 39">
+              <a:extLst>
+                <a:ext uri="{FF2B5EF4-FFF2-40B4-BE49-F238E27FC236}">
+                  <a16:creationId xmlns:a16="http://schemas.microsoft.com/office/drawing/2014/main" id="{EA9D537C-5AC4-8A42-9526-A545D3D7AF16}"/>
+                </a:ext>
+              </a:extLst>
+            </p:cNvPr>
+            <p:cNvSpPr txBox="1"/>
+            <p:nvPr/>
+          </p:nvSpPr>
+          <p:spPr>
+            <a:xfrm>
+              <a:off x="5704572" y="3076876"/>
+              <a:ext cx="292068" cy="369332"/>
+            </a:xfrm>
+            <a:prstGeom prst="rect">
+              <a:avLst/>
+            </a:prstGeom>
+            <a:noFill/>
+          </p:spPr>
+          <p:txBody>
+            <a:bodyPr wrap="none" rtlCol="0">
+              <a:spAutoFit/>
+            </a:bodyPr>
+            <a:lstStyle/>
+            <a:p>
+              <a:r>
+                <a:rPr kumimoji="1" lang="en-US" altLang="zh-CN" dirty="0"/>
+                <a:t>y</a:t>
+              </a:r>
+              <a:endParaRPr kumimoji="1" lang="zh-CN" altLang="en-US" dirty="0"/>
+            </a:p>
+          </p:txBody>
+        </p:sp>
+      </p:grpSp>
       <p:sp>
         <p:nvSpPr>
-          <p:cNvPr id="21" name="椭圆 20">
-            <a:extLst>
-              <a:ext uri="{FF2B5EF4-FFF2-40B4-BE49-F238E27FC236}">
-                <a16:creationId xmlns:a16="http://schemas.microsoft.com/office/drawing/2014/main" id="{0D33DC18-3649-C64C-9AB8-F7F135178283}"/>
-              </a:ext>
-            </a:extLst>
-          </p:cNvPr>
-          <p:cNvSpPr/>
+          <p:cNvPr id="41" name="文本框 40">
+            <a:extLst>
+              <a:ext uri="{FF2B5EF4-FFF2-40B4-BE49-F238E27FC236}">
+                <a16:creationId xmlns:a16="http://schemas.microsoft.com/office/drawing/2014/main" id="{5FD5E0E2-8719-C740-BF28-5A6356872B66}"/>
+              </a:ext>
+            </a:extLst>
+          </p:cNvPr>
+          <p:cNvSpPr txBox="1"/>
           <p:nvPr/>
         </p:nvSpPr>
         <p:spPr>
           <a:xfrm>
-            <a:off x="3052046" y="2764741"/>
-            <a:ext cx="86710" cy="86710"/>
-          </a:xfrm>
-          <a:prstGeom prst="ellipse">
-            <a:avLst/>
-          </a:prstGeom>
-          <a:solidFill>
-            <a:srgbClr val="FF0000"/>
-          </a:solidFill>
-        </p:spPr>
-        <p:style>
-          <a:lnRef idx="2">
-            <a:schemeClr val="accent1">
-              <a:shade val="50000"/>
-            </a:schemeClr>
-          </a:lnRef>
-          <a:fillRef idx="1">
-            <a:schemeClr val="accent1"/>
-          </a:fillRef>
-          <a:effectRef idx="0">
-            <a:schemeClr val="accent1"/>
-          </a:effectRef>
-          <a:fontRef idx="minor">
-            <a:schemeClr val="lt1"/>
-          </a:fontRef>
-        </p:style>
-        <p:txBody>
-          <a:bodyPr rtlCol="0" anchor="ctr"/>
-          <a:lstStyle/>
-          <a:p>
-            <a:pPr algn="ctr"/>
-            <a:endParaRPr kumimoji="1" lang="zh-CN" altLang="en-US"/>
-          </a:p>
-        </p:txBody>
-      </p:sp>
-      <p:sp>
-        <p:nvSpPr>
-          <p:cNvPr id="22" name="文本框 21">
-            <a:extLst>
-              <a:ext uri="{FF2B5EF4-FFF2-40B4-BE49-F238E27FC236}">
-                <a16:creationId xmlns:a16="http://schemas.microsoft.com/office/drawing/2014/main" id="{EE4CB389-A08F-4241-B240-867CB2CEA082}"/>
-              </a:ext>
-            </a:extLst>
-          </p:cNvPr>
-          <p:cNvSpPr txBox="1"/>
-          <p:nvPr/>
-        </p:nvSpPr>
-        <p:spPr>
-          <a:xfrm>
-            <a:off x="6373497" y="2623382"/>
-            <a:ext cx="2388795" cy="369332"/>
+            <a:off x="7919528" y="3679199"/>
+            <a:ext cx="385042" cy="369332"/>
           </a:xfrm>
           <a:prstGeom prst="rect">
             <a:avLst/>
@@ -7174,27 +5692,4124 @@
           <a:p>
             <a:r>
               <a:rPr kumimoji="1" lang="en-US" altLang="zh-CN" dirty="0"/>
-              <a:t>2.</a:t>
+              <a:t>(b</a:t>
             </a:r>
-            <a:r>
-              <a:rPr kumimoji="1" lang="zh-CN" altLang="en-US" dirty="0"/>
-              <a:t> 点在边界上（</a:t>
-            </a:r>
+            <a:endParaRPr kumimoji="1" lang="zh-CN" altLang="en-US" dirty="0"/>
+          </a:p>
+        </p:txBody>
+      </p:sp>
+      <p:cxnSp>
+        <p:nvCxnSpPr>
+          <p:cNvPr id="42" name="直线连接符 41">
+            <a:extLst>
+              <a:ext uri="{FF2B5EF4-FFF2-40B4-BE49-F238E27FC236}">
+                <a16:creationId xmlns:a16="http://schemas.microsoft.com/office/drawing/2014/main" id="{34327761-812F-6742-A3E2-242444D3DDB6}"/>
+              </a:ext>
+            </a:extLst>
+          </p:cNvPr>
+          <p:cNvCxnSpPr>
+            <a:cxnSpLocks/>
+            <a:stCxn id="38" idx="1"/>
+          </p:cNvCxnSpPr>
+          <p:nvPr/>
+        </p:nvCxnSpPr>
+        <p:spPr>
+          <a:xfrm flipH="1" flipV="1">
+            <a:off x="8402854" y="2328303"/>
+            <a:ext cx="592864" cy="1029208"/>
+          </a:xfrm>
+          <a:prstGeom prst="line">
+            <a:avLst/>
+          </a:prstGeom>
+          <a:ln w="19050">
+            <a:solidFill>
+              <a:srgbClr val="00B0F0"/>
+            </a:solidFill>
+          </a:ln>
+        </p:spPr>
+        <p:style>
+          <a:lnRef idx="1">
+            <a:schemeClr val="accent1"/>
+          </a:lnRef>
+          <a:fillRef idx="0">
+            <a:schemeClr val="accent1"/>
+          </a:fillRef>
+          <a:effectRef idx="0">
+            <a:schemeClr val="accent1"/>
+          </a:effectRef>
+          <a:fontRef idx="minor">
+            <a:schemeClr val="tx1"/>
+          </a:fontRef>
+        </p:style>
+      </p:cxnSp>
+      <p:cxnSp>
+        <p:nvCxnSpPr>
+          <p:cNvPr id="43" name="直线连接符 42">
+            <a:extLst>
+              <a:ext uri="{FF2B5EF4-FFF2-40B4-BE49-F238E27FC236}">
+                <a16:creationId xmlns:a16="http://schemas.microsoft.com/office/drawing/2014/main" id="{E88A17E2-5063-7042-B692-474F5229221F}"/>
+              </a:ext>
+            </a:extLst>
+          </p:cNvPr>
+          <p:cNvCxnSpPr>
+            <a:cxnSpLocks/>
+            <a:stCxn id="38" idx="1"/>
+            <a:endCxn id="38" idx="0"/>
+          </p:cNvCxnSpPr>
+          <p:nvPr/>
+        </p:nvCxnSpPr>
+        <p:spPr>
+          <a:xfrm flipV="1">
+            <a:off x="8995718" y="1594085"/>
+            <a:ext cx="979013" cy="1763426"/>
+          </a:xfrm>
+          <a:prstGeom prst="line">
+            <a:avLst/>
+          </a:prstGeom>
+          <a:ln w="19050">
+            <a:solidFill>
+              <a:srgbClr val="00B0F0"/>
+            </a:solidFill>
+          </a:ln>
+        </p:spPr>
+        <p:style>
+          <a:lnRef idx="1">
+            <a:schemeClr val="accent1"/>
+          </a:lnRef>
+          <a:fillRef idx="0">
+            <a:schemeClr val="accent1"/>
+          </a:fillRef>
+          <a:effectRef idx="0">
+            <a:schemeClr val="accent1"/>
+          </a:effectRef>
+          <a:fontRef idx="minor">
+            <a:schemeClr val="tx1"/>
+          </a:fontRef>
+        </p:style>
+      </p:cxnSp>
+      <p:cxnSp>
+        <p:nvCxnSpPr>
+          <p:cNvPr id="44" name="直线连接符 43">
+            <a:extLst>
+              <a:ext uri="{FF2B5EF4-FFF2-40B4-BE49-F238E27FC236}">
+                <a16:creationId xmlns:a16="http://schemas.microsoft.com/office/drawing/2014/main" id="{FD5DBCC5-B520-2E42-B1E6-A741042D64E8}"/>
+              </a:ext>
+            </a:extLst>
+          </p:cNvPr>
+          <p:cNvCxnSpPr>
+            <a:cxnSpLocks/>
+            <a:stCxn id="38" idx="3"/>
+            <a:endCxn id="38" idx="2"/>
+          </p:cNvCxnSpPr>
+          <p:nvPr/>
+        </p:nvCxnSpPr>
+        <p:spPr>
+          <a:xfrm flipV="1">
+            <a:off x="7027224" y="2328031"/>
+            <a:ext cx="1381533" cy="923946"/>
+          </a:xfrm>
+          <a:prstGeom prst="line">
+            <a:avLst/>
+          </a:prstGeom>
+          <a:ln w="19050">
+            <a:solidFill>
+              <a:srgbClr val="00B0F0"/>
+            </a:solidFill>
+          </a:ln>
+        </p:spPr>
+        <p:style>
+          <a:lnRef idx="1">
+            <a:schemeClr val="accent1"/>
+          </a:lnRef>
+          <a:fillRef idx="0">
+            <a:schemeClr val="accent1"/>
+          </a:fillRef>
+          <a:effectRef idx="0">
+            <a:schemeClr val="accent1"/>
+          </a:effectRef>
+          <a:fontRef idx="minor">
+            <a:schemeClr val="tx1"/>
+          </a:fontRef>
+        </p:style>
+      </p:cxnSp>
+      <p:cxnSp>
+        <p:nvCxnSpPr>
+          <p:cNvPr id="45" name="直线连接符 44">
+            <a:extLst>
+              <a:ext uri="{FF2B5EF4-FFF2-40B4-BE49-F238E27FC236}">
+                <a16:creationId xmlns:a16="http://schemas.microsoft.com/office/drawing/2014/main" id="{4A170427-AFC0-674E-8948-D220B116FCCE}"/>
+              </a:ext>
+            </a:extLst>
+          </p:cNvPr>
+          <p:cNvCxnSpPr>
+            <a:cxnSpLocks/>
+            <a:stCxn id="38" idx="3"/>
+            <a:endCxn id="38" idx="4"/>
+          </p:cNvCxnSpPr>
+          <p:nvPr/>
+        </p:nvCxnSpPr>
+        <p:spPr>
+          <a:xfrm flipV="1">
+            <a:off x="7027224" y="1070090"/>
+            <a:ext cx="251394" cy="2181887"/>
+          </a:xfrm>
+          <a:prstGeom prst="line">
+            <a:avLst/>
+          </a:prstGeom>
+          <a:ln w="19050">
+            <a:solidFill>
+              <a:srgbClr val="00B0F0"/>
+            </a:solidFill>
+          </a:ln>
+        </p:spPr>
+        <p:style>
+          <a:lnRef idx="1">
+            <a:schemeClr val="accent1"/>
+          </a:lnRef>
+          <a:fillRef idx="0">
+            <a:schemeClr val="accent1"/>
+          </a:fillRef>
+          <a:effectRef idx="0">
+            <a:schemeClr val="accent1"/>
+          </a:effectRef>
+          <a:fontRef idx="minor">
+            <a:schemeClr val="tx1"/>
+          </a:fontRef>
+        </p:style>
+      </p:cxnSp>
+      <p:sp>
+        <p:nvSpPr>
+          <p:cNvPr id="48" name="任意形状 47">
+            <a:extLst>
+              <a:ext uri="{FF2B5EF4-FFF2-40B4-BE49-F238E27FC236}">
+                <a16:creationId xmlns:a16="http://schemas.microsoft.com/office/drawing/2014/main" id="{7D657A47-C916-3E4A-820F-5347694A86B9}"/>
+              </a:ext>
+            </a:extLst>
+          </p:cNvPr>
+          <p:cNvSpPr/>
+          <p:nvPr/>
+        </p:nvSpPr>
+        <p:spPr>
+          <a:xfrm rot="7945484">
+            <a:off x="1059540" y="4609748"/>
+            <a:ext cx="3235983" cy="2810645"/>
+          </a:xfrm>
+          <a:custGeom>
+            <a:avLst/>
+            <a:gdLst>
+              <a:gd name="connsiteX0" fmla="*/ 18167 w 2476752"/>
+              <a:gd name="connsiteY0" fmla="*/ 320949 h 1931746"/>
+              <a:gd name="connsiteX1" fmla="*/ 1519963 w 2476752"/>
+              <a:gd name="connsiteY1" fmla="*/ 0 h 1931746"/>
+              <a:gd name="connsiteX2" fmla="*/ 1241404 w 2476752"/>
+              <a:gd name="connsiteY2" fmla="*/ 775121 h 1931746"/>
+              <a:gd name="connsiteX3" fmla="*/ 2476752 w 2476752"/>
+              <a:gd name="connsiteY3" fmla="*/ 1047624 h 1931746"/>
+              <a:gd name="connsiteX4" fmla="*/ 1114236 w 2476752"/>
+              <a:gd name="connsiteY4" fmla="*/ 1931746 h 1931746"/>
+              <a:gd name="connsiteX5" fmla="*/ 0 w 2476752"/>
+              <a:gd name="connsiteY5" fmla="*/ 1435184 h 1931746"/>
+              <a:gd name="connsiteX6" fmla="*/ 18167 w 2476752"/>
+              <a:gd name="connsiteY6" fmla="*/ 320949 h 1931746"/>
+            </a:gdLst>
+            <a:ahLst/>
+            <a:cxnLst>
+              <a:cxn ang="0">
+                <a:pos x="connsiteX0" y="connsiteY0"/>
+              </a:cxn>
+              <a:cxn ang="0">
+                <a:pos x="connsiteX1" y="connsiteY1"/>
+              </a:cxn>
+              <a:cxn ang="0">
+                <a:pos x="connsiteX2" y="connsiteY2"/>
+              </a:cxn>
+              <a:cxn ang="0">
+                <a:pos x="connsiteX3" y="connsiteY3"/>
+              </a:cxn>
+              <a:cxn ang="0">
+                <a:pos x="connsiteX4" y="connsiteY4"/>
+              </a:cxn>
+              <a:cxn ang="0">
+                <a:pos x="connsiteX5" y="connsiteY5"/>
+              </a:cxn>
+              <a:cxn ang="0">
+                <a:pos x="connsiteX6" y="connsiteY6"/>
+              </a:cxn>
+            </a:cxnLst>
+            <a:rect l="l" t="t" r="r" b="b"/>
+            <a:pathLst>
+              <a:path w="2476752" h="1931746">
+                <a:moveTo>
+                  <a:pt x="18167" y="320949"/>
+                </a:moveTo>
+                <a:lnTo>
+                  <a:pt x="1519963" y="0"/>
+                </a:lnTo>
+                <a:lnTo>
+                  <a:pt x="1241404" y="775121"/>
+                </a:lnTo>
+                <a:lnTo>
+                  <a:pt x="2476752" y="1047624"/>
+                </a:lnTo>
+                <a:lnTo>
+                  <a:pt x="1114236" y="1931746"/>
+                </a:lnTo>
+                <a:lnTo>
+                  <a:pt x="0" y="1435184"/>
+                </a:lnTo>
+                <a:lnTo>
+                  <a:pt x="18167" y="320949"/>
+                </a:lnTo>
+                <a:close/>
+              </a:path>
+            </a:pathLst>
+          </a:custGeom>
+          <a:noFill/>
+          <a:ln w="25400">
+            <a:solidFill>
+              <a:schemeClr val="accent2"/>
+            </a:solidFill>
+          </a:ln>
+        </p:spPr>
+        <p:style>
+          <a:lnRef idx="2">
+            <a:schemeClr val="accent1">
+              <a:shade val="50000"/>
+            </a:schemeClr>
+          </a:lnRef>
+          <a:fillRef idx="1">
+            <a:schemeClr val="accent1"/>
+          </a:fillRef>
+          <a:effectRef idx="0">
+            <a:schemeClr val="accent1"/>
+          </a:effectRef>
+          <a:fontRef idx="minor">
+            <a:schemeClr val="lt1"/>
+          </a:fontRef>
+        </p:style>
+        <p:txBody>
+          <a:bodyPr rot="0" spcFirstLastPara="0" vert="horz" wrap="square" lIns="91440" tIns="45720" rIns="91440" bIns="45720" numCol="1" spcCol="0" rtlCol="0" fromWordArt="0" anchor="ctr" anchorCtr="0" forceAA="0" compatLnSpc="1">
+            <a:prstTxWarp prst="textNoShape">
+              <a:avLst/>
+            </a:prstTxWarp>
+            <a:noAutofit/>
+          </a:bodyPr>
+          <a:lstStyle/>
+          <a:p>
+            <a:endParaRPr lang="zh-CN" altLang="en-US"/>
+          </a:p>
+        </p:txBody>
+      </p:sp>
+      <p:grpSp>
+        <p:nvGrpSpPr>
+          <p:cNvPr id="49" name="组合 48">
+            <a:extLst>
+              <a:ext uri="{FF2B5EF4-FFF2-40B4-BE49-F238E27FC236}">
+                <a16:creationId xmlns:a16="http://schemas.microsoft.com/office/drawing/2014/main" id="{D2E2F44E-0F4D-CE46-B36C-5902AD605E3C}"/>
+              </a:ext>
+            </a:extLst>
+          </p:cNvPr>
+          <p:cNvGrpSpPr/>
+          <p:nvPr/>
+        </p:nvGrpSpPr>
+        <p:grpSpPr>
+          <a:xfrm>
+            <a:off x="292972" y="6023413"/>
+            <a:ext cx="4993908" cy="369332"/>
+            <a:chOff x="5704572" y="3076876"/>
+            <a:chExt cx="4993908" cy="369332"/>
+          </a:xfrm>
+        </p:grpSpPr>
+        <p:cxnSp>
+          <p:nvCxnSpPr>
+            <p:cNvPr id="50" name="直线连接符 49">
+              <a:extLst>
+                <a:ext uri="{FF2B5EF4-FFF2-40B4-BE49-F238E27FC236}">
+                  <a16:creationId xmlns:a16="http://schemas.microsoft.com/office/drawing/2014/main" id="{3F66FA8A-4DC2-F845-8115-74A2BC7B72DC}"/>
+                </a:ext>
+              </a:extLst>
+            </p:cNvPr>
+            <p:cNvCxnSpPr>
+              <a:cxnSpLocks/>
+            </p:cNvCxnSpPr>
+            <p:nvPr/>
+          </p:nvCxnSpPr>
+          <p:spPr>
+            <a:xfrm>
+              <a:off x="6258439" y="3261542"/>
+              <a:ext cx="4440041" cy="0"/>
+            </a:xfrm>
+            <a:prstGeom prst="line">
+              <a:avLst/>
+            </a:prstGeom>
+            <a:ln w="19050">
+              <a:solidFill>
+                <a:srgbClr val="FF0000"/>
+              </a:solidFill>
+            </a:ln>
+          </p:spPr>
+          <p:style>
+            <a:lnRef idx="1">
+              <a:schemeClr val="accent1"/>
+            </a:lnRef>
+            <a:fillRef idx="0">
+              <a:schemeClr val="accent1"/>
+            </a:fillRef>
+            <a:effectRef idx="0">
+              <a:schemeClr val="accent1"/>
+            </a:effectRef>
+            <a:fontRef idx="minor">
+              <a:schemeClr val="tx1"/>
+            </a:fontRef>
+          </p:style>
+        </p:cxnSp>
+        <p:sp>
+          <p:nvSpPr>
+            <p:cNvPr id="51" name="文本框 50">
+              <a:extLst>
+                <a:ext uri="{FF2B5EF4-FFF2-40B4-BE49-F238E27FC236}">
+                  <a16:creationId xmlns:a16="http://schemas.microsoft.com/office/drawing/2014/main" id="{61F12654-FFC9-0249-A085-78258B6584D0}"/>
+                </a:ext>
+              </a:extLst>
+            </p:cNvPr>
+            <p:cNvSpPr txBox="1"/>
+            <p:nvPr/>
+          </p:nvSpPr>
+          <p:spPr>
+            <a:xfrm>
+              <a:off x="5704572" y="3076876"/>
+              <a:ext cx="292068" cy="369332"/>
+            </a:xfrm>
+            <a:prstGeom prst="rect">
+              <a:avLst/>
+            </a:prstGeom>
+            <a:noFill/>
+          </p:spPr>
+          <p:txBody>
+            <a:bodyPr wrap="none" rtlCol="0">
+              <a:spAutoFit/>
+            </a:bodyPr>
+            <a:lstStyle/>
+            <a:p>
+              <a:r>
+                <a:rPr kumimoji="1" lang="en-US" altLang="zh-CN" dirty="0"/>
+                <a:t>y</a:t>
+              </a:r>
+              <a:endParaRPr kumimoji="1" lang="zh-CN" altLang="en-US" dirty="0"/>
+            </a:p>
+          </p:txBody>
+        </p:sp>
+      </p:grpSp>
+      <p:sp>
+        <p:nvSpPr>
+          <p:cNvPr id="52" name="文本框 51">
+            <a:extLst>
+              <a:ext uri="{FF2B5EF4-FFF2-40B4-BE49-F238E27FC236}">
+                <a16:creationId xmlns:a16="http://schemas.microsoft.com/office/drawing/2014/main" id="{3C306E0B-F9F2-CA42-808B-5C3537D85407}"/>
+              </a:ext>
+            </a:extLst>
+          </p:cNvPr>
+          <p:cNvSpPr txBox="1"/>
+          <p:nvPr/>
+        </p:nvSpPr>
+        <p:spPr>
+          <a:xfrm>
+            <a:off x="2390503" y="7556393"/>
+            <a:ext cx="356188" cy="369332"/>
+          </a:xfrm>
+          <a:prstGeom prst="rect">
+            <a:avLst/>
+          </a:prstGeom>
+          <a:noFill/>
+        </p:spPr>
+        <p:txBody>
+          <a:bodyPr wrap="none" rtlCol="0">
+            <a:spAutoFit/>
+          </a:bodyPr>
+          <a:lstStyle/>
+          <a:p>
             <a:r>
               <a:rPr kumimoji="1" lang="en-US" altLang="zh-CN" dirty="0"/>
-              <a:t>2</a:t>
+              <a:t>(c</a:t>
             </a:r>
-            <a:r>
-              <a:rPr kumimoji="1" lang="zh-CN" altLang="en-US" dirty="0"/>
-              <a:t>个）</a:t>
-            </a:r>
+            <a:endParaRPr kumimoji="1" lang="zh-CN" altLang="en-US" dirty="0"/>
           </a:p>
         </p:txBody>
       </p:sp>
+      <p:cxnSp>
+        <p:nvCxnSpPr>
+          <p:cNvPr id="54" name="直线连接符 53">
+            <a:extLst>
+              <a:ext uri="{FF2B5EF4-FFF2-40B4-BE49-F238E27FC236}">
+                <a16:creationId xmlns:a16="http://schemas.microsoft.com/office/drawing/2014/main" id="{1EA0F946-9168-8E48-ADFF-27E72BCDF7E2}"/>
+              </a:ext>
+            </a:extLst>
+          </p:cNvPr>
+          <p:cNvCxnSpPr>
+            <a:cxnSpLocks/>
+            <a:stCxn id="48" idx="1"/>
+            <a:endCxn id="48" idx="0"/>
+          </p:cNvCxnSpPr>
+          <p:nvPr/>
+        </p:nvCxnSpPr>
+        <p:spPr>
+          <a:xfrm flipV="1">
+            <a:off x="3466693" y="5471279"/>
+            <a:ext cx="979013" cy="1763426"/>
+          </a:xfrm>
+          <a:prstGeom prst="line">
+            <a:avLst/>
+          </a:prstGeom>
+          <a:ln w="19050">
+            <a:solidFill>
+              <a:srgbClr val="00B0F0"/>
+            </a:solidFill>
+          </a:ln>
+        </p:spPr>
+        <p:style>
+          <a:lnRef idx="1">
+            <a:schemeClr val="accent1"/>
+          </a:lnRef>
+          <a:fillRef idx="0">
+            <a:schemeClr val="accent1"/>
+          </a:fillRef>
+          <a:effectRef idx="0">
+            <a:schemeClr val="accent1"/>
+          </a:effectRef>
+          <a:fontRef idx="minor">
+            <a:schemeClr val="tx1"/>
+          </a:fontRef>
+        </p:style>
+      </p:cxnSp>
+      <p:cxnSp>
+        <p:nvCxnSpPr>
+          <p:cNvPr id="56" name="直线连接符 55">
+            <a:extLst>
+              <a:ext uri="{FF2B5EF4-FFF2-40B4-BE49-F238E27FC236}">
+                <a16:creationId xmlns:a16="http://schemas.microsoft.com/office/drawing/2014/main" id="{BDE09F62-9DA0-E746-99AD-1099E1AD767D}"/>
+              </a:ext>
+            </a:extLst>
+          </p:cNvPr>
+          <p:cNvCxnSpPr>
+            <a:cxnSpLocks/>
+            <a:stCxn id="48" idx="3"/>
+            <a:endCxn id="48" idx="4"/>
+          </p:cNvCxnSpPr>
+          <p:nvPr/>
+        </p:nvCxnSpPr>
+        <p:spPr>
+          <a:xfrm flipV="1">
+            <a:off x="1498199" y="4947284"/>
+            <a:ext cx="251394" cy="2181887"/>
+          </a:xfrm>
+          <a:prstGeom prst="line">
+            <a:avLst/>
+          </a:prstGeom>
+          <a:ln w="19050">
+            <a:solidFill>
+              <a:srgbClr val="00B0F0"/>
+            </a:solidFill>
+          </a:ln>
+        </p:spPr>
+        <p:style>
+          <a:lnRef idx="1">
+            <a:schemeClr val="accent1"/>
+          </a:lnRef>
+          <a:fillRef idx="0">
+            <a:schemeClr val="accent1"/>
+          </a:fillRef>
+          <a:effectRef idx="0">
+            <a:schemeClr val="accent1"/>
+          </a:effectRef>
+          <a:fontRef idx="minor">
+            <a:schemeClr val="tx1"/>
+          </a:fontRef>
+        </p:style>
+      </p:cxnSp>
+      <p:cxnSp>
+        <p:nvCxnSpPr>
+          <p:cNvPr id="58" name="直线连接符 57">
+            <a:extLst>
+              <a:ext uri="{FF2B5EF4-FFF2-40B4-BE49-F238E27FC236}">
+                <a16:creationId xmlns:a16="http://schemas.microsoft.com/office/drawing/2014/main" id="{D0C876D6-5FE6-0F41-8D4F-3F41FC167E26}"/>
+              </a:ext>
+            </a:extLst>
+          </p:cNvPr>
+          <p:cNvCxnSpPr>
+            <a:cxnSpLocks/>
+          </p:cNvCxnSpPr>
+          <p:nvPr/>
+        </p:nvCxnSpPr>
+        <p:spPr>
+          <a:xfrm>
+            <a:off x="1498199" y="6985478"/>
+            <a:ext cx="251394" cy="0"/>
+          </a:xfrm>
+          <a:prstGeom prst="line">
+            <a:avLst/>
+          </a:prstGeom>
+          <a:ln w="12700">
+            <a:solidFill>
+              <a:schemeClr val="accent6"/>
+            </a:solidFill>
+          </a:ln>
+        </p:spPr>
+        <p:style>
+          <a:lnRef idx="1">
+            <a:schemeClr val="accent1"/>
+          </a:lnRef>
+          <a:fillRef idx="0">
+            <a:schemeClr val="accent1"/>
+          </a:fillRef>
+          <a:effectRef idx="0">
+            <a:schemeClr val="accent1"/>
+          </a:effectRef>
+          <a:fontRef idx="minor">
+            <a:schemeClr val="tx1"/>
+          </a:fontRef>
+        </p:style>
+      </p:cxnSp>
+      <p:cxnSp>
+        <p:nvCxnSpPr>
+          <p:cNvPr id="62" name="直线连接符 61">
+            <a:extLst>
+              <a:ext uri="{FF2B5EF4-FFF2-40B4-BE49-F238E27FC236}">
+                <a16:creationId xmlns:a16="http://schemas.microsoft.com/office/drawing/2014/main" id="{CBB14099-3796-0948-993C-52A33CD3005D}"/>
+              </a:ext>
+            </a:extLst>
+          </p:cNvPr>
+          <p:cNvCxnSpPr>
+            <a:cxnSpLocks/>
+          </p:cNvCxnSpPr>
+          <p:nvPr/>
+        </p:nvCxnSpPr>
+        <p:spPr>
+          <a:xfrm>
+            <a:off x="1519968" y="6850494"/>
+            <a:ext cx="432000" cy="0"/>
+          </a:xfrm>
+          <a:prstGeom prst="line">
+            <a:avLst/>
+          </a:prstGeom>
+          <a:ln w="12700">
+            <a:solidFill>
+              <a:schemeClr val="accent6"/>
+            </a:solidFill>
+          </a:ln>
+        </p:spPr>
+        <p:style>
+          <a:lnRef idx="1">
+            <a:schemeClr val="accent1"/>
+          </a:lnRef>
+          <a:fillRef idx="0">
+            <a:schemeClr val="accent1"/>
+          </a:fillRef>
+          <a:effectRef idx="0">
+            <a:schemeClr val="accent1"/>
+          </a:effectRef>
+          <a:fontRef idx="minor">
+            <a:schemeClr val="tx1"/>
+          </a:fontRef>
+        </p:style>
+      </p:cxnSp>
+      <p:cxnSp>
+        <p:nvCxnSpPr>
+          <p:cNvPr id="64" name="直线连接符 63">
+            <a:extLst>
+              <a:ext uri="{FF2B5EF4-FFF2-40B4-BE49-F238E27FC236}">
+                <a16:creationId xmlns:a16="http://schemas.microsoft.com/office/drawing/2014/main" id="{3DFE45D6-3027-1946-B03F-6D780179533F}"/>
+              </a:ext>
+            </a:extLst>
+          </p:cNvPr>
+          <p:cNvCxnSpPr>
+            <a:cxnSpLocks/>
+          </p:cNvCxnSpPr>
+          <p:nvPr/>
+        </p:nvCxnSpPr>
+        <p:spPr>
+          <a:xfrm>
+            <a:off x="1569492" y="6663260"/>
+            <a:ext cx="612000" cy="0"/>
+          </a:xfrm>
+          <a:prstGeom prst="line">
+            <a:avLst/>
+          </a:prstGeom>
+          <a:ln w="12700">
+            <a:solidFill>
+              <a:schemeClr val="accent6"/>
+            </a:solidFill>
+          </a:ln>
+        </p:spPr>
+        <p:style>
+          <a:lnRef idx="1">
+            <a:schemeClr val="accent1"/>
+          </a:lnRef>
+          <a:fillRef idx="0">
+            <a:schemeClr val="accent1"/>
+          </a:fillRef>
+          <a:effectRef idx="0">
+            <a:schemeClr val="accent1"/>
+          </a:effectRef>
+          <a:fontRef idx="minor">
+            <a:schemeClr val="tx1"/>
+          </a:fontRef>
+        </p:style>
+      </p:cxnSp>
+      <p:cxnSp>
+        <p:nvCxnSpPr>
+          <p:cNvPr id="65" name="直线连接符 64">
+            <a:extLst>
+              <a:ext uri="{FF2B5EF4-FFF2-40B4-BE49-F238E27FC236}">
+                <a16:creationId xmlns:a16="http://schemas.microsoft.com/office/drawing/2014/main" id="{34AD8983-2CE9-2E4C-8371-B1527293B621}"/>
+              </a:ext>
+            </a:extLst>
+          </p:cNvPr>
+          <p:cNvCxnSpPr>
+            <a:cxnSpLocks/>
+          </p:cNvCxnSpPr>
+          <p:nvPr/>
+        </p:nvCxnSpPr>
+        <p:spPr>
+          <a:xfrm>
+            <a:off x="1569492" y="6467971"/>
+            <a:ext cx="900000" cy="0"/>
+          </a:xfrm>
+          <a:prstGeom prst="line">
+            <a:avLst/>
+          </a:prstGeom>
+          <a:ln w="12700">
+            <a:solidFill>
+              <a:schemeClr val="accent6"/>
+            </a:solidFill>
+          </a:ln>
+        </p:spPr>
+        <p:style>
+          <a:lnRef idx="1">
+            <a:schemeClr val="accent1"/>
+          </a:lnRef>
+          <a:fillRef idx="0">
+            <a:schemeClr val="accent1"/>
+          </a:fillRef>
+          <a:effectRef idx="0">
+            <a:schemeClr val="accent1"/>
+          </a:effectRef>
+          <a:fontRef idx="minor">
+            <a:schemeClr val="tx1"/>
+          </a:fontRef>
+        </p:style>
+      </p:cxnSp>
+      <p:cxnSp>
+        <p:nvCxnSpPr>
+          <p:cNvPr id="66" name="直线连接符 65">
+            <a:extLst>
+              <a:ext uri="{FF2B5EF4-FFF2-40B4-BE49-F238E27FC236}">
+                <a16:creationId xmlns:a16="http://schemas.microsoft.com/office/drawing/2014/main" id="{133FF2FE-F7EB-E244-9572-9729D92ACDF5}"/>
+              </a:ext>
+            </a:extLst>
+          </p:cNvPr>
+          <p:cNvCxnSpPr>
+            <a:cxnSpLocks/>
+          </p:cNvCxnSpPr>
+          <p:nvPr/>
+        </p:nvCxnSpPr>
+        <p:spPr>
+          <a:xfrm>
+            <a:off x="1578195" y="6311306"/>
+            <a:ext cx="1116000" cy="0"/>
+          </a:xfrm>
+          <a:prstGeom prst="line">
+            <a:avLst/>
+          </a:prstGeom>
+          <a:ln w="12700">
+            <a:solidFill>
+              <a:schemeClr val="accent6"/>
+            </a:solidFill>
+          </a:ln>
+        </p:spPr>
+        <p:style>
+          <a:lnRef idx="1">
+            <a:schemeClr val="accent1"/>
+          </a:lnRef>
+          <a:fillRef idx="0">
+            <a:schemeClr val="accent1"/>
+          </a:fillRef>
+          <a:effectRef idx="0">
+            <a:schemeClr val="accent1"/>
+          </a:effectRef>
+          <a:fontRef idx="minor">
+            <a:schemeClr val="tx1"/>
+          </a:fontRef>
+        </p:style>
+      </p:cxnSp>
+      <p:cxnSp>
+        <p:nvCxnSpPr>
+          <p:cNvPr id="67" name="直线连接符 66">
+            <a:extLst>
+              <a:ext uri="{FF2B5EF4-FFF2-40B4-BE49-F238E27FC236}">
+                <a16:creationId xmlns:a16="http://schemas.microsoft.com/office/drawing/2014/main" id="{0CD366E0-D067-CD4F-BA6E-D144D7BF7163}"/>
+              </a:ext>
+            </a:extLst>
+          </p:cNvPr>
+          <p:cNvCxnSpPr>
+            <a:cxnSpLocks/>
+          </p:cNvCxnSpPr>
+          <p:nvPr/>
+        </p:nvCxnSpPr>
+        <p:spPr>
+          <a:xfrm>
+            <a:off x="3335712" y="6994185"/>
+            <a:ext cx="251394" cy="0"/>
+          </a:xfrm>
+          <a:prstGeom prst="line">
+            <a:avLst/>
+          </a:prstGeom>
+          <a:ln w="12700">
+            <a:solidFill>
+              <a:schemeClr val="accent6"/>
+            </a:solidFill>
+          </a:ln>
+        </p:spPr>
+        <p:style>
+          <a:lnRef idx="1">
+            <a:schemeClr val="accent1"/>
+          </a:lnRef>
+          <a:fillRef idx="0">
+            <a:schemeClr val="accent1"/>
+          </a:fillRef>
+          <a:effectRef idx="0">
+            <a:schemeClr val="accent1"/>
+          </a:effectRef>
+          <a:fontRef idx="minor">
+            <a:schemeClr val="tx1"/>
+          </a:fontRef>
+        </p:style>
+      </p:cxnSp>
+      <p:cxnSp>
+        <p:nvCxnSpPr>
+          <p:cNvPr id="68" name="直线连接符 67">
+            <a:extLst>
+              <a:ext uri="{FF2B5EF4-FFF2-40B4-BE49-F238E27FC236}">
+                <a16:creationId xmlns:a16="http://schemas.microsoft.com/office/drawing/2014/main" id="{6EDA84AB-E155-E045-B60E-48933F6D9D53}"/>
+              </a:ext>
+            </a:extLst>
+          </p:cNvPr>
+          <p:cNvCxnSpPr>
+            <a:cxnSpLocks/>
+          </p:cNvCxnSpPr>
+          <p:nvPr/>
+        </p:nvCxnSpPr>
+        <p:spPr>
+          <a:xfrm>
+            <a:off x="3252977" y="6859201"/>
+            <a:ext cx="432000" cy="0"/>
+          </a:xfrm>
+          <a:prstGeom prst="line">
+            <a:avLst/>
+          </a:prstGeom>
+          <a:ln w="12700">
+            <a:solidFill>
+              <a:schemeClr val="accent6"/>
+            </a:solidFill>
+          </a:ln>
+        </p:spPr>
+        <p:style>
+          <a:lnRef idx="1">
+            <a:schemeClr val="accent1"/>
+          </a:lnRef>
+          <a:fillRef idx="0">
+            <a:schemeClr val="accent1"/>
+          </a:fillRef>
+          <a:effectRef idx="0">
+            <a:schemeClr val="accent1"/>
+          </a:effectRef>
+          <a:fontRef idx="minor">
+            <a:schemeClr val="tx1"/>
+          </a:fontRef>
+        </p:style>
+      </p:cxnSp>
+      <p:cxnSp>
+        <p:nvCxnSpPr>
+          <p:cNvPr id="69" name="直线连接符 68">
+            <a:extLst>
+              <a:ext uri="{FF2B5EF4-FFF2-40B4-BE49-F238E27FC236}">
+                <a16:creationId xmlns:a16="http://schemas.microsoft.com/office/drawing/2014/main" id="{40D26FE7-42FA-2C42-A533-2967A555A4FF}"/>
+              </a:ext>
+            </a:extLst>
+          </p:cNvPr>
+          <p:cNvCxnSpPr>
+            <a:cxnSpLocks/>
+          </p:cNvCxnSpPr>
+          <p:nvPr/>
+        </p:nvCxnSpPr>
+        <p:spPr>
+          <a:xfrm>
+            <a:off x="3158808" y="6671967"/>
+            <a:ext cx="612000" cy="0"/>
+          </a:xfrm>
+          <a:prstGeom prst="line">
+            <a:avLst/>
+          </a:prstGeom>
+          <a:ln w="12700">
+            <a:solidFill>
+              <a:schemeClr val="accent6"/>
+            </a:solidFill>
+          </a:ln>
+        </p:spPr>
+        <p:style>
+          <a:lnRef idx="1">
+            <a:schemeClr val="accent1"/>
+          </a:lnRef>
+          <a:fillRef idx="0">
+            <a:schemeClr val="accent1"/>
+          </a:fillRef>
+          <a:effectRef idx="0">
+            <a:schemeClr val="accent1"/>
+          </a:effectRef>
+          <a:fontRef idx="minor">
+            <a:schemeClr val="tx1"/>
+          </a:fontRef>
+        </p:style>
+      </p:cxnSp>
+      <p:cxnSp>
+        <p:nvCxnSpPr>
+          <p:cNvPr id="70" name="直线连接符 69">
+            <a:extLst>
+              <a:ext uri="{FF2B5EF4-FFF2-40B4-BE49-F238E27FC236}">
+                <a16:creationId xmlns:a16="http://schemas.microsoft.com/office/drawing/2014/main" id="{A6C5DF15-F0C8-D24A-89D2-BDE8085F22CA}"/>
+              </a:ext>
+            </a:extLst>
+          </p:cNvPr>
+          <p:cNvCxnSpPr>
+            <a:cxnSpLocks/>
+          </p:cNvCxnSpPr>
+          <p:nvPr/>
+        </p:nvCxnSpPr>
+        <p:spPr>
+          <a:xfrm>
+            <a:off x="3015117" y="6476678"/>
+            <a:ext cx="900000" cy="0"/>
+          </a:xfrm>
+          <a:prstGeom prst="line">
+            <a:avLst/>
+          </a:prstGeom>
+          <a:ln w="12700">
+            <a:solidFill>
+              <a:schemeClr val="accent6"/>
+            </a:solidFill>
+          </a:ln>
+        </p:spPr>
+        <p:style>
+          <a:lnRef idx="1">
+            <a:schemeClr val="accent1"/>
+          </a:lnRef>
+          <a:fillRef idx="0">
+            <a:schemeClr val="accent1"/>
+          </a:fillRef>
+          <a:effectRef idx="0">
+            <a:schemeClr val="accent1"/>
+          </a:effectRef>
+          <a:fontRef idx="minor">
+            <a:schemeClr val="tx1"/>
+          </a:fontRef>
+        </p:style>
+      </p:cxnSp>
+      <p:cxnSp>
+        <p:nvCxnSpPr>
+          <p:cNvPr id="71" name="直线连接符 70">
+            <a:extLst>
+              <a:ext uri="{FF2B5EF4-FFF2-40B4-BE49-F238E27FC236}">
+                <a16:creationId xmlns:a16="http://schemas.microsoft.com/office/drawing/2014/main" id="{FD4A4115-8C18-874B-8871-22F284FC0EBF}"/>
+              </a:ext>
+            </a:extLst>
+          </p:cNvPr>
+          <p:cNvCxnSpPr>
+            <a:cxnSpLocks/>
+          </p:cNvCxnSpPr>
+          <p:nvPr/>
+        </p:nvCxnSpPr>
+        <p:spPr>
+          <a:xfrm>
+            <a:off x="2958506" y="6320013"/>
+            <a:ext cx="1008000" cy="0"/>
+          </a:xfrm>
+          <a:prstGeom prst="line">
+            <a:avLst/>
+          </a:prstGeom>
+          <a:ln w="12700">
+            <a:solidFill>
+              <a:schemeClr val="accent6"/>
+            </a:solidFill>
+          </a:ln>
+        </p:spPr>
+        <p:style>
+          <a:lnRef idx="1">
+            <a:schemeClr val="accent1"/>
+          </a:lnRef>
+          <a:fillRef idx="0">
+            <a:schemeClr val="accent1"/>
+          </a:fillRef>
+          <a:effectRef idx="0">
+            <a:schemeClr val="accent1"/>
+          </a:effectRef>
+          <a:fontRef idx="minor">
+            <a:schemeClr val="tx1"/>
+          </a:fontRef>
+        </p:style>
+      </p:cxnSp>
+      <p:sp>
+        <p:nvSpPr>
+          <p:cNvPr id="88" name="任意形状 87">
+            <a:extLst>
+              <a:ext uri="{FF2B5EF4-FFF2-40B4-BE49-F238E27FC236}">
+                <a16:creationId xmlns:a16="http://schemas.microsoft.com/office/drawing/2014/main" id="{3D073AA1-87F9-B94C-BC20-ADB4803CB6EC}"/>
+              </a:ext>
+            </a:extLst>
+          </p:cNvPr>
+          <p:cNvSpPr/>
+          <p:nvPr/>
+        </p:nvSpPr>
+        <p:spPr>
+          <a:xfrm rot="7945484">
+            <a:off x="6486150" y="4618091"/>
+            <a:ext cx="3235983" cy="2810645"/>
+          </a:xfrm>
+          <a:custGeom>
+            <a:avLst/>
+            <a:gdLst>
+              <a:gd name="connsiteX0" fmla="*/ 18167 w 2476752"/>
+              <a:gd name="connsiteY0" fmla="*/ 320949 h 1931746"/>
+              <a:gd name="connsiteX1" fmla="*/ 1519963 w 2476752"/>
+              <a:gd name="connsiteY1" fmla="*/ 0 h 1931746"/>
+              <a:gd name="connsiteX2" fmla="*/ 1241404 w 2476752"/>
+              <a:gd name="connsiteY2" fmla="*/ 775121 h 1931746"/>
+              <a:gd name="connsiteX3" fmla="*/ 2476752 w 2476752"/>
+              <a:gd name="connsiteY3" fmla="*/ 1047624 h 1931746"/>
+              <a:gd name="connsiteX4" fmla="*/ 1114236 w 2476752"/>
+              <a:gd name="connsiteY4" fmla="*/ 1931746 h 1931746"/>
+              <a:gd name="connsiteX5" fmla="*/ 0 w 2476752"/>
+              <a:gd name="connsiteY5" fmla="*/ 1435184 h 1931746"/>
+              <a:gd name="connsiteX6" fmla="*/ 18167 w 2476752"/>
+              <a:gd name="connsiteY6" fmla="*/ 320949 h 1931746"/>
+            </a:gdLst>
+            <a:ahLst/>
+            <a:cxnLst>
+              <a:cxn ang="0">
+                <a:pos x="connsiteX0" y="connsiteY0"/>
+              </a:cxn>
+              <a:cxn ang="0">
+                <a:pos x="connsiteX1" y="connsiteY1"/>
+              </a:cxn>
+              <a:cxn ang="0">
+                <a:pos x="connsiteX2" y="connsiteY2"/>
+              </a:cxn>
+              <a:cxn ang="0">
+                <a:pos x="connsiteX3" y="connsiteY3"/>
+              </a:cxn>
+              <a:cxn ang="0">
+                <a:pos x="connsiteX4" y="connsiteY4"/>
+              </a:cxn>
+              <a:cxn ang="0">
+                <a:pos x="connsiteX5" y="connsiteY5"/>
+              </a:cxn>
+              <a:cxn ang="0">
+                <a:pos x="connsiteX6" y="connsiteY6"/>
+              </a:cxn>
+            </a:cxnLst>
+            <a:rect l="l" t="t" r="r" b="b"/>
+            <a:pathLst>
+              <a:path w="2476752" h="1931746">
+                <a:moveTo>
+                  <a:pt x="18167" y="320949"/>
+                </a:moveTo>
+                <a:lnTo>
+                  <a:pt x="1519963" y="0"/>
+                </a:lnTo>
+                <a:lnTo>
+                  <a:pt x="1241404" y="775121"/>
+                </a:lnTo>
+                <a:lnTo>
+                  <a:pt x="2476752" y="1047624"/>
+                </a:lnTo>
+                <a:lnTo>
+                  <a:pt x="1114236" y="1931746"/>
+                </a:lnTo>
+                <a:lnTo>
+                  <a:pt x="0" y="1435184"/>
+                </a:lnTo>
+                <a:lnTo>
+                  <a:pt x="18167" y="320949"/>
+                </a:lnTo>
+                <a:close/>
+              </a:path>
+            </a:pathLst>
+          </a:custGeom>
+          <a:noFill/>
+          <a:ln w="25400">
+            <a:solidFill>
+              <a:schemeClr val="accent2"/>
+            </a:solidFill>
+          </a:ln>
+        </p:spPr>
+        <p:style>
+          <a:lnRef idx="2">
+            <a:schemeClr val="accent1">
+              <a:shade val="50000"/>
+            </a:schemeClr>
+          </a:lnRef>
+          <a:fillRef idx="1">
+            <a:schemeClr val="accent1"/>
+          </a:fillRef>
+          <a:effectRef idx="0">
+            <a:schemeClr val="accent1"/>
+          </a:effectRef>
+          <a:fontRef idx="minor">
+            <a:schemeClr val="lt1"/>
+          </a:fontRef>
+        </p:style>
+        <p:txBody>
+          <a:bodyPr rot="0" spcFirstLastPara="0" vert="horz" wrap="square" lIns="91440" tIns="45720" rIns="91440" bIns="45720" numCol="1" spcCol="0" rtlCol="0" fromWordArt="0" anchor="ctr" anchorCtr="0" forceAA="0" compatLnSpc="1">
+            <a:prstTxWarp prst="textNoShape">
+              <a:avLst/>
+            </a:prstTxWarp>
+            <a:noAutofit/>
+          </a:bodyPr>
+          <a:lstStyle/>
+          <a:p>
+            <a:endParaRPr lang="zh-CN" altLang="en-US"/>
+          </a:p>
+        </p:txBody>
+      </p:sp>
+      <p:grpSp>
+        <p:nvGrpSpPr>
+          <p:cNvPr id="89" name="组合 88">
+            <a:extLst>
+              <a:ext uri="{FF2B5EF4-FFF2-40B4-BE49-F238E27FC236}">
+                <a16:creationId xmlns:a16="http://schemas.microsoft.com/office/drawing/2014/main" id="{4920F690-FEC6-3C42-A4BA-75704EDC0A29}"/>
+              </a:ext>
+            </a:extLst>
+          </p:cNvPr>
+          <p:cNvGrpSpPr/>
+          <p:nvPr/>
+        </p:nvGrpSpPr>
+        <p:grpSpPr>
+          <a:xfrm>
+            <a:off x="5816763" y="5285896"/>
+            <a:ext cx="4993908" cy="369332"/>
+            <a:chOff x="5704572" y="3076876"/>
+            <a:chExt cx="4993908" cy="369332"/>
+          </a:xfrm>
+        </p:grpSpPr>
+        <p:cxnSp>
+          <p:nvCxnSpPr>
+            <p:cNvPr id="90" name="直线连接符 89">
+              <a:extLst>
+                <a:ext uri="{FF2B5EF4-FFF2-40B4-BE49-F238E27FC236}">
+                  <a16:creationId xmlns:a16="http://schemas.microsoft.com/office/drawing/2014/main" id="{477ABA7D-7872-DC44-8B0C-EB67D222CBBA}"/>
+                </a:ext>
+              </a:extLst>
+            </p:cNvPr>
+            <p:cNvCxnSpPr>
+              <a:cxnSpLocks/>
+            </p:cNvCxnSpPr>
+            <p:nvPr/>
+          </p:nvCxnSpPr>
+          <p:spPr>
+            <a:xfrm>
+              <a:off x="6258439" y="3261542"/>
+              <a:ext cx="4440041" cy="0"/>
+            </a:xfrm>
+            <a:prstGeom prst="line">
+              <a:avLst/>
+            </a:prstGeom>
+            <a:ln w="19050">
+              <a:solidFill>
+                <a:srgbClr val="FF0000"/>
+              </a:solidFill>
+            </a:ln>
+          </p:spPr>
+          <p:style>
+            <a:lnRef idx="1">
+              <a:schemeClr val="accent1"/>
+            </a:lnRef>
+            <a:fillRef idx="0">
+              <a:schemeClr val="accent1"/>
+            </a:fillRef>
+            <a:effectRef idx="0">
+              <a:schemeClr val="accent1"/>
+            </a:effectRef>
+            <a:fontRef idx="minor">
+              <a:schemeClr val="tx1"/>
+            </a:fontRef>
+          </p:style>
+        </p:cxnSp>
+        <p:sp>
+          <p:nvSpPr>
+            <p:cNvPr id="91" name="文本框 90">
+              <a:extLst>
+                <a:ext uri="{FF2B5EF4-FFF2-40B4-BE49-F238E27FC236}">
+                  <a16:creationId xmlns:a16="http://schemas.microsoft.com/office/drawing/2014/main" id="{654BE31C-AFDB-6F47-8772-5A2DE8F7137D}"/>
+                </a:ext>
+              </a:extLst>
+            </p:cNvPr>
+            <p:cNvSpPr txBox="1"/>
+            <p:nvPr/>
+          </p:nvSpPr>
+          <p:spPr>
+            <a:xfrm>
+              <a:off x="5704572" y="3076876"/>
+              <a:ext cx="292068" cy="369332"/>
+            </a:xfrm>
+            <a:prstGeom prst="rect">
+              <a:avLst/>
+            </a:prstGeom>
+            <a:noFill/>
+          </p:spPr>
+          <p:txBody>
+            <a:bodyPr wrap="none" rtlCol="0">
+              <a:spAutoFit/>
+            </a:bodyPr>
+            <a:lstStyle/>
+            <a:p>
+              <a:r>
+                <a:rPr kumimoji="1" lang="en-US" altLang="zh-CN" dirty="0"/>
+                <a:t>y</a:t>
+              </a:r>
+              <a:endParaRPr kumimoji="1" lang="zh-CN" altLang="en-US" dirty="0"/>
+            </a:p>
+          </p:txBody>
+        </p:sp>
+      </p:grpSp>
+      <p:sp>
+        <p:nvSpPr>
+          <p:cNvPr id="92" name="文本框 91">
+            <a:extLst>
+              <a:ext uri="{FF2B5EF4-FFF2-40B4-BE49-F238E27FC236}">
+                <a16:creationId xmlns:a16="http://schemas.microsoft.com/office/drawing/2014/main" id="{EBFF1522-976F-7C47-87C7-4D71F18246F6}"/>
+              </a:ext>
+            </a:extLst>
+          </p:cNvPr>
+          <p:cNvSpPr txBox="1"/>
+          <p:nvPr/>
+        </p:nvSpPr>
+        <p:spPr>
+          <a:xfrm>
+            <a:off x="7817113" y="7564736"/>
+            <a:ext cx="385042" cy="369332"/>
+          </a:xfrm>
+          <a:prstGeom prst="rect">
+            <a:avLst/>
+          </a:prstGeom>
+          <a:noFill/>
+        </p:spPr>
+        <p:txBody>
+          <a:bodyPr wrap="none" rtlCol="0">
+            <a:spAutoFit/>
+          </a:bodyPr>
+          <a:lstStyle/>
+          <a:p>
+            <a:r>
+              <a:rPr kumimoji="1" lang="en-US" altLang="zh-CN" dirty="0"/>
+              <a:t>(d</a:t>
+            </a:r>
+            <a:endParaRPr kumimoji="1" lang="zh-CN" altLang="en-US" dirty="0"/>
+          </a:p>
+        </p:txBody>
+      </p:sp>
+      <p:cxnSp>
+        <p:nvCxnSpPr>
+          <p:cNvPr id="94" name="直线连接符 93">
+            <a:extLst>
+              <a:ext uri="{FF2B5EF4-FFF2-40B4-BE49-F238E27FC236}">
+                <a16:creationId xmlns:a16="http://schemas.microsoft.com/office/drawing/2014/main" id="{989F56B2-A892-E641-B0E4-8B79CC007500}"/>
+              </a:ext>
+            </a:extLst>
+          </p:cNvPr>
+          <p:cNvCxnSpPr>
+            <a:cxnSpLocks/>
+            <a:stCxn id="88" idx="3"/>
+            <a:endCxn id="88" idx="4"/>
+          </p:cNvCxnSpPr>
+          <p:nvPr/>
+        </p:nvCxnSpPr>
+        <p:spPr>
+          <a:xfrm flipV="1">
+            <a:off x="6924809" y="4955627"/>
+            <a:ext cx="251394" cy="2181887"/>
+          </a:xfrm>
+          <a:prstGeom prst="line">
+            <a:avLst/>
+          </a:prstGeom>
+          <a:ln w="19050">
+            <a:solidFill>
+              <a:srgbClr val="00B0F0"/>
+            </a:solidFill>
+          </a:ln>
+        </p:spPr>
+        <p:style>
+          <a:lnRef idx="1">
+            <a:schemeClr val="accent1"/>
+          </a:lnRef>
+          <a:fillRef idx="0">
+            <a:schemeClr val="accent1"/>
+          </a:fillRef>
+          <a:effectRef idx="0">
+            <a:schemeClr val="accent1"/>
+          </a:effectRef>
+          <a:fontRef idx="minor">
+            <a:schemeClr val="tx1"/>
+          </a:fontRef>
+        </p:style>
+      </p:cxnSp>
+      <p:cxnSp>
+        <p:nvCxnSpPr>
+          <p:cNvPr id="95" name="直线连接符 94">
+            <a:extLst>
+              <a:ext uri="{FF2B5EF4-FFF2-40B4-BE49-F238E27FC236}">
+                <a16:creationId xmlns:a16="http://schemas.microsoft.com/office/drawing/2014/main" id="{B68E57F4-EE2C-8E43-883B-484DDFF852F0}"/>
+              </a:ext>
+            </a:extLst>
+          </p:cNvPr>
+          <p:cNvCxnSpPr>
+            <a:cxnSpLocks/>
+          </p:cNvCxnSpPr>
+          <p:nvPr/>
+        </p:nvCxnSpPr>
+        <p:spPr>
+          <a:xfrm>
+            <a:off x="6924809" y="6993821"/>
+            <a:ext cx="251394" cy="0"/>
+          </a:xfrm>
+          <a:prstGeom prst="line">
+            <a:avLst/>
+          </a:prstGeom>
+          <a:ln w="12700">
+            <a:solidFill>
+              <a:schemeClr val="accent6"/>
+            </a:solidFill>
+          </a:ln>
+        </p:spPr>
+        <p:style>
+          <a:lnRef idx="1">
+            <a:schemeClr val="accent1"/>
+          </a:lnRef>
+          <a:fillRef idx="0">
+            <a:schemeClr val="accent1"/>
+          </a:fillRef>
+          <a:effectRef idx="0">
+            <a:schemeClr val="accent1"/>
+          </a:effectRef>
+          <a:fontRef idx="minor">
+            <a:schemeClr val="tx1"/>
+          </a:fontRef>
+        </p:style>
+      </p:cxnSp>
+      <p:cxnSp>
+        <p:nvCxnSpPr>
+          <p:cNvPr id="96" name="直线连接符 95">
+            <a:extLst>
+              <a:ext uri="{FF2B5EF4-FFF2-40B4-BE49-F238E27FC236}">
+                <a16:creationId xmlns:a16="http://schemas.microsoft.com/office/drawing/2014/main" id="{77917D81-B6F1-CC4D-9095-D884BBAFAAA3}"/>
+              </a:ext>
+            </a:extLst>
+          </p:cNvPr>
+          <p:cNvCxnSpPr>
+            <a:cxnSpLocks/>
+          </p:cNvCxnSpPr>
+          <p:nvPr/>
+        </p:nvCxnSpPr>
+        <p:spPr>
+          <a:xfrm>
+            <a:off x="6946578" y="6858837"/>
+            <a:ext cx="432000" cy="0"/>
+          </a:xfrm>
+          <a:prstGeom prst="line">
+            <a:avLst/>
+          </a:prstGeom>
+          <a:ln w="12700">
+            <a:solidFill>
+              <a:schemeClr val="accent6"/>
+            </a:solidFill>
+          </a:ln>
+        </p:spPr>
+        <p:style>
+          <a:lnRef idx="1">
+            <a:schemeClr val="accent1"/>
+          </a:lnRef>
+          <a:fillRef idx="0">
+            <a:schemeClr val="accent1"/>
+          </a:fillRef>
+          <a:effectRef idx="0">
+            <a:schemeClr val="accent1"/>
+          </a:effectRef>
+          <a:fontRef idx="minor">
+            <a:schemeClr val="tx1"/>
+          </a:fontRef>
+        </p:style>
+      </p:cxnSp>
+      <p:cxnSp>
+        <p:nvCxnSpPr>
+          <p:cNvPr id="97" name="直线连接符 96">
+            <a:extLst>
+              <a:ext uri="{FF2B5EF4-FFF2-40B4-BE49-F238E27FC236}">
+                <a16:creationId xmlns:a16="http://schemas.microsoft.com/office/drawing/2014/main" id="{537698C7-E929-B543-8F08-959FDA262E06}"/>
+              </a:ext>
+            </a:extLst>
+          </p:cNvPr>
+          <p:cNvCxnSpPr>
+            <a:cxnSpLocks/>
+          </p:cNvCxnSpPr>
+          <p:nvPr/>
+        </p:nvCxnSpPr>
+        <p:spPr>
+          <a:xfrm>
+            <a:off x="6996102" y="6671603"/>
+            <a:ext cx="612000" cy="0"/>
+          </a:xfrm>
+          <a:prstGeom prst="line">
+            <a:avLst/>
+          </a:prstGeom>
+          <a:ln w="12700">
+            <a:solidFill>
+              <a:schemeClr val="accent6"/>
+            </a:solidFill>
+          </a:ln>
+        </p:spPr>
+        <p:style>
+          <a:lnRef idx="1">
+            <a:schemeClr val="accent1"/>
+          </a:lnRef>
+          <a:fillRef idx="0">
+            <a:schemeClr val="accent1"/>
+          </a:fillRef>
+          <a:effectRef idx="0">
+            <a:schemeClr val="accent1"/>
+          </a:effectRef>
+          <a:fontRef idx="minor">
+            <a:schemeClr val="tx1"/>
+          </a:fontRef>
+        </p:style>
+      </p:cxnSp>
+      <p:cxnSp>
+        <p:nvCxnSpPr>
+          <p:cNvPr id="98" name="直线连接符 97">
+            <a:extLst>
+              <a:ext uri="{FF2B5EF4-FFF2-40B4-BE49-F238E27FC236}">
+                <a16:creationId xmlns:a16="http://schemas.microsoft.com/office/drawing/2014/main" id="{53EA1696-C5CE-C64D-8ABF-5BAACBE22322}"/>
+              </a:ext>
+            </a:extLst>
+          </p:cNvPr>
+          <p:cNvCxnSpPr>
+            <a:cxnSpLocks/>
+          </p:cNvCxnSpPr>
+          <p:nvPr/>
+        </p:nvCxnSpPr>
+        <p:spPr>
+          <a:xfrm>
+            <a:off x="6996102" y="6476314"/>
+            <a:ext cx="900000" cy="0"/>
+          </a:xfrm>
+          <a:prstGeom prst="line">
+            <a:avLst/>
+          </a:prstGeom>
+          <a:ln w="12700">
+            <a:solidFill>
+              <a:schemeClr val="accent6"/>
+            </a:solidFill>
+          </a:ln>
+        </p:spPr>
+        <p:style>
+          <a:lnRef idx="1">
+            <a:schemeClr val="accent1"/>
+          </a:lnRef>
+          <a:fillRef idx="0">
+            <a:schemeClr val="accent1"/>
+          </a:fillRef>
+          <a:effectRef idx="0">
+            <a:schemeClr val="accent1"/>
+          </a:effectRef>
+          <a:fontRef idx="minor">
+            <a:schemeClr val="tx1"/>
+          </a:fontRef>
+        </p:style>
+      </p:cxnSp>
+      <p:cxnSp>
+        <p:nvCxnSpPr>
+          <p:cNvPr id="99" name="直线连接符 98">
+            <a:extLst>
+              <a:ext uri="{FF2B5EF4-FFF2-40B4-BE49-F238E27FC236}">
+                <a16:creationId xmlns:a16="http://schemas.microsoft.com/office/drawing/2014/main" id="{06D7458A-7EF1-7E4E-96C7-282A2A03EB7B}"/>
+              </a:ext>
+            </a:extLst>
+          </p:cNvPr>
+          <p:cNvCxnSpPr>
+            <a:cxnSpLocks/>
+          </p:cNvCxnSpPr>
+          <p:nvPr/>
+        </p:nvCxnSpPr>
+        <p:spPr>
+          <a:xfrm>
+            <a:off x="7004805" y="6319649"/>
+            <a:ext cx="1116000" cy="0"/>
+          </a:xfrm>
+          <a:prstGeom prst="line">
+            <a:avLst/>
+          </a:prstGeom>
+          <a:ln w="12700">
+            <a:solidFill>
+              <a:schemeClr val="accent6"/>
+            </a:solidFill>
+          </a:ln>
+        </p:spPr>
+        <p:style>
+          <a:lnRef idx="1">
+            <a:schemeClr val="accent1"/>
+          </a:lnRef>
+          <a:fillRef idx="0">
+            <a:schemeClr val="accent1"/>
+          </a:fillRef>
+          <a:effectRef idx="0">
+            <a:schemeClr val="accent1"/>
+          </a:effectRef>
+          <a:fontRef idx="minor">
+            <a:schemeClr val="tx1"/>
+          </a:fontRef>
+        </p:style>
+      </p:cxnSp>
+      <p:cxnSp>
+        <p:nvCxnSpPr>
+          <p:cNvPr id="100" name="直线连接符 99">
+            <a:extLst>
+              <a:ext uri="{FF2B5EF4-FFF2-40B4-BE49-F238E27FC236}">
+                <a16:creationId xmlns:a16="http://schemas.microsoft.com/office/drawing/2014/main" id="{F61491B2-129D-8A45-B24F-502A722BED2B}"/>
+              </a:ext>
+            </a:extLst>
+          </p:cNvPr>
+          <p:cNvCxnSpPr>
+            <a:cxnSpLocks/>
+          </p:cNvCxnSpPr>
+          <p:nvPr/>
+        </p:nvCxnSpPr>
+        <p:spPr>
+          <a:xfrm>
+            <a:off x="8762322" y="7002528"/>
+            <a:ext cx="251394" cy="0"/>
+          </a:xfrm>
+          <a:prstGeom prst="line">
+            <a:avLst/>
+          </a:prstGeom>
+          <a:ln w="12700">
+            <a:solidFill>
+              <a:schemeClr val="accent6"/>
+            </a:solidFill>
+          </a:ln>
+        </p:spPr>
+        <p:style>
+          <a:lnRef idx="1">
+            <a:schemeClr val="accent1"/>
+          </a:lnRef>
+          <a:fillRef idx="0">
+            <a:schemeClr val="accent1"/>
+          </a:fillRef>
+          <a:effectRef idx="0">
+            <a:schemeClr val="accent1"/>
+          </a:effectRef>
+          <a:fontRef idx="minor">
+            <a:schemeClr val="tx1"/>
+          </a:fontRef>
+        </p:style>
+      </p:cxnSp>
+      <p:cxnSp>
+        <p:nvCxnSpPr>
+          <p:cNvPr id="101" name="直线连接符 100">
+            <a:extLst>
+              <a:ext uri="{FF2B5EF4-FFF2-40B4-BE49-F238E27FC236}">
+                <a16:creationId xmlns:a16="http://schemas.microsoft.com/office/drawing/2014/main" id="{1AEDB960-D25D-D14C-AD52-685331BCE45F}"/>
+              </a:ext>
+            </a:extLst>
+          </p:cNvPr>
+          <p:cNvCxnSpPr>
+            <a:cxnSpLocks/>
+          </p:cNvCxnSpPr>
+          <p:nvPr/>
+        </p:nvCxnSpPr>
+        <p:spPr>
+          <a:xfrm>
+            <a:off x="8679587" y="6867544"/>
+            <a:ext cx="432000" cy="0"/>
+          </a:xfrm>
+          <a:prstGeom prst="line">
+            <a:avLst/>
+          </a:prstGeom>
+          <a:ln w="12700">
+            <a:solidFill>
+              <a:schemeClr val="accent6"/>
+            </a:solidFill>
+          </a:ln>
+        </p:spPr>
+        <p:style>
+          <a:lnRef idx="1">
+            <a:schemeClr val="accent1"/>
+          </a:lnRef>
+          <a:fillRef idx="0">
+            <a:schemeClr val="accent1"/>
+          </a:fillRef>
+          <a:effectRef idx="0">
+            <a:schemeClr val="accent1"/>
+          </a:effectRef>
+          <a:fontRef idx="minor">
+            <a:schemeClr val="tx1"/>
+          </a:fontRef>
+        </p:style>
+      </p:cxnSp>
+      <p:cxnSp>
+        <p:nvCxnSpPr>
+          <p:cNvPr id="102" name="直线连接符 101">
+            <a:extLst>
+              <a:ext uri="{FF2B5EF4-FFF2-40B4-BE49-F238E27FC236}">
+                <a16:creationId xmlns:a16="http://schemas.microsoft.com/office/drawing/2014/main" id="{E4221B24-E9D9-E640-A89A-7D810D6C19D2}"/>
+              </a:ext>
+            </a:extLst>
+          </p:cNvPr>
+          <p:cNvCxnSpPr>
+            <a:cxnSpLocks/>
+          </p:cNvCxnSpPr>
+          <p:nvPr/>
+        </p:nvCxnSpPr>
+        <p:spPr>
+          <a:xfrm>
+            <a:off x="8585418" y="6680310"/>
+            <a:ext cx="612000" cy="0"/>
+          </a:xfrm>
+          <a:prstGeom prst="line">
+            <a:avLst/>
+          </a:prstGeom>
+          <a:ln w="12700">
+            <a:solidFill>
+              <a:schemeClr val="accent6"/>
+            </a:solidFill>
+          </a:ln>
+        </p:spPr>
+        <p:style>
+          <a:lnRef idx="1">
+            <a:schemeClr val="accent1"/>
+          </a:lnRef>
+          <a:fillRef idx="0">
+            <a:schemeClr val="accent1"/>
+          </a:fillRef>
+          <a:effectRef idx="0">
+            <a:schemeClr val="accent1"/>
+          </a:effectRef>
+          <a:fontRef idx="minor">
+            <a:schemeClr val="tx1"/>
+          </a:fontRef>
+        </p:style>
+      </p:cxnSp>
+      <p:cxnSp>
+        <p:nvCxnSpPr>
+          <p:cNvPr id="103" name="直线连接符 102">
+            <a:extLst>
+              <a:ext uri="{FF2B5EF4-FFF2-40B4-BE49-F238E27FC236}">
+                <a16:creationId xmlns:a16="http://schemas.microsoft.com/office/drawing/2014/main" id="{ED11BF41-A4C2-404E-9F2D-906F474FABA1}"/>
+              </a:ext>
+            </a:extLst>
+          </p:cNvPr>
+          <p:cNvCxnSpPr>
+            <a:cxnSpLocks/>
+          </p:cNvCxnSpPr>
+          <p:nvPr/>
+        </p:nvCxnSpPr>
+        <p:spPr>
+          <a:xfrm>
+            <a:off x="8454790" y="6485021"/>
+            <a:ext cx="900000" cy="0"/>
+          </a:xfrm>
+          <a:prstGeom prst="line">
+            <a:avLst/>
+          </a:prstGeom>
+          <a:ln w="12700">
+            <a:solidFill>
+              <a:schemeClr val="accent6"/>
+            </a:solidFill>
+          </a:ln>
+        </p:spPr>
+        <p:style>
+          <a:lnRef idx="1">
+            <a:schemeClr val="accent1"/>
+          </a:lnRef>
+          <a:fillRef idx="0">
+            <a:schemeClr val="accent1"/>
+          </a:fillRef>
+          <a:effectRef idx="0">
+            <a:schemeClr val="accent1"/>
+          </a:effectRef>
+          <a:fontRef idx="minor">
+            <a:schemeClr val="tx1"/>
+          </a:fontRef>
+        </p:style>
+      </p:cxnSp>
+      <p:cxnSp>
+        <p:nvCxnSpPr>
+          <p:cNvPr id="104" name="直线连接符 103">
+            <a:extLst>
+              <a:ext uri="{FF2B5EF4-FFF2-40B4-BE49-F238E27FC236}">
+                <a16:creationId xmlns:a16="http://schemas.microsoft.com/office/drawing/2014/main" id="{AD0F215D-CF66-BB40-BCA6-FEC4FBD1D12F}"/>
+              </a:ext>
+            </a:extLst>
+          </p:cNvPr>
+          <p:cNvCxnSpPr>
+            <a:cxnSpLocks/>
+          </p:cNvCxnSpPr>
+          <p:nvPr/>
+        </p:nvCxnSpPr>
+        <p:spPr>
+          <a:xfrm>
+            <a:off x="8385116" y="6328356"/>
+            <a:ext cx="1008000" cy="0"/>
+          </a:xfrm>
+          <a:prstGeom prst="line">
+            <a:avLst/>
+          </a:prstGeom>
+          <a:ln w="12700">
+            <a:solidFill>
+              <a:schemeClr val="accent6"/>
+            </a:solidFill>
+          </a:ln>
+        </p:spPr>
+        <p:style>
+          <a:lnRef idx="1">
+            <a:schemeClr val="accent1"/>
+          </a:lnRef>
+          <a:fillRef idx="0">
+            <a:schemeClr val="accent1"/>
+          </a:fillRef>
+          <a:effectRef idx="0">
+            <a:schemeClr val="accent1"/>
+          </a:effectRef>
+          <a:fontRef idx="minor">
+            <a:schemeClr val="tx1"/>
+          </a:fontRef>
+        </p:style>
+      </p:cxnSp>
+      <p:cxnSp>
+        <p:nvCxnSpPr>
+          <p:cNvPr id="105" name="直线连接符 104">
+            <a:extLst>
+              <a:ext uri="{FF2B5EF4-FFF2-40B4-BE49-F238E27FC236}">
+                <a16:creationId xmlns:a16="http://schemas.microsoft.com/office/drawing/2014/main" id="{8685049E-6F5B-B340-AF8D-225C680D3E21}"/>
+              </a:ext>
+            </a:extLst>
+          </p:cNvPr>
+          <p:cNvCxnSpPr>
+            <a:cxnSpLocks/>
+          </p:cNvCxnSpPr>
+          <p:nvPr/>
+        </p:nvCxnSpPr>
+        <p:spPr>
+          <a:xfrm>
+            <a:off x="7027224" y="6208079"/>
+            <a:ext cx="2448000" cy="0"/>
+          </a:xfrm>
+          <a:prstGeom prst="line">
+            <a:avLst/>
+          </a:prstGeom>
+          <a:ln w="12700">
+            <a:solidFill>
+              <a:schemeClr val="accent6"/>
+            </a:solidFill>
+          </a:ln>
+        </p:spPr>
+        <p:style>
+          <a:lnRef idx="1">
+            <a:schemeClr val="accent1"/>
+          </a:lnRef>
+          <a:fillRef idx="0">
+            <a:schemeClr val="accent1"/>
+          </a:fillRef>
+          <a:effectRef idx="0">
+            <a:schemeClr val="accent1"/>
+          </a:effectRef>
+          <a:fontRef idx="minor">
+            <a:schemeClr val="tx1"/>
+          </a:fontRef>
+        </p:style>
+      </p:cxnSp>
+      <p:cxnSp>
+        <p:nvCxnSpPr>
+          <p:cNvPr id="106" name="直线连接符 105">
+            <a:extLst>
+              <a:ext uri="{FF2B5EF4-FFF2-40B4-BE49-F238E27FC236}">
+                <a16:creationId xmlns:a16="http://schemas.microsoft.com/office/drawing/2014/main" id="{BF06029C-99BD-D84E-9524-9F8D04DDE0A2}"/>
+              </a:ext>
+            </a:extLst>
+          </p:cNvPr>
+          <p:cNvCxnSpPr>
+            <a:cxnSpLocks/>
+            <a:stCxn id="88" idx="0"/>
+            <a:endCxn id="88" idx="5"/>
+          </p:cNvCxnSpPr>
+          <p:nvPr/>
+        </p:nvCxnSpPr>
+        <p:spPr>
+          <a:xfrm flipH="1" flipV="1">
+            <a:off x="8691627" y="4368414"/>
+            <a:ext cx="1180689" cy="1111208"/>
+          </a:xfrm>
+          <a:prstGeom prst="line">
+            <a:avLst/>
+          </a:prstGeom>
+          <a:ln w="19050">
+            <a:solidFill>
+              <a:srgbClr val="00B0F0"/>
+            </a:solidFill>
+          </a:ln>
+        </p:spPr>
+        <p:style>
+          <a:lnRef idx="1">
+            <a:schemeClr val="accent1"/>
+          </a:lnRef>
+          <a:fillRef idx="0">
+            <a:schemeClr val="accent1"/>
+          </a:fillRef>
+          <a:effectRef idx="0">
+            <a:schemeClr val="accent1"/>
+          </a:effectRef>
+          <a:fontRef idx="minor">
+            <a:schemeClr val="tx1"/>
+          </a:fontRef>
+        </p:style>
+      </p:cxnSp>
+      <p:cxnSp>
+        <p:nvCxnSpPr>
+          <p:cNvPr id="109" name="直线连接符 108">
+            <a:extLst>
+              <a:ext uri="{FF2B5EF4-FFF2-40B4-BE49-F238E27FC236}">
+                <a16:creationId xmlns:a16="http://schemas.microsoft.com/office/drawing/2014/main" id="{9DC3C81B-0658-D846-874F-013C1F108D10}"/>
+              </a:ext>
+            </a:extLst>
+          </p:cNvPr>
+          <p:cNvCxnSpPr>
+            <a:cxnSpLocks/>
+          </p:cNvCxnSpPr>
+          <p:nvPr/>
+        </p:nvCxnSpPr>
+        <p:spPr>
+          <a:xfrm>
+            <a:off x="7037224" y="6046570"/>
+            <a:ext cx="2520000" cy="0"/>
+          </a:xfrm>
+          <a:prstGeom prst="line">
+            <a:avLst/>
+          </a:prstGeom>
+          <a:ln w="12700">
+            <a:solidFill>
+              <a:schemeClr val="accent6"/>
+            </a:solidFill>
+          </a:ln>
+        </p:spPr>
+        <p:style>
+          <a:lnRef idx="1">
+            <a:schemeClr val="accent1"/>
+          </a:lnRef>
+          <a:fillRef idx="0">
+            <a:schemeClr val="accent1"/>
+          </a:fillRef>
+          <a:effectRef idx="0">
+            <a:schemeClr val="accent1"/>
+          </a:effectRef>
+          <a:fontRef idx="minor">
+            <a:schemeClr val="tx1"/>
+          </a:fontRef>
+        </p:style>
+      </p:cxnSp>
+      <p:cxnSp>
+        <p:nvCxnSpPr>
+          <p:cNvPr id="110" name="直线连接符 109">
+            <a:extLst>
+              <a:ext uri="{FF2B5EF4-FFF2-40B4-BE49-F238E27FC236}">
+                <a16:creationId xmlns:a16="http://schemas.microsoft.com/office/drawing/2014/main" id="{93E6EBB4-C111-AD43-9CA5-D9EF71F64690}"/>
+              </a:ext>
+            </a:extLst>
+          </p:cNvPr>
+          <p:cNvCxnSpPr>
+            <a:cxnSpLocks/>
+          </p:cNvCxnSpPr>
+          <p:nvPr/>
+        </p:nvCxnSpPr>
+        <p:spPr>
+          <a:xfrm>
+            <a:off x="7050506" y="5872398"/>
+            <a:ext cx="2628000" cy="0"/>
+          </a:xfrm>
+          <a:prstGeom prst="line">
+            <a:avLst/>
+          </a:prstGeom>
+          <a:ln w="12700">
+            <a:solidFill>
+              <a:schemeClr val="accent6"/>
+            </a:solidFill>
+          </a:ln>
+        </p:spPr>
+        <p:style>
+          <a:lnRef idx="1">
+            <a:schemeClr val="accent1"/>
+          </a:lnRef>
+          <a:fillRef idx="0">
+            <a:schemeClr val="accent1"/>
+          </a:fillRef>
+          <a:effectRef idx="0">
+            <a:schemeClr val="accent1"/>
+          </a:effectRef>
+          <a:fontRef idx="minor">
+            <a:schemeClr val="tx1"/>
+          </a:fontRef>
+        </p:style>
+      </p:cxnSp>
+      <p:cxnSp>
+        <p:nvCxnSpPr>
+          <p:cNvPr id="111" name="直线连接符 110">
+            <a:extLst>
+              <a:ext uri="{FF2B5EF4-FFF2-40B4-BE49-F238E27FC236}">
+                <a16:creationId xmlns:a16="http://schemas.microsoft.com/office/drawing/2014/main" id="{D7558A03-E414-4341-8994-0AEB2A5CC2D5}"/>
+              </a:ext>
+            </a:extLst>
+          </p:cNvPr>
+          <p:cNvCxnSpPr>
+            <a:cxnSpLocks/>
+          </p:cNvCxnSpPr>
+          <p:nvPr/>
+        </p:nvCxnSpPr>
+        <p:spPr>
+          <a:xfrm>
+            <a:off x="7088854" y="5681354"/>
+            <a:ext cx="2664000" cy="0"/>
+          </a:xfrm>
+          <a:prstGeom prst="line">
+            <a:avLst/>
+          </a:prstGeom>
+          <a:ln w="12700">
+            <a:solidFill>
+              <a:schemeClr val="accent6"/>
+            </a:solidFill>
+          </a:ln>
+        </p:spPr>
+        <p:style>
+          <a:lnRef idx="1">
+            <a:schemeClr val="accent1"/>
+          </a:lnRef>
+          <a:fillRef idx="0">
+            <a:schemeClr val="accent1"/>
+          </a:fillRef>
+          <a:effectRef idx="0">
+            <a:schemeClr val="accent1"/>
+          </a:effectRef>
+          <a:fontRef idx="minor">
+            <a:schemeClr val="tx1"/>
+          </a:fontRef>
+        </p:style>
+      </p:cxnSp>
+      <p:sp>
+        <p:nvSpPr>
+          <p:cNvPr id="129" name="任意形状 128">
+            <a:extLst>
+              <a:ext uri="{FF2B5EF4-FFF2-40B4-BE49-F238E27FC236}">
+                <a16:creationId xmlns:a16="http://schemas.microsoft.com/office/drawing/2014/main" id="{4F8F6B21-05BD-414A-96FE-2424CC5BA559}"/>
+              </a:ext>
+            </a:extLst>
+          </p:cNvPr>
+          <p:cNvSpPr/>
+          <p:nvPr/>
+        </p:nvSpPr>
+        <p:spPr>
+          <a:xfrm rot="7945484">
+            <a:off x="1028283" y="8708587"/>
+            <a:ext cx="3235983" cy="2810645"/>
+          </a:xfrm>
+          <a:custGeom>
+            <a:avLst/>
+            <a:gdLst>
+              <a:gd name="connsiteX0" fmla="*/ 18167 w 2476752"/>
+              <a:gd name="connsiteY0" fmla="*/ 320949 h 1931746"/>
+              <a:gd name="connsiteX1" fmla="*/ 1519963 w 2476752"/>
+              <a:gd name="connsiteY1" fmla="*/ 0 h 1931746"/>
+              <a:gd name="connsiteX2" fmla="*/ 1241404 w 2476752"/>
+              <a:gd name="connsiteY2" fmla="*/ 775121 h 1931746"/>
+              <a:gd name="connsiteX3" fmla="*/ 2476752 w 2476752"/>
+              <a:gd name="connsiteY3" fmla="*/ 1047624 h 1931746"/>
+              <a:gd name="connsiteX4" fmla="*/ 1114236 w 2476752"/>
+              <a:gd name="connsiteY4" fmla="*/ 1931746 h 1931746"/>
+              <a:gd name="connsiteX5" fmla="*/ 0 w 2476752"/>
+              <a:gd name="connsiteY5" fmla="*/ 1435184 h 1931746"/>
+              <a:gd name="connsiteX6" fmla="*/ 18167 w 2476752"/>
+              <a:gd name="connsiteY6" fmla="*/ 320949 h 1931746"/>
+            </a:gdLst>
+            <a:ahLst/>
+            <a:cxnLst>
+              <a:cxn ang="0">
+                <a:pos x="connsiteX0" y="connsiteY0"/>
+              </a:cxn>
+              <a:cxn ang="0">
+                <a:pos x="connsiteX1" y="connsiteY1"/>
+              </a:cxn>
+              <a:cxn ang="0">
+                <a:pos x="connsiteX2" y="connsiteY2"/>
+              </a:cxn>
+              <a:cxn ang="0">
+                <a:pos x="connsiteX3" y="connsiteY3"/>
+              </a:cxn>
+              <a:cxn ang="0">
+                <a:pos x="connsiteX4" y="connsiteY4"/>
+              </a:cxn>
+              <a:cxn ang="0">
+                <a:pos x="connsiteX5" y="connsiteY5"/>
+              </a:cxn>
+              <a:cxn ang="0">
+                <a:pos x="connsiteX6" y="connsiteY6"/>
+              </a:cxn>
+            </a:cxnLst>
+            <a:rect l="l" t="t" r="r" b="b"/>
+            <a:pathLst>
+              <a:path w="2476752" h="1931746">
+                <a:moveTo>
+                  <a:pt x="18167" y="320949"/>
+                </a:moveTo>
+                <a:lnTo>
+                  <a:pt x="1519963" y="0"/>
+                </a:lnTo>
+                <a:lnTo>
+                  <a:pt x="1241404" y="775121"/>
+                </a:lnTo>
+                <a:lnTo>
+                  <a:pt x="2476752" y="1047624"/>
+                </a:lnTo>
+                <a:lnTo>
+                  <a:pt x="1114236" y="1931746"/>
+                </a:lnTo>
+                <a:lnTo>
+                  <a:pt x="0" y="1435184"/>
+                </a:lnTo>
+                <a:lnTo>
+                  <a:pt x="18167" y="320949"/>
+                </a:lnTo>
+                <a:close/>
+              </a:path>
+            </a:pathLst>
+          </a:custGeom>
+          <a:noFill/>
+          <a:ln w="25400">
+            <a:solidFill>
+              <a:schemeClr val="accent2"/>
+            </a:solidFill>
+          </a:ln>
+        </p:spPr>
+        <p:style>
+          <a:lnRef idx="2">
+            <a:schemeClr val="accent1">
+              <a:shade val="50000"/>
+            </a:schemeClr>
+          </a:lnRef>
+          <a:fillRef idx="1">
+            <a:schemeClr val="accent1"/>
+          </a:fillRef>
+          <a:effectRef idx="0">
+            <a:schemeClr val="accent1"/>
+          </a:effectRef>
+          <a:fontRef idx="minor">
+            <a:schemeClr val="lt1"/>
+          </a:fontRef>
+        </p:style>
+        <p:txBody>
+          <a:bodyPr rot="0" spcFirstLastPara="0" vert="horz" wrap="square" lIns="91440" tIns="45720" rIns="91440" bIns="45720" numCol="1" spcCol="0" rtlCol="0" fromWordArt="0" anchor="ctr" anchorCtr="0" forceAA="0" compatLnSpc="1">
+            <a:prstTxWarp prst="textNoShape">
+              <a:avLst/>
+            </a:prstTxWarp>
+            <a:noAutofit/>
+          </a:bodyPr>
+          <a:lstStyle/>
+          <a:p>
+            <a:endParaRPr lang="zh-CN" altLang="en-US"/>
+          </a:p>
+        </p:txBody>
+      </p:sp>
+      <p:grpSp>
+        <p:nvGrpSpPr>
+          <p:cNvPr id="130" name="组合 129">
+            <a:extLst>
+              <a:ext uri="{FF2B5EF4-FFF2-40B4-BE49-F238E27FC236}">
+                <a16:creationId xmlns:a16="http://schemas.microsoft.com/office/drawing/2014/main" id="{219AAB42-3097-504E-A296-D30B3B1D289D}"/>
+              </a:ext>
+            </a:extLst>
+          </p:cNvPr>
+          <p:cNvGrpSpPr/>
+          <p:nvPr/>
+        </p:nvGrpSpPr>
+        <p:grpSpPr>
+          <a:xfrm>
+            <a:off x="376875" y="8853362"/>
+            <a:ext cx="4993908" cy="369332"/>
+            <a:chOff x="5704572" y="3076876"/>
+            <a:chExt cx="4993908" cy="369332"/>
+          </a:xfrm>
+        </p:grpSpPr>
+        <p:cxnSp>
+          <p:nvCxnSpPr>
+            <p:cNvPr id="131" name="直线连接符 130">
+              <a:extLst>
+                <a:ext uri="{FF2B5EF4-FFF2-40B4-BE49-F238E27FC236}">
+                  <a16:creationId xmlns:a16="http://schemas.microsoft.com/office/drawing/2014/main" id="{C3353139-7D4E-7547-978F-0FE02171D41B}"/>
+                </a:ext>
+              </a:extLst>
+            </p:cNvPr>
+            <p:cNvCxnSpPr>
+              <a:cxnSpLocks/>
+            </p:cNvCxnSpPr>
+            <p:nvPr/>
+          </p:nvCxnSpPr>
+          <p:spPr>
+            <a:xfrm>
+              <a:off x="6258439" y="3261542"/>
+              <a:ext cx="4440041" cy="0"/>
+            </a:xfrm>
+            <a:prstGeom prst="line">
+              <a:avLst/>
+            </a:prstGeom>
+            <a:ln w="19050">
+              <a:solidFill>
+                <a:srgbClr val="FF0000"/>
+              </a:solidFill>
+            </a:ln>
+          </p:spPr>
+          <p:style>
+            <a:lnRef idx="1">
+              <a:schemeClr val="accent1"/>
+            </a:lnRef>
+            <a:fillRef idx="0">
+              <a:schemeClr val="accent1"/>
+            </a:fillRef>
+            <a:effectRef idx="0">
+              <a:schemeClr val="accent1"/>
+            </a:effectRef>
+            <a:fontRef idx="minor">
+              <a:schemeClr val="tx1"/>
+            </a:fontRef>
+          </p:style>
+        </p:cxnSp>
+        <p:sp>
+          <p:nvSpPr>
+            <p:cNvPr id="132" name="文本框 131">
+              <a:extLst>
+                <a:ext uri="{FF2B5EF4-FFF2-40B4-BE49-F238E27FC236}">
+                  <a16:creationId xmlns:a16="http://schemas.microsoft.com/office/drawing/2014/main" id="{E61414C8-3E8E-2B4F-A8C0-A412744A3C74}"/>
+                </a:ext>
+              </a:extLst>
+            </p:cNvPr>
+            <p:cNvSpPr txBox="1"/>
+            <p:nvPr/>
+          </p:nvSpPr>
+          <p:spPr>
+            <a:xfrm>
+              <a:off x="5704572" y="3076876"/>
+              <a:ext cx="292068" cy="369332"/>
+            </a:xfrm>
+            <a:prstGeom prst="rect">
+              <a:avLst/>
+            </a:prstGeom>
+            <a:noFill/>
+          </p:spPr>
+          <p:txBody>
+            <a:bodyPr wrap="none" rtlCol="0">
+              <a:spAutoFit/>
+            </a:bodyPr>
+            <a:lstStyle/>
+            <a:p>
+              <a:r>
+                <a:rPr kumimoji="1" lang="en-US" altLang="zh-CN" dirty="0"/>
+                <a:t>y</a:t>
+              </a:r>
+              <a:endParaRPr kumimoji="1" lang="zh-CN" altLang="en-US" dirty="0"/>
+            </a:p>
+          </p:txBody>
+        </p:sp>
+      </p:grpSp>
+      <p:sp>
+        <p:nvSpPr>
+          <p:cNvPr id="133" name="文本框 132">
+            <a:extLst>
+              <a:ext uri="{FF2B5EF4-FFF2-40B4-BE49-F238E27FC236}">
+                <a16:creationId xmlns:a16="http://schemas.microsoft.com/office/drawing/2014/main" id="{29107960-B694-3746-9406-5A8E46238097}"/>
+              </a:ext>
+            </a:extLst>
+          </p:cNvPr>
+          <p:cNvSpPr txBox="1"/>
+          <p:nvPr/>
+        </p:nvSpPr>
+        <p:spPr>
+          <a:xfrm>
+            <a:off x="2359246" y="11655232"/>
+            <a:ext cx="370614" cy="369332"/>
+          </a:xfrm>
+          <a:prstGeom prst="rect">
+            <a:avLst/>
+          </a:prstGeom>
+          <a:noFill/>
+        </p:spPr>
+        <p:txBody>
+          <a:bodyPr wrap="none" rtlCol="0">
+            <a:spAutoFit/>
+          </a:bodyPr>
+          <a:lstStyle/>
+          <a:p>
+            <a:r>
+              <a:rPr kumimoji="1" lang="en-US" altLang="zh-CN" dirty="0"/>
+              <a:t>(e</a:t>
+            </a:r>
+            <a:endParaRPr kumimoji="1" lang="zh-CN" altLang="en-US" dirty="0"/>
+          </a:p>
+        </p:txBody>
+      </p:sp>
+      <p:cxnSp>
+        <p:nvCxnSpPr>
+          <p:cNvPr id="134" name="直线连接符 133">
+            <a:extLst>
+              <a:ext uri="{FF2B5EF4-FFF2-40B4-BE49-F238E27FC236}">
+                <a16:creationId xmlns:a16="http://schemas.microsoft.com/office/drawing/2014/main" id="{A6A20903-54E3-9C48-91EB-8EE9597F2B3A}"/>
+              </a:ext>
+            </a:extLst>
+          </p:cNvPr>
+          <p:cNvCxnSpPr>
+            <a:cxnSpLocks/>
+            <a:stCxn id="129" idx="5"/>
+            <a:endCxn id="129" idx="4"/>
+          </p:cNvCxnSpPr>
+          <p:nvPr/>
+        </p:nvCxnSpPr>
+        <p:spPr>
+          <a:xfrm flipH="1">
+            <a:off x="1718336" y="8458910"/>
+            <a:ext cx="1515424" cy="587213"/>
+          </a:xfrm>
+          <a:prstGeom prst="line">
+            <a:avLst/>
+          </a:prstGeom>
+          <a:ln w="19050">
+            <a:solidFill>
+              <a:srgbClr val="00B0F0"/>
+            </a:solidFill>
+          </a:ln>
+        </p:spPr>
+        <p:style>
+          <a:lnRef idx="1">
+            <a:schemeClr val="accent1"/>
+          </a:lnRef>
+          <a:fillRef idx="0">
+            <a:schemeClr val="accent1"/>
+          </a:fillRef>
+          <a:effectRef idx="0">
+            <a:schemeClr val="accent1"/>
+          </a:effectRef>
+          <a:fontRef idx="minor">
+            <a:schemeClr val="tx1"/>
+          </a:fontRef>
+        </p:style>
+      </p:cxnSp>
+      <p:cxnSp>
+        <p:nvCxnSpPr>
+          <p:cNvPr id="135" name="直线连接符 134">
+            <a:extLst>
+              <a:ext uri="{FF2B5EF4-FFF2-40B4-BE49-F238E27FC236}">
+                <a16:creationId xmlns:a16="http://schemas.microsoft.com/office/drawing/2014/main" id="{4A3CAC94-92DA-5D4B-9FC3-8AB7BFE6F712}"/>
+              </a:ext>
+            </a:extLst>
+          </p:cNvPr>
+          <p:cNvCxnSpPr>
+            <a:cxnSpLocks/>
+          </p:cNvCxnSpPr>
+          <p:nvPr/>
+        </p:nvCxnSpPr>
+        <p:spPr>
+          <a:xfrm>
+            <a:off x="1466942" y="11084317"/>
+            <a:ext cx="251394" cy="0"/>
+          </a:xfrm>
+          <a:prstGeom prst="line">
+            <a:avLst/>
+          </a:prstGeom>
+          <a:ln w="12700">
+            <a:solidFill>
+              <a:schemeClr val="accent6"/>
+            </a:solidFill>
+          </a:ln>
+        </p:spPr>
+        <p:style>
+          <a:lnRef idx="1">
+            <a:schemeClr val="accent1"/>
+          </a:lnRef>
+          <a:fillRef idx="0">
+            <a:schemeClr val="accent1"/>
+          </a:fillRef>
+          <a:effectRef idx="0">
+            <a:schemeClr val="accent1"/>
+          </a:effectRef>
+          <a:fontRef idx="minor">
+            <a:schemeClr val="tx1"/>
+          </a:fontRef>
+        </p:style>
+      </p:cxnSp>
+      <p:cxnSp>
+        <p:nvCxnSpPr>
+          <p:cNvPr id="136" name="直线连接符 135">
+            <a:extLst>
+              <a:ext uri="{FF2B5EF4-FFF2-40B4-BE49-F238E27FC236}">
+                <a16:creationId xmlns:a16="http://schemas.microsoft.com/office/drawing/2014/main" id="{9595AE94-D67E-E647-AC3D-9927DAEA515C}"/>
+              </a:ext>
+            </a:extLst>
+          </p:cNvPr>
+          <p:cNvCxnSpPr>
+            <a:cxnSpLocks/>
+          </p:cNvCxnSpPr>
+          <p:nvPr/>
+        </p:nvCxnSpPr>
+        <p:spPr>
+          <a:xfrm>
+            <a:off x="1488711" y="10949333"/>
+            <a:ext cx="432000" cy="0"/>
+          </a:xfrm>
+          <a:prstGeom prst="line">
+            <a:avLst/>
+          </a:prstGeom>
+          <a:ln w="12700">
+            <a:solidFill>
+              <a:schemeClr val="accent6"/>
+            </a:solidFill>
+          </a:ln>
+        </p:spPr>
+        <p:style>
+          <a:lnRef idx="1">
+            <a:schemeClr val="accent1"/>
+          </a:lnRef>
+          <a:fillRef idx="0">
+            <a:schemeClr val="accent1"/>
+          </a:fillRef>
+          <a:effectRef idx="0">
+            <a:schemeClr val="accent1"/>
+          </a:effectRef>
+          <a:fontRef idx="minor">
+            <a:schemeClr val="tx1"/>
+          </a:fontRef>
+        </p:style>
+      </p:cxnSp>
+      <p:cxnSp>
+        <p:nvCxnSpPr>
+          <p:cNvPr id="137" name="直线连接符 136">
+            <a:extLst>
+              <a:ext uri="{FF2B5EF4-FFF2-40B4-BE49-F238E27FC236}">
+                <a16:creationId xmlns:a16="http://schemas.microsoft.com/office/drawing/2014/main" id="{5822D841-BE29-9444-9599-F9C747173702}"/>
+              </a:ext>
+            </a:extLst>
+          </p:cNvPr>
+          <p:cNvCxnSpPr>
+            <a:cxnSpLocks/>
+          </p:cNvCxnSpPr>
+          <p:nvPr/>
+        </p:nvCxnSpPr>
+        <p:spPr>
+          <a:xfrm>
+            <a:off x="1538235" y="10762099"/>
+            <a:ext cx="612000" cy="0"/>
+          </a:xfrm>
+          <a:prstGeom prst="line">
+            <a:avLst/>
+          </a:prstGeom>
+          <a:ln w="12700">
+            <a:solidFill>
+              <a:schemeClr val="accent6"/>
+            </a:solidFill>
+          </a:ln>
+        </p:spPr>
+        <p:style>
+          <a:lnRef idx="1">
+            <a:schemeClr val="accent1"/>
+          </a:lnRef>
+          <a:fillRef idx="0">
+            <a:schemeClr val="accent1"/>
+          </a:fillRef>
+          <a:effectRef idx="0">
+            <a:schemeClr val="accent1"/>
+          </a:effectRef>
+          <a:fontRef idx="minor">
+            <a:schemeClr val="tx1"/>
+          </a:fontRef>
+        </p:style>
+      </p:cxnSp>
+      <p:cxnSp>
+        <p:nvCxnSpPr>
+          <p:cNvPr id="138" name="直线连接符 137">
+            <a:extLst>
+              <a:ext uri="{FF2B5EF4-FFF2-40B4-BE49-F238E27FC236}">
+                <a16:creationId xmlns:a16="http://schemas.microsoft.com/office/drawing/2014/main" id="{31527425-C203-514F-A43C-01F1FE5398C3}"/>
+              </a:ext>
+            </a:extLst>
+          </p:cNvPr>
+          <p:cNvCxnSpPr>
+            <a:cxnSpLocks/>
+          </p:cNvCxnSpPr>
+          <p:nvPr/>
+        </p:nvCxnSpPr>
+        <p:spPr>
+          <a:xfrm>
+            <a:off x="1538235" y="10566810"/>
+            <a:ext cx="900000" cy="0"/>
+          </a:xfrm>
+          <a:prstGeom prst="line">
+            <a:avLst/>
+          </a:prstGeom>
+          <a:ln w="12700">
+            <a:solidFill>
+              <a:schemeClr val="accent6"/>
+            </a:solidFill>
+          </a:ln>
+        </p:spPr>
+        <p:style>
+          <a:lnRef idx="1">
+            <a:schemeClr val="accent1"/>
+          </a:lnRef>
+          <a:fillRef idx="0">
+            <a:schemeClr val="accent1"/>
+          </a:fillRef>
+          <a:effectRef idx="0">
+            <a:schemeClr val="accent1"/>
+          </a:effectRef>
+          <a:fontRef idx="minor">
+            <a:schemeClr val="tx1"/>
+          </a:fontRef>
+        </p:style>
+      </p:cxnSp>
+      <p:cxnSp>
+        <p:nvCxnSpPr>
+          <p:cNvPr id="139" name="直线连接符 138">
+            <a:extLst>
+              <a:ext uri="{FF2B5EF4-FFF2-40B4-BE49-F238E27FC236}">
+                <a16:creationId xmlns:a16="http://schemas.microsoft.com/office/drawing/2014/main" id="{8A9D4815-D2BB-EC43-8129-48EE26D3E0BB}"/>
+              </a:ext>
+            </a:extLst>
+          </p:cNvPr>
+          <p:cNvCxnSpPr>
+            <a:cxnSpLocks/>
+          </p:cNvCxnSpPr>
+          <p:nvPr/>
+        </p:nvCxnSpPr>
+        <p:spPr>
+          <a:xfrm>
+            <a:off x="1546938" y="10410145"/>
+            <a:ext cx="1116000" cy="0"/>
+          </a:xfrm>
+          <a:prstGeom prst="line">
+            <a:avLst/>
+          </a:prstGeom>
+          <a:ln w="12700">
+            <a:solidFill>
+              <a:schemeClr val="accent6"/>
+            </a:solidFill>
+          </a:ln>
+        </p:spPr>
+        <p:style>
+          <a:lnRef idx="1">
+            <a:schemeClr val="accent1"/>
+          </a:lnRef>
+          <a:fillRef idx="0">
+            <a:schemeClr val="accent1"/>
+          </a:fillRef>
+          <a:effectRef idx="0">
+            <a:schemeClr val="accent1"/>
+          </a:effectRef>
+          <a:fontRef idx="minor">
+            <a:schemeClr val="tx1"/>
+          </a:fontRef>
+        </p:style>
+      </p:cxnSp>
+      <p:cxnSp>
+        <p:nvCxnSpPr>
+          <p:cNvPr id="140" name="直线连接符 139">
+            <a:extLst>
+              <a:ext uri="{FF2B5EF4-FFF2-40B4-BE49-F238E27FC236}">
+                <a16:creationId xmlns:a16="http://schemas.microsoft.com/office/drawing/2014/main" id="{480B2C0B-0616-A342-9DE8-FE4E37055DE8}"/>
+              </a:ext>
+            </a:extLst>
+          </p:cNvPr>
+          <p:cNvCxnSpPr>
+            <a:cxnSpLocks/>
+          </p:cNvCxnSpPr>
+          <p:nvPr/>
+        </p:nvCxnSpPr>
+        <p:spPr>
+          <a:xfrm>
+            <a:off x="3304455" y="11093024"/>
+            <a:ext cx="251394" cy="0"/>
+          </a:xfrm>
+          <a:prstGeom prst="line">
+            <a:avLst/>
+          </a:prstGeom>
+          <a:ln w="12700">
+            <a:solidFill>
+              <a:schemeClr val="accent6"/>
+            </a:solidFill>
+          </a:ln>
+        </p:spPr>
+        <p:style>
+          <a:lnRef idx="1">
+            <a:schemeClr val="accent1"/>
+          </a:lnRef>
+          <a:fillRef idx="0">
+            <a:schemeClr val="accent1"/>
+          </a:fillRef>
+          <a:effectRef idx="0">
+            <a:schemeClr val="accent1"/>
+          </a:effectRef>
+          <a:fontRef idx="minor">
+            <a:schemeClr val="tx1"/>
+          </a:fontRef>
+        </p:style>
+      </p:cxnSp>
+      <p:cxnSp>
+        <p:nvCxnSpPr>
+          <p:cNvPr id="141" name="直线连接符 140">
+            <a:extLst>
+              <a:ext uri="{FF2B5EF4-FFF2-40B4-BE49-F238E27FC236}">
+                <a16:creationId xmlns:a16="http://schemas.microsoft.com/office/drawing/2014/main" id="{184FD9D8-69E7-3D44-AB61-014E7511C273}"/>
+              </a:ext>
+            </a:extLst>
+          </p:cNvPr>
+          <p:cNvCxnSpPr>
+            <a:cxnSpLocks/>
+          </p:cNvCxnSpPr>
+          <p:nvPr/>
+        </p:nvCxnSpPr>
+        <p:spPr>
+          <a:xfrm>
+            <a:off x="3221720" y="10958040"/>
+            <a:ext cx="432000" cy="0"/>
+          </a:xfrm>
+          <a:prstGeom prst="line">
+            <a:avLst/>
+          </a:prstGeom>
+          <a:ln w="12700">
+            <a:solidFill>
+              <a:schemeClr val="accent6"/>
+            </a:solidFill>
+          </a:ln>
+        </p:spPr>
+        <p:style>
+          <a:lnRef idx="1">
+            <a:schemeClr val="accent1"/>
+          </a:lnRef>
+          <a:fillRef idx="0">
+            <a:schemeClr val="accent1"/>
+          </a:fillRef>
+          <a:effectRef idx="0">
+            <a:schemeClr val="accent1"/>
+          </a:effectRef>
+          <a:fontRef idx="minor">
+            <a:schemeClr val="tx1"/>
+          </a:fontRef>
+        </p:style>
+      </p:cxnSp>
+      <p:cxnSp>
+        <p:nvCxnSpPr>
+          <p:cNvPr id="142" name="直线连接符 141">
+            <a:extLst>
+              <a:ext uri="{FF2B5EF4-FFF2-40B4-BE49-F238E27FC236}">
+                <a16:creationId xmlns:a16="http://schemas.microsoft.com/office/drawing/2014/main" id="{AFE6905D-4FB6-C148-93C1-757AC2702555}"/>
+              </a:ext>
+            </a:extLst>
+          </p:cNvPr>
+          <p:cNvCxnSpPr>
+            <a:cxnSpLocks/>
+          </p:cNvCxnSpPr>
+          <p:nvPr/>
+        </p:nvCxnSpPr>
+        <p:spPr>
+          <a:xfrm>
+            <a:off x="3127551" y="10770806"/>
+            <a:ext cx="612000" cy="0"/>
+          </a:xfrm>
+          <a:prstGeom prst="line">
+            <a:avLst/>
+          </a:prstGeom>
+          <a:ln w="12700">
+            <a:solidFill>
+              <a:schemeClr val="accent6"/>
+            </a:solidFill>
+          </a:ln>
+        </p:spPr>
+        <p:style>
+          <a:lnRef idx="1">
+            <a:schemeClr val="accent1"/>
+          </a:lnRef>
+          <a:fillRef idx="0">
+            <a:schemeClr val="accent1"/>
+          </a:fillRef>
+          <a:effectRef idx="0">
+            <a:schemeClr val="accent1"/>
+          </a:effectRef>
+          <a:fontRef idx="minor">
+            <a:schemeClr val="tx1"/>
+          </a:fontRef>
+        </p:style>
+      </p:cxnSp>
+      <p:cxnSp>
+        <p:nvCxnSpPr>
+          <p:cNvPr id="143" name="直线连接符 142">
+            <a:extLst>
+              <a:ext uri="{FF2B5EF4-FFF2-40B4-BE49-F238E27FC236}">
+                <a16:creationId xmlns:a16="http://schemas.microsoft.com/office/drawing/2014/main" id="{5F53C4AC-809D-7149-9D90-606355658282}"/>
+              </a:ext>
+            </a:extLst>
+          </p:cNvPr>
+          <p:cNvCxnSpPr>
+            <a:cxnSpLocks/>
+          </p:cNvCxnSpPr>
+          <p:nvPr/>
+        </p:nvCxnSpPr>
+        <p:spPr>
+          <a:xfrm>
+            <a:off x="2996923" y="10575517"/>
+            <a:ext cx="900000" cy="0"/>
+          </a:xfrm>
+          <a:prstGeom prst="line">
+            <a:avLst/>
+          </a:prstGeom>
+          <a:ln w="12700">
+            <a:solidFill>
+              <a:schemeClr val="accent6"/>
+            </a:solidFill>
+          </a:ln>
+        </p:spPr>
+        <p:style>
+          <a:lnRef idx="1">
+            <a:schemeClr val="accent1"/>
+          </a:lnRef>
+          <a:fillRef idx="0">
+            <a:schemeClr val="accent1"/>
+          </a:fillRef>
+          <a:effectRef idx="0">
+            <a:schemeClr val="accent1"/>
+          </a:effectRef>
+          <a:fontRef idx="minor">
+            <a:schemeClr val="tx1"/>
+          </a:fontRef>
+        </p:style>
+      </p:cxnSp>
+      <p:cxnSp>
+        <p:nvCxnSpPr>
+          <p:cNvPr id="144" name="直线连接符 143">
+            <a:extLst>
+              <a:ext uri="{FF2B5EF4-FFF2-40B4-BE49-F238E27FC236}">
+                <a16:creationId xmlns:a16="http://schemas.microsoft.com/office/drawing/2014/main" id="{D00BD7E9-95A5-B543-B50B-3DB230BC9A83}"/>
+              </a:ext>
+            </a:extLst>
+          </p:cNvPr>
+          <p:cNvCxnSpPr>
+            <a:cxnSpLocks/>
+          </p:cNvCxnSpPr>
+          <p:nvPr/>
+        </p:nvCxnSpPr>
+        <p:spPr>
+          <a:xfrm>
+            <a:off x="2927249" y="10418852"/>
+            <a:ext cx="1008000" cy="0"/>
+          </a:xfrm>
+          <a:prstGeom prst="line">
+            <a:avLst/>
+          </a:prstGeom>
+          <a:ln w="12700">
+            <a:solidFill>
+              <a:schemeClr val="accent6"/>
+            </a:solidFill>
+          </a:ln>
+        </p:spPr>
+        <p:style>
+          <a:lnRef idx="1">
+            <a:schemeClr val="accent1"/>
+          </a:lnRef>
+          <a:fillRef idx="0">
+            <a:schemeClr val="accent1"/>
+          </a:fillRef>
+          <a:effectRef idx="0">
+            <a:schemeClr val="accent1"/>
+          </a:effectRef>
+          <a:fontRef idx="minor">
+            <a:schemeClr val="tx1"/>
+          </a:fontRef>
+        </p:style>
+      </p:cxnSp>
+      <p:cxnSp>
+        <p:nvCxnSpPr>
+          <p:cNvPr id="145" name="直线连接符 144">
+            <a:extLst>
+              <a:ext uri="{FF2B5EF4-FFF2-40B4-BE49-F238E27FC236}">
+                <a16:creationId xmlns:a16="http://schemas.microsoft.com/office/drawing/2014/main" id="{03EF4008-DC7C-AE4E-A7F2-E332155247A1}"/>
+              </a:ext>
+            </a:extLst>
+          </p:cNvPr>
+          <p:cNvCxnSpPr>
+            <a:cxnSpLocks/>
+          </p:cNvCxnSpPr>
+          <p:nvPr/>
+        </p:nvCxnSpPr>
+        <p:spPr>
+          <a:xfrm>
+            <a:off x="1569357" y="10298575"/>
+            <a:ext cx="2448000" cy="0"/>
+          </a:xfrm>
+          <a:prstGeom prst="line">
+            <a:avLst/>
+          </a:prstGeom>
+          <a:ln w="12700">
+            <a:solidFill>
+              <a:schemeClr val="accent6"/>
+            </a:solidFill>
+          </a:ln>
+        </p:spPr>
+        <p:style>
+          <a:lnRef idx="1">
+            <a:schemeClr val="accent1"/>
+          </a:lnRef>
+          <a:fillRef idx="0">
+            <a:schemeClr val="accent1"/>
+          </a:fillRef>
+          <a:effectRef idx="0">
+            <a:schemeClr val="accent1"/>
+          </a:effectRef>
+          <a:fontRef idx="minor">
+            <a:schemeClr val="tx1"/>
+          </a:fontRef>
+        </p:style>
+      </p:cxnSp>
+      <p:cxnSp>
+        <p:nvCxnSpPr>
+          <p:cNvPr id="146" name="直线连接符 145">
+            <a:extLst>
+              <a:ext uri="{FF2B5EF4-FFF2-40B4-BE49-F238E27FC236}">
+                <a16:creationId xmlns:a16="http://schemas.microsoft.com/office/drawing/2014/main" id="{FB1BE5AE-E99A-4C4C-A527-D7300E774271}"/>
+              </a:ext>
+            </a:extLst>
+          </p:cNvPr>
+          <p:cNvCxnSpPr>
+            <a:cxnSpLocks/>
+            <a:stCxn id="129" idx="0"/>
+            <a:endCxn id="129" idx="5"/>
+          </p:cNvCxnSpPr>
+          <p:nvPr/>
+        </p:nvCxnSpPr>
+        <p:spPr>
+          <a:xfrm flipH="1" flipV="1">
+            <a:off x="3233760" y="8458910"/>
+            <a:ext cx="1180689" cy="1111208"/>
+          </a:xfrm>
+          <a:prstGeom prst="line">
+            <a:avLst/>
+          </a:prstGeom>
+          <a:ln w="19050">
+            <a:solidFill>
+              <a:srgbClr val="00B0F0"/>
+            </a:solidFill>
+          </a:ln>
+        </p:spPr>
+        <p:style>
+          <a:lnRef idx="1">
+            <a:schemeClr val="accent1"/>
+          </a:lnRef>
+          <a:fillRef idx="0">
+            <a:schemeClr val="accent1"/>
+          </a:fillRef>
+          <a:effectRef idx="0">
+            <a:schemeClr val="accent1"/>
+          </a:effectRef>
+          <a:fontRef idx="minor">
+            <a:schemeClr val="tx1"/>
+          </a:fontRef>
+        </p:style>
+      </p:cxnSp>
+      <p:cxnSp>
+        <p:nvCxnSpPr>
+          <p:cNvPr id="147" name="直线连接符 146">
+            <a:extLst>
+              <a:ext uri="{FF2B5EF4-FFF2-40B4-BE49-F238E27FC236}">
+                <a16:creationId xmlns:a16="http://schemas.microsoft.com/office/drawing/2014/main" id="{2D214213-85BB-A044-B4D5-B60A865BF591}"/>
+              </a:ext>
+            </a:extLst>
+          </p:cNvPr>
+          <p:cNvCxnSpPr>
+            <a:cxnSpLocks/>
+          </p:cNvCxnSpPr>
+          <p:nvPr/>
+        </p:nvCxnSpPr>
+        <p:spPr>
+          <a:xfrm>
+            <a:off x="1579357" y="10137066"/>
+            <a:ext cx="2520000" cy="0"/>
+          </a:xfrm>
+          <a:prstGeom prst="line">
+            <a:avLst/>
+          </a:prstGeom>
+          <a:ln w="12700">
+            <a:solidFill>
+              <a:schemeClr val="accent6"/>
+            </a:solidFill>
+          </a:ln>
+        </p:spPr>
+        <p:style>
+          <a:lnRef idx="1">
+            <a:schemeClr val="accent1"/>
+          </a:lnRef>
+          <a:fillRef idx="0">
+            <a:schemeClr val="accent1"/>
+          </a:fillRef>
+          <a:effectRef idx="0">
+            <a:schemeClr val="accent1"/>
+          </a:effectRef>
+          <a:fontRef idx="minor">
+            <a:schemeClr val="tx1"/>
+          </a:fontRef>
+        </p:style>
+      </p:cxnSp>
+      <p:cxnSp>
+        <p:nvCxnSpPr>
+          <p:cNvPr id="148" name="直线连接符 147">
+            <a:extLst>
+              <a:ext uri="{FF2B5EF4-FFF2-40B4-BE49-F238E27FC236}">
+                <a16:creationId xmlns:a16="http://schemas.microsoft.com/office/drawing/2014/main" id="{9C6A7730-5382-EB4A-90D7-5B5AD450E9D5}"/>
+              </a:ext>
+            </a:extLst>
+          </p:cNvPr>
+          <p:cNvCxnSpPr>
+            <a:cxnSpLocks/>
+          </p:cNvCxnSpPr>
+          <p:nvPr/>
+        </p:nvCxnSpPr>
+        <p:spPr>
+          <a:xfrm>
+            <a:off x="1592639" y="9962894"/>
+            <a:ext cx="2628000" cy="0"/>
+          </a:xfrm>
+          <a:prstGeom prst="line">
+            <a:avLst/>
+          </a:prstGeom>
+          <a:ln w="12700">
+            <a:solidFill>
+              <a:schemeClr val="accent6"/>
+            </a:solidFill>
+          </a:ln>
+        </p:spPr>
+        <p:style>
+          <a:lnRef idx="1">
+            <a:schemeClr val="accent1"/>
+          </a:lnRef>
+          <a:fillRef idx="0">
+            <a:schemeClr val="accent1"/>
+          </a:fillRef>
+          <a:effectRef idx="0">
+            <a:schemeClr val="accent1"/>
+          </a:effectRef>
+          <a:fontRef idx="minor">
+            <a:schemeClr val="tx1"/>
+          </a:fontRef>
+        </p:style>
+      </p:cxnSp>
+      <p:cxnSp>
+        <p:nvCxnSpPr>
+          <p:cNvPr id="149" name="直线连接符 148">
+            <a:extLst>
+              <a:ext uri="{FF2B5EF4-FFF2-40B4-BE49-F238E27FC236}">
+                <a16:creationId xmlns:a16="http://schemas.microsoft.com/office/drawing/2014/main" id="{D6790ED7-3D21-FD49-9C42-CE3771D65E9D}"/>
+              </a:ext>
+            </a:extLst>
+          </p:cNvPr>
+          <p:cNvCxnSpPr>
+            <a:cxnSpLocks/>
+          </p:cNvCxnSpPr>
+          <p:nvPr/>
+        </p:nvCxnSpPr>
+        <p:spPr>
+          <a:xfrm>
+            <a:off x="1630987" y="9771850"/>
+            <a:ext cx="2664000" cy="0"/>
+          </a:xfrm>
+          <a:prstGeom prst="line">
+            <a:avLst/>
+          </a:prstGeom>
+          <a:ln w="12700">
+            <a:solidFill>
+              <a:schemeClr val="accent6"/>
+            </a:solidFill>
+          </a:ln>
+        </p:spPr>
+        <p:style>
+          <a:lnRef idx="1">
+            <a:schemeClr val="accent1"/>
+          </a:lnRef>
+          <a:fillRef idx="0">
+            <a:schemeClr val="accent1"/>
+          </a:fillRef>
+          <a:effectRef idx="0">
+            <a:schemeClr val="accent1"/>
+          </a:effectRef>
+          <a:fontRef idx="minor">
+            <a:schemeClr val="tx1"/>
+          </a:fontRef>
+        </p:style>
+      </p:cxnSp>
+      <p:cxnSp>
+        <p:nvCxnSpPr>
+          <p:cNvPr id="151" name="直线连接符 150">
+            <a:extLst>
+              <a:ext uri="{FF2B5EF4-FFF2-40B4-BE49-F238E27FC236}">
+                <a16:creationId xmlns:a16="http://schemas.microsoft.com/office/drawing/2014/main" id="{25EAA8A3-268D-9948-AE2C-A2D2D4944CC9}"/>
+              </a:ext>
+            </a:extLst>
+          </p:cNvPr>
+          <p:cNvCxnSpPr>
+            <a:cxnSpLocks/>
+          </p:cNvCxnSpPr>
+          <p:nvPr/>
+        </p:nvCxnSpPr>
+        <p:spPr>
+          <a:xfrm>
+            <a:off x="1630987" y="9570118"/>
+            <a:ext cx="2772000" cy="0"/>
+          </a:xfrm>
+          <a:prstGeom prst="line">
+            <a:avLst/>
+          </a:prstGeom>
+          <a:ln w="12700">
+            <a:solidFill>
+              <a:schemeClr val="accent6"/>
+            </a:solidFill>
+          </a:ln>
+        </p:spPr>
+        <p:style>
+          <a:lnRef idx="1">
+            <a:schemeClr val="accent1"/>
+          </a:lnRef>
+          <a:fillRef idx="0">
+            <a:schemeClr val="accent1"/>
+          </a:fillRef>
+          <a:effectRef idx="0">
+            <a:schemeClr val="accent1"/>
+          </a:effectRef>
+          <a:fontRef idx="minor">
+            <a:schemeClr val="tx1"/>
+          </a:fontRef>
+        </p:style>
+      </p:cxnSp>
+      <p:cxnSp>
+        <p:nvCxnSpPr>
+          <p:cNvPr id="152" name="直线连接符 151">
+            <a:extLst>
+              <a:ext uri="{FF2B5EF4-FFF2-40B4-BE49-F238E27FC236}">
+                <a16:creationId xmlns:a16="http://schemas.microsoft.com/office/drawing/2014/main" id="{A3725A20-16D9-454F-848D-46B5E757A6DE}"/>
+              </a:ext>
+            </a:extLst>
+          </p:cNvPr>
+          <p:cNvCxnSpPr>
+            <a:cxnSpLocks/>
+          </p:cNvCxnSpPr>
+          <p:nvPr/>
+        </p:nvCxnSpPr>
+        <p:spPr>
+          <a:xfrm>
+            <a:off x="1680859" y="9382884"/>
+            <a:ext cx="2556000" cy="0"/>
+          </a:xfrm>
+          <a:prstGeom prst="line">
+            <a:avLst/>
+          </a:prstGeom>
+          <a:ln w="12700">
+            <a:solidFill>
+              <a:schemeClr val="accent6"/>
+            </a:solidFill>
+          </a:ln>
+        </p:spPr>
+        <p:style>
+          <a:lnRef idx="1">
+            <a:schemeClr val="accent1"/>
+          </a:lnRef>
+          <a:fillRef idx="0">
+            <a:schemeClr val="accent1"/>
+          </a:fillRef>
+          <a:effectRef idx="0">
+            <a:schemeClr val="accent1"/>
+          </a:effectRef>
+          <a:fontRef idx="minor">
+            <a:schemeClr val="tx1"/>
+          </a:fontRef>
+        </p:style>
+      </p:cxnSp>
+      <p:cxnSp>
+        <p:nvCxnSpPr>
+          <p:cNvPr id="153" name="直线连接符 152">
+            <a:extLst>
+              <a:ext uri="{FF2B5EF4-FFF2-40B4-BE49-F238E27FC236}">
+                <a16:creationId xmlns:a16="http://schemas.microsoft.com/office/drawing/2014/main" id="{2976AC34-079D-C64A-BF09-6FDAFF8797C0}"/>
+              </a:ext>
+            </a:extLst>
+          </p:cNvPr>
+          <p:cNvCxnSpPr>
+            <a:cxnSpLocks/>
+          </p:cNvCxnSpPr>
+          <p:nvPr/>
+        </p:nvCxnSpPr>
+        <p:spPr>
+          <a:xfrm>
+            <a:off x="1698273" y="9222694"/>
+            <a:ext cx="2340000" cy="0"/>
+          </a:xfrm>
+          <a:prstGeom prst="line">
+            <a:avLst/>
+          </a:prstGeom>
+          <a:ln w="12700">
+            <a:solidFill>
+              <a:schemeClr val="accent6"/>
+            </a:solidFill>
+          </a:ln>
+        </p:spPr>
+        <p:style>
+          <a:lnRef idx="1">
+            <a:schemeClr val="accent1"/>
+          </a:lnRef>
+          <a:fillRef idx="0">
+            <a:schemeClr val="accent1"/>
+          </a:fillRef>
+          <a:effectRef idx="0">
+            <a:schemeClr val="accent1"/>
+          </a:effectRef>
+          <a:fontRef idx="minor">
+            <a:schemeClr val="tx1"/>
+          </a:fontRef>
+        </p:style>
+      </p:cxnSp>
+      <p:sp>
+        <p:nvSpPr>
+          <p:cNvPr id="154" name="任意形状 153">
+            <a:extLst>
+              <a:ext uri="{FF2B5EF4-FFF2-40B4-BE49-F238E27FC236}">
+                <a16:creationId xmlns:a16="http://schemas.microsoft.com/office/drawing/2014/main" id="{335D8298-9180-BE45-A4D1-4F4BC70BD036}"/>
+              </a:ext>
+            </a:extLst>
+          </p:cNvPr>
+          <p:cNvSpPr/>
+          <p:nvPr/>
+        </p:nvSpPr>
+        <p:spPr>
+          <a:xfrm rot="7945484">
+            <a:off x="6605402" y="8719921"/>
+            <a:ext cx="3235983" cy="2810645"/>
+          </a:xfrm>
+          <a:custGeom>
+            <a:avLst/>
+            <a:gdLst>
+              <a:gd name="connsiteX0" fmla="*/ 18167 w 2476752"/>
+              <a:gd name="connsiteY0" fmla="*/ 320949 h 1931746"/>
+              <a:gd name="connsiteX1" fmla="*/ 1519963 w 2476752"/>
+              <a:gd name="connsiteY1" fmla="*/ 0 h 1931746"/>
+              <a:gd name="connsiteX2" fmla="*/ 1241404 w 2476752"/>
+              <a:gd name="connsiteY2" fmla="*/ 775121 h 1931746"/>
+              <a:gd name="connsiteX3" fmla="*/ 2476752 w 2476752"/>
+              <a:gd name="connsiteY3" fmla="*/ 1047624 h 1931746"/>
+              <a:gd name="connsiteX4" fmla="*/ 1114236 w 2476752"/>
+              <a:gd name="connsiteY4" fmla="*/ 1931746 h 1931746"/>
+              <a:gd name="connsiteX5" fmla="*/ 0 w 2476752"/>
+              <a:gd name="connsiteY5" fmla="*/ 1435184 h 1931746"/>
+              <a:gd name="connsiteX6" fmla="*/ 18167 w 2476752"/>
+              <a:gd name="connsiteY6" fmla="*/ 320949 h 1931746"/>
+            </a:gdLst>
+            <a:ahLst/>
+            <a:cxnLst>
+              <a:cxn ang="0">
+                <a:pos x="connsiteX0" y="connsiteY0"/>
+              </a:cxn>
+              <a:cxn ang="0">
+                <a:pos x="connsiteX1" y="connsiteY1"/>
+              </a:cxn>
+              <a:cxn ang="0">
+                <a:pos x="connsiteX2" y="connsiteY2"/>
+              </a:cxn>
+              <a:cxn ang="0">
+                <a:pos x="connsiteX3" y="connsiteY3"/>
+              </a:cxn>
+              <a:cxn ang="0">
+                <a:pos x="connsiteX4" y="connsiteY4"/>
+              </a:cxn>
+              <a:cxn ang="0">
+                <a:pos x="connsiteX5" y="connsiteY5"/>
+              </a:cxn>
+              <a:cxn ang="0">
+                <a:pos x="connsiteX6" y="connsiteY6"/>
+              </a:cxn>
+            </a:cxnLst>
+            <a:rect l="l" t="t" r="r" b="b"/>
+            <a:pathLst>
+              <a:path w="2476752" h="1931746">
+                <a:moveTo>
+                  <a:pt x="18167" y="320949"/>
+                </a:moveTo>
+                <a:lnTo>
+                  <a:pt x="1519963" y="0"/>
+                </a:lnTo>
+                <a:lnTo>
+                  <a:pt x="1241404" y="775121"/>
+                </a:lnTo>
+                <a:lnTo>
+                  <a:pt x="2476752" y="1047624"/>
+                </a:lnTo>
+                <a:lnTo>
+                  <a:pt x="1114236" y="1931746"/>
+                </a:lnTo>
+                <a:lnTo>
+                  <a:pt x="0" y="1435184"/>
+                </a:lnTo>
+                <a:lnTo>
+                  <a:pt x="18167" y="320949"/>
+                </a:lnTo>
+                <a:close/>
+              </a:path>
+            </a:pathLst>
+          </a:custGeom>
+          <a:noFill/>
+          <a:ln w="25400">
+            <a:solidFill>
+              <a:schemeClr val="accent2"/>
+            </a:solidFill>
+          </a:ln>
+        </p:spPr>
+        <p:style>
+          <a:lnRef idx="2">
+            <a:schemeClr val="accent1">
+              <a:shade val="50000"/>
+            </a:schemeClr>
+          </a:lnRef>
+          <a:fillRef idx="1">
+            <a:schemeClr val="accent1"/>
+          </a:fillRef>
+          <a:effectRef idx="0">
+            <a:schemeClr val="accent1"/>
+          </a:effectRef>
+          <a:fontRef idx="minor">
+            <a:schemeClr val="lt1"/>
+          </a:fontRef>
+        </p:style>
+        <p:txBody>
+          <a:bodyPr rot="0" spcFirstLastPara="0" vert="horz" wrap="square" lIns="91440" tIns="45720" rIns="91440" bIns="45720" numCol="1" spcCol="0" rtlCol="0" fromWordArt="0" anchor="ctr" anchorCtr="0" forceAA="0" compatLnSpc="1">
+            <a:prstTxWarp prst="textNoShape">
+              <a:avLst/>
+            </a:prstTxWarp>
+            <a:noAutofit/>
+          </a:bodyPr>
+          <a:lstStyle/>
+          <a:p>
+            <a:endParaRPr lang="zh-CN" altLang="en-US"/>
+          </a:p>
+        </p:txBody>
+      </p:sp>
+      <p:grpSp>
+        <p:nvGrpSpPr>
+          <p:cNvPr id="155" name="组合 154">
+            <a:extLst>
+              <a:ext uri="{FF2B5EF4-FFF2-40B4-BE49-F238E27FC236}">
+                <a16:creationId xmlns:a16="http://schemas.microsoft.com/office/drawing/2014/main" id="{857745D6-B2CE-5A41-A971-CE28614903F9}"/>
+              </a:ext>
+            </a:extLst>
+          </p:cNvPr>
+          <p:cNvGrpSpPr/>
+          <p:nvPr/>
+        </p:nvGrpSpPr>
+        <p:grpSpPr>
+          <a:xfrm>
+            <a:off x="6017222" y="8276460"/>
+            <a:ext cx="4993908" cy="369332"/>
+            <a:chOff x="5704572" y="3076876"/>
+            <a:chExt cx="4993908" cy="369332"/>
+          </a:xfrm>
+        </p:grpSpPr>
+        <p:cxnSp>
+          <p:nvCxnSpPr>
+            <p:cNvPr id="156" name="直线连接符 155">
+              <a:extLst>
+                <a:ext uri="{FF2B5EF4-FFF2-40B4-BE49-F238E27FC236}">
+                  <a16:creationId xmlns:a16="http://schemas.microsoft.com/office/drawing/2014/main" id="{1CB30CA5-9729-6A48-A684-097F774B2921}"/>
+                </a:ext>
+              </a:extLst>
+            </p:cNvPr>
+            <p:cNvCxnSpPr>
+              <a:cxnSpLocks/>
+            </p:cNvCxnSpPr>
+            <p:nvPr/>
+          </p:nvCxnSpPr>
+          <p:spPr>
+            <a:xfrm>
+              <a:off x="6258439" y="3261542"/>
+              <a:ext cx="4440041" cy="0"/>
+            </a:xfrm>
+            <a:prstGeom prst="line">
+              <a:avLst/>
+            </a:prstGeom>
+            <a:ln w="19050">
+              <a:solidFill>
+                <a:srgbClr val="FF0000"/>
+              </a:solidFill>
+            </a:ln>
+          </p:spPr>
+          <p:style>
+            <a:lnRef idx="1">
+              <a:schemeClr val="accent1"/>
+            </a:lnRef>
+            <a:fillRef idx="0">
+              <a:schemeClr val="accent1"/>
+            </a:fillRef>
+            <a:effectRef idx="0">
+              <a:schemeClr val="accent1"/>
+            </a:effectRef>
+            <a:fontRef idx="minor">
+              <a:schemeClr val="tx1"/>
+            </a:fontRef>
+          </p:style>
+        </p:cxnSp>
+        <p:sp>
+          <p:nvSpPr>
+            <p:cNvPr id="157" name="文本框 156">
+              <a:extLst>
+                <a:ext uri="{FF2B5EF4-FFF2-40B4-BE49-F238E27FC236}">
+                  <a16:creationId xmlns:a16="http://schemas.microsoft.com/office/drawing/2014/main" id="{253EC502-A736-0F4B-A102-6E8B08F22023}"/>
+                </a:ext>
+              </a:extLst>
+            </p:cNvPr>
+            <p:cNvSpPr txBox="1"/>
+            <p:nvPr/>
+          </p:nvSpPr>
+          <p:spPr>
+            <a:xfrm>
+              <a:off x="5704572" y="3076876"/>
+              <a:ext cx="292068" cy="369332"/>
+            </a:xfrm>
+            <a:prstGeom prst="rect">
+              <a:avLst/>
+            </a:prstGeom>
+            <a:noFill/>
+          </p:spPr>
+          <p:txBody>
+            <a:bodyPr wrap="none" rtlCol="0">
+              <a:spAutoFit/>
+            </a:bodyPr>
+            <a:lstStyle/>
+            <a:p>
+              <a:r>
+                <a:rPr kumimoji="1" lang="en-US" altLang="zh-CN" dirty="0"/>
+                <a:t>y</a:t>
+              </a:r>
+              <a:endParaRPr kumimoji="1" lang="zh-CN" altLang="en-US" dirty="0"/>
+            </a:p>
+          </p:txBody>
+        </p:sp>
+      </p:grpSp>
+      <p:sp>
+        <p:nvSpPr>
+          <p:cNvPr id="158" name="文本框 157">
+            <a:extLst>
+              <a:ext uri="{FF2B5EF4-FFF2-40B4-BE49-F238E27FC236}">
+                <a16:creationId xmlns:a16="http://schemas.microsoft.com/office/drawing/2014/main" id="{701F4089-203A-2145-B30B-7B1480D24A0B}"/>
+              </a:ext>
+            </a:extLst>
+          </p:cNvPr>
+          <p:cNvSpPr txBox="1"/>
+          <p:nvPr/>
+        </p:nvSpPr>
+        <p:spPr>
+          <a:xfrm>
+            <a:off x="7936365" y="11666566"/>
+            <a:ext cx="319318" cy="369332"/>
+          </a:xfrm>
+          <a:prstGeom prst="rect">
+            <a:avLst/>
+          </a:prstGeom>
+          <a:noFill/>
+        </p:spPr>
+        <p:txBody>
+          <a:bodyPr wrap="none" rtlCol="0">
+            <a:spAutoFit/>
+          </a:bodyPr>
+          <a:lstStyle/>
+          <a:p>
+            <a:r>
+              <a:rPr kumimoji="1" lang="en-US" altLang="zh-CN" dirty="0"/>
+              <a:t>(f</a:t>
+            </a:r>
+            <a:endParaRPr kumimoji="1" lang="zh-CN" altLang="en-US" dirty="0"/>
+          </a:p>
+        </p:txBody>
+      </p:sp>
+      <p:cxnSp>
+        <p:nvCxnSpPr>
+          <p:cNvPr id="160" name="直线连接符 159">
+            <a:extLst>
+              <a:ext uri="{FF2B5EF4-FFF2-40B4-BE49-F238E27FC236}">
+                <a16:creationId xmlns:a16="http://schemas.microsoft.com/office/drawing/2014/main" id="{C53C8C6D-D403-CD4F-AD19-41ADC1435EBE}"/>
+              </a:ext>
+            </a:extLst>
+          </p:cNvPr>
+          <p:cNvCxnSpPr>
+            <a:cxnSpLocks/>
+          </p:cNvCxnSpPr>
+          <p:nvPr/>
+        </p:nvCxnSpPr>
+        <p:spPr>
+          <a:xfrm>
+            <a:off x="7044061" y="11095651"/>
+            <a:ext cx="251394" cy="0"/>
+          </a:xfrm>
+          <a:prstGeom prst="line">
+            <a:avLst/>
+          </a:prstGeom>
+          <a:ln w="12700">
+            <a:solidFill>
+              <a:schemeClr val="accent6"/>
+            </a:solidFill>
+          </a:ln>
+        </p:spPr>
+        <p:style>
+          <a:lnRef idx="1">
+            <a:schemeClr val="accent1"/>
+          </a:lnRef>
+          <a:fillRef idx="0">
+            <a:schemeClr val="accent1"/>
+          </a:fillRef>
+          <a:effectRef idx="0">
+            <a:schemeClr val="accent1"/>
+          </a:effectRef>
+          <a:fontRef idx="minor">
+            <a:schemeClr val="tx1"/>
+          </a:fontRef>
+        </p:style>
+      </p:cxnSp>
+      <p:cxnSp>
+        <p:nvCxnSpPr>
+          <p:cNvPr id="161" name="直线连接符 160">
+            <a:extLst>
+              <a:ext uri="{FF2B5EF4-FFF2-40B4-BE49-F238E27FC236}">
+                <a16:creationId xmlns:a16="http://schemas.microsoft.com/office/drawing/2014/main" id="{97F9E67B-0A27-4C4A-926F-CB952C16B1AF}"/>
+              </a:ext>
+            </a:extLst>
+          </p:cNvPr>
+          <p:cNvCxnSpPr>
+            <a:cxnSpLocks/>
+          </p:cNvCxnSpPr>
+          <p:nvPr/>
+        </p:nvCxnSpPr>
+        <p:spPr>
+          <a:xfrm>
+            <a:off x="7065830" y="10960667"/>
+            <a:ext cx="432000" cy="0"/>
+          </a:xfrm>
+          <a:prstGeom prst="line">
+            <a:avLst/>
+          </a:prstGeom>
+          <a:ln w="12700">
+            <a:solidFill>
+              <a:schemeClr val="accent6"/>
+            </a:solidFill>
+          </a:ln>
+        </p:spPr>
+        <p:style>
+          <a:lnRef idx="1">
+            <a:schemeClr val="accent1"/>
+          </a:lnRef>
+          <a:fillRef idx="0">
+            <a:schemeClr val="accent1"/>
+          </a:fillRef>
+          <a:effectRef idx="0">
+            <a:schemeClr val="accent1"/>
+          </a:effectRef>
+          <a:fontRef idx="minor">
+            <a:schemeClr val="tx1"/>
+          </a:fontRef>
+        </p:style>
+      </p:cxnSp>
+      <p:cxnSp>
+        <p:nvCxnSpPr>
+          <p:cNvPr id="162" name="直线连接符 161">
+            <a:extLst>
+              <a:ext uri="{FF2B5EF4-FFF2-40B4-BE49-F238E27FC236}">
+                <a16:creationId xmlns:a16="http://schemas.microsoft.com/office/drawing/2014/main" id="{8D741128-12DD-CF46-A554-38976360629F}"/>
+              </a:ext>
+            </a:extLst>
+          </p:cNvPr>
+          <p:cNvCxnSpPr>
+            <a:cxnSpLocks/>
+          </p:cNvCxnSpPr>
+          <p:nvPr/>
+        </p:nvCxnSpPr>
+        <p:spPr>
+          <a:xfrm>
+            <a:off x="7115354" y="10773433"/>
+            <a:ext cx="612000" cy="0"/>
+          </a:xfrm>
+          <a:prstGeom prst="line">
+            <a:avLst/>
+          </a:prstGeom>
+          <a:ln w="12700">
+            <a:solidFill>
+              <a:schemeClr val="accent6"/>
+            </a:solidFill>
+          </a:ln>
+        </p:spPr>
+        <p:style>
+          <a:lnRef idx="1">
+            <a:schemeClr val="accent1"/>
+          </a:lnRef>
+          <a:fillRef idx="0">
+            <a:schemeClr val="accent1"/>
+          </a:fillRef>
+          <a:effectRef idx="0">
+            <a:schemeClr val="accent1"/>
+          </a:effectRef>
+          <a:fontRef idx="minor">
+            <a:schemeClr val="tx1"/>
+          </a:fontRef>
+        </p:style>
+      </p:cxnSp>
+      <p:cxnSp>
+        <p:nvCxnSpPr>
+          <p:cNvPr id="163" name="直线连接符 162">
+            <a:extLst>
+              <a:ext uri="{FF2B5EF4-FFF2-40B4-BE49-F238E27FC236}">
+                <a16:creationId xmlns:a16="http://schemas.microsoft.com/office/drawing/2014/main" id="{1C7ACD01-78B8-E841-A44A-648A9FF3C14C}"/>
+              </a:ext>
+            </a:extLst>
+          </p:cNvPr>
+          <p:cNvCxnSpPr>
+            <a:cxnSpLocks/>
+          </p:cNvCxnSpPr>
+          <p:nvPr/>
+        </p:nvCxnSpPr>
+        <p:spPr>
+          <a:xfrm>
+            <a:off x="7115354" y="10578144"/>
+            <a:ext cx="900000" cy="0"/>
+          </a:xfrm>
+          <a:prstGeom prst="line">
+            <a:avLst/>
+          </a:prstGeom>
+          <a:ln w="12700">
+            <a:solidFill>
+              <a:schemeClr val="accent6"/>
+            </a:solidFill>
+          </a:ln>
+        </p:spPr>
+        <p:style>
+          <a:lnRef idx="1">
+            <a:schemeClr val="accent1"/>
+          </a:lnRef>
+          <a:fillRef idx="0">
+            <a:schemeClr val="accent1"/>
+          </a:fillRef>
+          <a:effectRef idx="0">
+            <a:schemeClr val="accent1"/>
+          </a:effectRef>
+          <a:fontRef idx="minor">
+            <a:schemeClr val="tx1"/>
+          </a:fontRef>
+        </p:style>
+      </p:cxnSp>
+      <p:cxnSp>
+        <p:nvCxnSpPr>
+          <p:cNvPr id="164" name="直线连接符 163">
+            <a:extLst>
+              <a:ext uri="{FF2B5EF4-FFF2-40B4-BE49-F238E27FC236}">
+                <a16:creationId xmlns:a16="http://schemas.microsoft.com/office/drawing/2014/main" id="{C9FCE411-7E79-A344-9BD0-8A0F3E9E703A}"/>
+              </a:ext>
+            </a:extLst>
+          </p:cNvPr>
+          <p:cNvCxnSpPr>
+            <a:cxnSpLocks/>
+          </p:cNvCxnSpPr>
+          <p:nvPr/>
+        </p:nvCxnSpPr>
+        <p:spPr>
+          <a:xfrm>
+            <a:off x="7124057" y="10421479"/>
+            <a:ext cx="1116000" cy="0"/>
+          </a:xfrm>
+          <a:prstGeom prst="line">
+            <a:avLst/>
+          </a:prstGeom>
+          <a:ln w="12700">
+            <a:solidFill>
+              <a:schemeClr val="accent6"/>
+            </a:solidFill>
+          </a:ln>
+        </p:spPr>
+        <p:style>
+          <a:lnRef idx="1">
+            <a:schemeClr val="accent1"/>
+          </a:lnRef>
+          <a:fillRef idx="0">
+            <a:schemeClr val="accent1"/>
+          </a:fillRef>
+          <a:effectRef idx="0">
+            <a:schemeClr val="accent1"/>
+          </a:effectRef>
+          <a:fontRef idx="minor">
+            <a:schemeClr val="tx1"/>
+          </a:fontRef>
+        </p:style>
+      </p:cxnSp>
+      <p:cxnSp>
+        <p:nvCxnSpPr>
+          <p:cNvPr id="165" name="直线连接符 164">
+            <a:extLst>
+              <a:ext uri="{FF2B5EF4-FFF2-40B4-BE49-F238E27FC236}">
+                <a16:creationId xmlns:a16="http://schemas.microsoft.com/office/drawing/2014/main" id="{974389A3-5366-5045-B3A2-F026EF45D58A}"/>
+              </a:ext>
+            </a:extLst>
+          </p:cNvPr>
+          <p:cNvCxnSpPr>
+            <a:cxnSpLocks/>
+          </p:cNvCxnSpPr>
+          <p:nvPr/>
+        </p:nvCxnSpPr>
+        <p:spPr>
+          <a:xfrm>
+            <a:off x="8881574" y="11104358"/>
+            <a:ext cx="251394" cy="0"/>
+          </a:xfrm>
+          <a:prstGeom prst="line">
+            <a:avLst/>
+          </a:prstGeom>
+          <a:ln w="12700">
+            <a:solidFill>
+              <a:schemeClr val="accent6"/>
+            </a:solidFill>
+          </a:ln>
+        </p:spPr>
+        <p:style>
+          <a:lnRef idx="1">
+            <a:schemeClr val="accent1"/>
+          </a:lnRef>
+          <a:fillRef idx="0">
+            <a:schemeClr val="accent1"/>
+          </a:fillRef>
+          <a:effectRef idx="0">
+            <a:schemeClr val="accent1"/>
+          </a:effectRef>
+          <a:fontRef idx="minor">
+            <a:schemeClr val="tx1"/>
+          </a:fontRef>
+        </p:style>
+      </p:cxnSp>
+      <p:cxnSp>
+        <p:nvCxnSpPr>
+          <p:cNvPr id="166" name="直线连接符 165">
+            <a:extLst>
+              <a:ext uri="{FF2B5EF4-FFF2-40B4-BE49-F238E27FC236}">
+                <a16:creationId xmlns:a16="http://schemas.microsoft.com/office/drawing/2014/main" id="{C178C57A-29C5-3A4F-810E-7BCC470EF42D}"/>
+              </a:ext>
+            </a:extLst>
+          </p:cNvPr>
+          <p:cNvCxnSpPr>
+            <a:cxnSpLocks/>
+          </p:cNvCxnSpPr>
+          <p:nvPr/>
+        </p:nvCxnSpPr>
+        <p:spPr>
+          <a:xfrm>
+            <a:off x="8798839" y="10969374"/>
+            <a:ext cx="432000" cy="0"/>
+          </a:xfrm>
+          <a:prstGeom prst="line">
+            <a:avLst/>
+          </a:prstGeom>
+          <a:ln w="12700">
+            <a:solidFill>
+              <a:schemeClr val="accent6"/>
+            </a:solidFill>
+          </a:ln>
+        </p:spPr>
+        <p:style>
+          <a:lnRef idx="1">
+            <a:schemeClr val="accent1"/>
+          </a:lnRef>
+          <a:fillRef idx="0">
+            <a:schemeClr val="accent1"/>
+          </a:fillRef>
+          <a:effectRef idx="0">
+            <a:schemeClr val="accent1"/>
+          </a:effectRef>
+          <a:fontRef idx="minor">
+            <a:schemeClr val="tx1"/>
+          </a:fontRef>
+        </p:style>
+      </p:cxnSp>
+      <p:cxnSp>
+        <p:nvCxnSpPr>
+          <p:cNvPr id="167" name="直线连接符 166">
+            <a:extLst>
+              <a:ext uri="{FF2B5EF4-FFF2-40B4-BE49-F238E27FC236}">
+                <a16:creationId xmlns:a16="http://schemas.microsoft.com/office/drawing/2014/main" id="{0918BCA5-793C-094D-94DF-FEE6417F9626}"/>
+              </a:ext>
+            </a:extLst>
+          </p:cNvPr>
+          <p:cNvCxnSpPr>
+            <a:cxnSpLocks/>
+          </p:cNvCxnSpPr>
+          <p:nvPr/>
+        </p:nvCxnSpPr>
+        <p:spPr>
+          <a:xfrm>
+            <a:off x="8704670" y="10782140"/>
+            <a:ext cx="612000" cy="0"/>
+          </a:xfrm>
+          <a:prstGeom prst="line">
+            <a:avLst/>
+          </a:prstGeom>
+          <a:ln w="12700">
+            <a:solidFill>
+              <a:schemeClr val="accent6"/>
+            </a:solidFill>
+          </a:ln>
+        </p:spPr>
+        <p:style>
+          <a:lnRef idx="1">
+            <a:schemeClr val="accent1"/>
+          </a:lnRef>
+          <a:fillRef idx="0">
+            <a:schemeClr val="accent1"/>
+          </a:fillRef>
+          <a:effectRef idx="0">
+            <a:schemeClr val="accent1"/>
+          </a:effectRef>
+          <a:fontRef idx="minor">
+            <a:schemeClr val="tx1"/>
+          </a:fontRef>
+        </p:style>
+      </p:cxnSp>
+      <p:cxnSp>
+        <p:nvCxnSpPr>
+          <p:cNvPr id="168" name="直线连接符 167">
+            <a:extLst>
+              <a:ext uri="{FF2B5EF4-FFF2-40B4-BE49-F238E27FC236}">
+                <a16:creationId xmlns:a16="http://schemas.microsoft.com/office/drawing/2014/main" id="{650C35CF-C9CB-F448-AF75-A0C143C7AA25}"/>
+              </a:ext>
+            </a:extLst>
+          </p:cNvPr>
+          <p:cNvCxnSpPr>
+            <a:cxnSpLocks/>
+          </p:cNvCxnSpPr>
+          <p:nvPr/>
+        </p:nvCxnSpPr>
+        <p:spPr>
+          <a:xfrm>
+            <a:off x="8574042" y="10586851"/>
+            <a:ext cx="900000" cy="0"/>
+          </a:xfrm>
+          <a:prstGeom prst="line">
+            <a:avLst/>
+          </a:prstGeom>
+          <a:ln w="12700">
+            <a:solidFill>
+              <a:schemeClr val="accent6"/>
+            </a:solidFill>
+          </a:ln>
+        </p:spPr>
+        <p:style>
+          <a:lnRef idx="1">
+            <a:schemeClr val="accent1"/>
+          </a:lnRef>
+          <a:fillRef idx="0">
+            <a:schemeClr val="accent1"/>
+          </a:fillRef>
+          <a:effectRef idx="0">
+            <a:schemeClr val="accent1"/>
+          </a:effectRef>
+          <a:fontRef idx="minor">
+            <a:schemeClr val="tx1"/>
+          </a:fontRef>
+        </p:style>
+      </p:cxnSp>
+      <p:cxnSp>
+        <p:nvCxnSpPr>
+          <p:cNvPr id="169" name="直线连接符 168">
+            <a:extLst>
+              <a:ext uri="{FF2B5EF4-FFF2-40B4-BE49-F238E27FC236}">
+                <a16:creationId xmlns:a16="http://schemas.microsoft.com/office/drawing/2014/main" id="{534DD90C-AE94-984F-8069-9387D30A0295}"/>
+              </a:ext>
+            </a:extLst>
+          </p:cNvPr>
+          <p:cNvCxnSpPr>
+            <a:cxnSpLocks/>
+          </p:cNvCxnSpPr>
+          <p:nvPr/>
+        </p:nvCxnSpPr>
+        <p:spPr>
+          <a:xfrm>
+            <a:off x="8504368" y="10430186"/>
+            <a:ext cx="1008000" cy="0"/>
+          </a:xfrm>
+          <a:prstGeom prst="line">
+            <a:avLst/>
+          </a:prstGeom>
+          <a:ln w="12700">
+            <a:solidFill>
+              <a:schemeClr val="accent6"/>
+            </a:solidFill>
+          </a:ln>
+        </p:spPr>
+        <p:style>
+          <a:lnRef idx="1">
+            <a:schemeClr val="accent1"/>
+          </a:lnRef>
+          <a:fillRef idx="0">
+            <a:schemeClr val="accent1"/>
+          </a:fillRef>
+          <a:effectRef idx="0">
+            <a:schemeClr val="accent1"/>
+          </a:effectRef>
+          <a:fontRef idx="minor">
+            <a:schemeClr val="tx1"/>
+          </a:fontRef>
+        </p:style>
+      </p:cxnSp>
+      <p:cxnSp>
+        <p:nvCxnSpPr>
+          <p:cNvPr id="170" name="直线连接符 169">
+            <a:extLst>
+              <a:ext uri="{FF2B5EF4-FFF2-40B4-BE49-F238E27FC236}">
+                <a16:creationId xmlns:a16="http://schemas.microsoft.com/office/drawing/2014/main" id="{06D24DBC-1E50-E94B-9AF0-A99E0B3368C9}"/>
+              </a:ext>
+            </a:extLst>
+          </p:cNvPr>
+          <p:cNvCxnSpPr>
+            <a:cxnSpLocks/>
+          </p:cNvCxnSpPr>
+          <p:nvPr/>
+        </p:nvCxnSpPr>
+        <p:spPr>
+          <a:xfrm>
+            <a:off x="7146476" y="10309909"/>
+            <a:ext cx="2448000" cy="0"/>
+          </a:xfrm>
+          <a:prstGeom prst="line">
+            <a:avLst/>
+          </a:prstGeom>
+          <a:ln w="12700">
+            <a:solidFill>
+              <a:schemeClr val="accent6"/>
+            </a:solidFill>
+          </a:ln>
+        </p:spPr>
+        <p:style>
+          <a:lnRef idx="1">
+            <a:schemeClr val="accent1"/>
+          </a:lnRef>
+          <a:fillRef idx="0">
+            <a:schemeClr val="accent1"/>
+          </a:fillRef>
+          <a:effectRef idx="0">
+            <a:schemeClr val="accent1"/>
+          </a:effectRef>
+          <a:fontRef idx="minor">
+            <a:schemeClr val="tx1"/>
+          </a:fontRef>
+        </p:style>
+      </p:cxnSp>
+      <p:cxnSp>
+        <p:nvCxnSpPr>
+          <p:cNvPr id="172" name="直线连接符 171">
+            <a:extLst>
+              <a:ext uri="{FF2B5EF4-FFF2-40B4-BE49-F238E27FC236}">
+                <a16:creationId xmlns:a16="http://schemas.microsoft.com/office/drawing/2014/main" id="{B136D196-0A87-FC48-B30F-6B27FB5CEAC9}"/>
+              </a:ext>
+            </a:extLst>
+          </p:cNvPr>
+          <p:cNvCxnSpPr>
+            <a:cxnSpLocks/>
+          </p:cNvCxnSpPr>
+          <p:nvPr/>
+        </p:nvCxnSpPr>
+        <p:spPr>
+          <a:xfrm>
+            <a:off x="7156476" y="10148400"/>
+            <a:ext cx="2520000" cy="0"/>
+          </a:xfrm>
+          <a:prstGeom prst="line">
+            <a:avLst/>
+          </a:prstGeom>
+          <a:ln w="12700">
+            <a:solidFill>
+              <a:schemeClr val="accent6"/>
+            </a:solidFill>
+          </a:ln>
+        </p:spPr>
+        <p:style>
+          <a:lnRef idx="1">
+            <a:schemeClr val="accent1"/>
+          </a:lnRef>
+          <a:fillRef idx="0">
+            <a:schemeClr val="accent1"/>
+          </a:fillRef>
+          <a:effectRef idx="0">
+            <a:schemeClr val="accent1"/>
+          </a:effectRef>
+          <a:fontRef idx="minor">
+            <a:schemeClr val="tx1"/>
+          </a:fontRef>
+        </p:style>
+      </p:cxnSp>
+      <p:cxnSp>
+        <p:nvCxnSpPr>
+          <p:cNvPr id="173" name="直线连接符 172">
+            <a:extLst>
+              <a:ext uri="{FF2B5EF4-FFF2-40B4-BE49-F238E27FC236}">
+                <a16:creationId xmlns:a16="http://schemas.microsoft.com/office/drawing/2014/main" id="{94EB24EA-A0C3-C943-AC1F-E96E869B75D8}"/>
+              </a:ext>
+            </a:extLst>
+          </p:cNvPr>
+          <p:cNvCxnSpPr>
+            <a:cxnSpLocks/>
+          </p:cNvCxnSpPr>
+          <p:nvPr/>
+        </p:nvCxnSpPr>
+        <p:spPr>
+          <a:xfrm>
+            <a:off x="7169758" y="9974228"/>
+            <a:ext cx="2628000" cy="0"/>
+          </a:xfrm>
+          <a:prstGeom prst="line">
+            <a:avLst/>
+          </a:prstGeom>
+          <a:ln w="12700">
+            <a:solidFill>
+              <a:schemeClr val="accent6"/>
+            </a:solidFill>
+          </a:ln>
+        </p:spPr>
+        <p:style>
+          <a:lnRef idx="1">
+            <a:schemeClr val="accent1"/>
+          </a:lnRef>
+          <a:fillRef idx="0">
+            <a:schemeClr val="accent1"/>
+          </a:fillRef>
+          <a:effectRef idx="0">
+            <a:schemeClr val="accent1"/>
+          </a:effectRef>
+          <a:fontRef idx="minor">
+            <a:schemeClr val="tx1"/>
+          </a:fontRef>
+        </p:style>
+      </p:cxnSp>
+      <p:cxnSp>
+        <p:nvCxnSpPr>
+          <p:cNvPr id="174" name="直线连接符 173">
+            <a:extLst>
+              <a:ext uri="{FF2B5EF4-FFF2-40B4-BE49-F238E27FC236}">
+                <a16:creationId xmlns:a16="http://schemas.microsoft.com/office/drawing/2014/main" id="{31836F55-3861-2C47-A125-E42C232A279F}"/>
+              </a:ext>
+            </a:extLst>
+          </p:cNvPr>
+          <p:cNvCxnSpPr>
+            <a:cxnSpLocks/>
+          </p:cNvCxnSpPr>
+          <p:nvPr/>
+        </p:nvCxnSpPr>
+        <p:spPr>
+          <a:xfrm>
+            <a:off x="7208106" y="9783184"/>
+            <a:ext cx="2664000" cy="0"/>
+          </a:xfrm>
+          <a:prstGeom prst="line">
+            <a:avLst/>
+          </a:prstGeom>
+          <a:ln w="12700">
+            <a:solidFill>
+              <a:schemeClr val="accent6"/>
+            </a:solidFill>
+          </a:ln>
+        </p:spPr>
+        <p:style>
+          <a:lnRef idx="1">
+            <a:schemeClr val="accent1"/>
+          </a:lnRef>
+          <a:fillRef idx="0">
+            <a:schemeClr val="accent1"/>
+          </a:fillRef>
+          <a:effectRef idx="0">
+            <a:schemeClr val="accent1"/>
+          </a:effectRef>
+          <a:fontRef idx="minor">
+            <a:schemeClr val="tx1"/>
+          </a:fontRef>
+        </p:style>
+      </p:cxnSp>
+      <p:cxnSp>
+        <p:nvCxnSpPr>
+          <p:cNvPr id="175" name="直线连接符 174">
+            <a:extLst>
+              <a:ext uri="{FF2B5EF4-FFF2-40B4-BE49-F238E27FC236}">
+                <a16:creationId xmlns:a16="http://schemas.microsoft.com/office/drawing/2014/main" id="{8106EAFF-0F7B-5B48-86A7-90D6262C48B6}"/>
+              </a:ext>
+            </a:extLst>
+          </p:cNvPr>
+          <p:cNvCxnSpPr>
+            <a:cxnSpLocks/>
+          </p:cNvCxnSpPr>
+          <p:nvPr/>
+        </p:nvCxnSpPr>
+        <p:spPr>
+          <a:xfrm>
+            <a:off x="7208106" y="9581452"/>
+            <a:ext cx="2772000" cy="0"/>
+          </a:xfrm>
+          <a:prstGeom prst="line">
+            <a:avLst/>
+          </a:prstGeom>
+          <a:ln w="12700">
+            <a:solidFill>
+              <a:schemeClr val="accent6"/>
+            </a:solidFill>
+          </a:ln>
+        </p:spPr>
+        <p:style>
+          <a:lnRef idx="1">
+            <a:schemeClr val="accent1"/>
+          </a:lnRef>
+          <a:fillRef idx="0">
+            <a:schemeClr val="accent1"/>
+          </a:fillRef>
+          <a:effectRef idx="0">
+            <a:schemeClr val="accent1"/>
+          </a:effectRef>
+          <a:fontRef idx="minor">
+            <a:schemeClr val="tx1"/>
+          </a:fontRef>
+        </p:style>
+      </p:cxnSp>
+      <p:cxnSp>
+        <p:nvCxnSpPr>
+          <p:cNvPr id="176" name="直线连接符 175">
+            <a:extLst>
+              <a:ext uri="{FF2B5EF4-FFF2-40B4-BE49-F238E27FC236}">
+                <a16:creationId xmlns:a16="http://schemas.microsoft.com/office/drawing/2014/main" id="{F7E7386B-85FE-0241-91A7-EA4E86458D2D}"/>
+              </a:ext>
+            </a:extLst>
+          </p:cNvPr>
+          <p:cNvCxnSpPr>
+            <a:cxnSpLocks/>
+          </p:cNvCxnSpPr>
+          <p:nvPr/>
+        </p:nvCxnSpPr>
+        <p:spPr>
+          <a:xfrm>
+            <a:off x="7257978" y="9394218"/>
+            <a:ext cx="2556000" cy="0"/>
+          </a:xfrm>
+          <a:prstGeom prst="line">
+            <a:avLst/>
+          </a:prstGeom>
+          <a:ln w="12700">
+            <a:solidFill>
+              <a:schemeClr val="accent6"/>
+            </a:solidFill>
+          </a:ln>
+        </p:spPr>
+        <p:style>
+          <a:lnRef idx="1">
+            <a:schemeClr val="accent1"/>
+          </a:lnRef>
+          <a:fillRef idx="0">
+            <a:schemeClr val="accent1"/>
+          </a:fillRef>
+          <a:effectRef idx="0">
+            <a:schemeClr val="accent1"/>
+          </a:effectRef>
+          <a:fontRef idx="minor">
+            <a:schemeClr val="tx1"/>
+          </a:fontRef>
+        </p:style>
+      </p:cxnSp>
+      <p:cxnSp>
+        <p:nvCxnSpPr>
+          <p:cNvPr id="177" name="直线连接符 176">
+            <a:extLst>
+              <a:ext uri="{FF2B5EF4-FFF2-40B4-BE49-F238E27FC236}">
+                <a16:creationId xmlns:a16="http://schemas.microsoft.com/office/drawing/2014/main" id="{0E913A14-6892-2F40-964E-056A2C7E0367}"/>
+              </a:ext>
+            </a:extLst>
+          </p:cNvPr>
+          <p:cNvCxnSpPr>
+            <a:cxnSpLocks/>
+          </p:cNvCxnSpPr>
+          <p:nvPr/>
+        </p:nvCxnSpPr>
+        <p:spPr>
+          <a:xfrm>
+            <a:off x="7275392" y="9234028"/>
+            <a:ext cx="2340000" cy="0"/>
+          </a:xfrm>
+          <a:prstGeom prst="line">
+            <a:avLst/>
+          </a:prstGeom>
+          <a:ln w="12700">
+            <a:solidFill>
+              <a:schemeClr val="accent6"/>
+            </a:solidFill>
+          </a:ln>
+        </p:spPr>
+        <p:style>
+          <a:lnRef idx="1">
+            <a:schemeClr val="accent1"/>
+          </a:lnRef>
+          <a:fillRef idx="0">
+            <a:schemeClr val="accent1"/>
+          </a:fillRef>
+          <a:effectRef idx="0">
+            <a:schemeClr val="accent1"/>
+          </a:effectRef>
+          <a:fontRef idx="minor">
+            <a:schemeClr val="tx1"/>
+          </a:fontRef>
+        </p:style>
+      </p:cxnSp>
+      <p:cxnSp>
+        <p:nvCxnSpPr>
+          <p:cNvPr id="178" name="直线连接符 177">
+            <a:extLst>
+              <a:ext uri="{FF2B5EF4-FFF2-40B4-BE49-F238E27FC236}">
+                <a16:creationId xmlns:a16="http://schemas.microsoft.com/office/drawing/2014/main" id="{3D525C4C-A6F1-824F-A7E0-F4CD609E671C}"/>
+              </a:ext>
+            </a:extLst>
+          </p:cNvPr>
+          <p:cNvCxnSpPr>
+            <a:cxnSpLocks/>
+          </p:cNvCxnSpPr>
+          <p:nvPr/>
+        </p:nvCxnSpPr>
+        <p:spPr>
+          <a:xfrm>
+            <a:off x="7275392" y="9072249"/>
+            <a:ext cx="2196000" cy="0"/>
+          </a:xfrm>
+          <a:prstGeom prst="line">
+            <a:avLst/>
+          </a:prstGeom>
+          <a:ln w="12700">
+            <a:solidFill>
+              <a:schemeClr val="accent6"/>
+            </a:solidFill>
+          </a:ln>
+        </p:spPr>
+        <p:style>
+          <a:lnRef idx="1">
+            <a:schemeClr val="accent1"/>
+          </a:lnRef>
+          <a:fillRef idx="0">
+            <a:schemeClr val="accent1"/>
+          </a:fillRef>
+          <a:effectRef idx="0">
+            <a:schemeClr val="accent1"/>
+          </a:effectRef>
+          <a:fontRef idx="minor">
+            <a:schemeClr val="tx1"/>
+          </a:fontRef>
+        </p:style>
+      </p:cxnSp>
+      <p:cxnSp>
+        <p:nvCxnSpPr>
+          <p:cNvPr id="179" name="直线连接符 178">
+            <a:extLst>
+              <a:ext uri="{FF2B5EF4-FFF2-40B4-BE49-F238E27FC236}">
+                <a16:creationId xmlns:a16="http://schemas.microsoft.com/office/drawing/2014/main" id="{53A723C6-BC10-5E48-B7CA-2ACCB99E09A4}"/>
+              </a:ext>
+            </a:extLst>
+          </p:cNvPr>
+          <p:cNvCxnSpPr>
+            <a:cxnSpLocks/>
+          </p:cNvCxnSpPr>
+          <p:nvPr/>
+        </p:nvCxnSpPr>
+        <p:spPr>
+          <a:xfrm>
+            <a:off x="7729637" y="8883884"/>
+            <a:ext cx="1512000" cy="0"/>
+          </a:xfrm>
+          <a:prstGeom prst="line">
+            <a:avLst/>
+          </a:prstGeom>
+          <a:ln w="12700">
+            <a:solidFill>
+              <a:schemeClr val="accent6"/>
+            </a:solidFill>
+          </a:ln>
+        </p:spPr>
+        <p:style>
+          <a:lnRef idx="1">
+            <a:schemeClr val="accent1"/>
+          </a:lnRef>
+          <a:fillRef idx="0">
+            <a:schemeClr val="accent1"/>
+          </a:fillRef>
+          <a:effectRef idx="0">
+            <a:schemeClr val="accent1"/>
+          </a:effectRef>
+          <a:fontRef idx="minor">
+            <a:schemeClr val="tx1"/>
+          </a:fontRef>
+        </p:style>
+      </p:cxnSp>
+      <p:cxnSp>
+        <p:nvCxnSpPr>
+          <p:cNvPr id="180" name="直线连接符 179">
+            <a:extLst>
+              <a:ext uri="{FF2B5EF4-FFF2-40B4-BE49-F238E27FC236}">
+                <a16:creationId xmlns:a16="http://schemas.microsoft.com/office/drawing/2014/main" id="{8C17BE25-8255-584B-8FA3-A61DF69B65E0}"/>
+              </a:ext>
+            </a:extLst>
+          </p:cNvPr>
+          <p:cNvCxnSpPr>
+            <a:cxnSpLocks/>
+          </p:cNvCxnSpPr>
+          <p:nvPr/>
+        </p:nvCxnSpPr>
+        <p:spPr>
+          <a:xfrm>
+            <a:off x="8221675" y="8683583"/>
+            <a:ext cx="828000" cy="0"/>
+          </a:xfrm>
+          <a:prstGeom prst="line">
+            <a:avLst/>
+          </a:prstGeom>
+          <a:ln w="12700">
+            <a:solidFill>
+              <a:schemeClr val="accent6"/>
+            </a:solidFill>
+          </a:ln>
+        </p:spPr>
+        <p:style>
+          <a:lnRef idx="1">
+            <a:schemeClr val="accent1"/>
+          </a:lnRef>
+          <a:fillRef idx="0">
+            <a:schemeClr val="accent1"/>
+          </a:fillRef>
+          <a:effectRef idx="0">
+            <a:schemeClr val="accent1"/>
+          </a:effectRef>
+          <a:fontRef idx="minor">
+            <a:schemeClr val="tx1"/>
+          </a:fontRef>
+        </p:style>
+      </p:cxnSp>
     </p:spTree>
     <p:extLst>
       <p:ext uri="{BB962C8B-B14F-4D97-AF65-F5344CB8AC3E}">
-        <p14:creationId xmlns:p14="http://schemas.microsoft.com/office/powerpoint/2010/main" val="943690107"/>
+        <p14:creationId xmlns:p14="http://schemas.microsoft.com/office/powerpoint/2010/main" val="2974001111"/>
       </p:ext>
     </p:extLst>
   </p:cSld>
